--- a/presentation/Final Projection Presentation.pptx
+++ b/presentation/Final Projection Presentation.pptx
@@ -11,8 +11,9 @@
     <p:sldId id="257" r:id="rId5"/>
     <p:sldId id="258" r:id="rId6"/>
     <p:sldId id="260" r:id="rId7"/>
-    <p:sldId id="259" r:id="rId8"/>
-    <p:sldId id="261" r:id="rId9"/>
+    <p:sldId id="264" r:id="rId8"/>
+    <p:sldId id="259" r:id="rId9"/>
+    <p:sldId id="261" r:id="rId10"/>
   </p:sldIdLst>
   <p:sldSz cx="12192000" cy="6858000"/>
   <p:notesSz cx="6858000" cy="9144000"/>
@@ -3032,6 +3033,13 @@
   <p:clrMapOvr>
     <a:masterClrMapping/>
   </p:clrMapOvr>
+  <p:timing>
+    <p:tnLst>
+      <p:par>
+        <p:cTn id="1" dur="indefinite" restart="never" nodeType="tmRoot"/>
+      </p:par>
+    </p:tnLst>
+  </p:timing>
 </p:sld>
 </file>
 
@@ -3137,6 +3145,13 @@
   <p:clrMapOvr>
     <a:masterClrMapping/>
   </p:clrMapOvr>
+  <p:timing>
+    <p:tnLst>
+      <p:par>
+        <p:cTn id="1" dur="indefinite" restart="never" nodeType="tmRoot"/>
+      </p:par>
+    </p:tnLst>
+  </p:timing>
 </p:sld>
 </file>
 
@@ -3233,6 +3248,13 @@
   <p:clrMapOvr>
     <a:masterClrMapping/>
   </p:clrMapOvr>
+  <p:timing>
+    <p:tnLst>
+      <p:par>
+        <p:cTn id="1" dur="indefinite" restart="never" nodeType="tmRoot"/>
+      </p:par>
+    </p:tnLst>
+  </p:timing>
 </p:sld>
 </file>
 
@@ -3294,13 +3316,24 @@
         </p:spPr>
         <p:txBody>
           <a:bodyPr>
-            <a:normAutofit/>
+            <a:normAutofit fontScale="92500" lnSpcReduction="10000"/>
           </a:bodyPr>
           <a:lstStyle/>
           <a:p>
             <a:r>
               <a:rPr lang="en-US" dirty="0" smtClean="0"/>
-              <a:t>The PID controller has three variables: the proportional gain (</a:t>
+              <a:t>PID controller design: </a:t>
+            </a:r>
+          </a:p>
+          <a:p>
+            <a:pPr lvl="1"/>
+            <a:r>
+              <a:rPr lang="en-US" dirty="0" smtClean="0"/>
+              <a:t>proportional </a:t>
+            </a:r>
+            <a:r>
+              <a:rPr lang="en-US" dirty="0" smtClean="0"/>
+              <a:t>gain (</a:t>
             </a:r>
             <a:r>
               <a:rPr lang="en-US" dirty="0" err="1" smtClean="0"/>
@@ -3312,7 +3345,19 @@
             </a:r>
             <a:r>
               <a:rPr lang="en-US" dirty="0" smtClean="0"/>
-              <a:t>), the integral gain (K</a:t>
+              <a:t>), </a:t>
+            </a:r>
+            <a:endParaRPr lang="en-US" dirty="0" smtClean="0"/>
+          </a:p>
+          <a:p>
+            <a:pPr lvl="1"/>
+            <a:r>
+              <a:rPr lang="en-US" dirty="0" smtClean="0"/>
+              <a:t>integral </a:t>
+            </a:r>
+            <a:r>
+              <a:rPr lang="en-US" dirty="0" smtClean="0"/>
+              <a:t>gain (K</a:t>
             </a:r>
             <a:r>
               <a:rPr lang="en-US" baseline="-25000" dirty="0" smtClean="0"/>
@@ -3320,7 +3365,18 @@
             </a:r>
             <a:r>
               <a:rPr lang="en-US" dirty="0" smtClean="0"/>
-              <a:t>), and the derivative gain (</a:t>
+              <a:t>),</a:t>
+            </a:r>
+          </a:p>
+          <a:p>
+            <a:pPr lvl="1"/>
+            <a:r>
+              <a:rPr lang="en-US" dirty="0" smtClean="0"/>
+              <a:t>derivative </a:t>
+            </a:r>
+            <a:r>
+              <a:rPr lang="en-US" dirty="0" smtClean="0"/>
+              <a:t>gain (</a:t>
             </a:r>
             <a:r>
               <a:rPr lang="en-US" dirty="0" err="1" smtClean="0"/>
@@ -3332,8 +3388,9 @@
             </a:r>
             <a:r>
               <a:rPr lang="en-US" dirty="0" smtClean="0"/>
-              <a:t>).</a:t>
-            </a:r>
+              <a:t>)</a:t>
+            </a:r>
+            <a:endParaRPr lang="en-US" dirty="0" smtClean="0"/>
           </a:p>
           <a:p>
             <a:endParaRPr lang="en-US" dirty="0"/>
@@ -3440,8 +3497,8 @@
         </p:blipFill>
         <p:spPr>
           <a:xfrm>
-            <a:off x="3323741" y="2598120"/>
-            <a:ext cx="5544518" cy="2551031"/>
+            <a:off x="4170007" y="1690687"/>
+            <a:ext cx="7183793" cy="3305261"/>
           </a:xfrm>
           <a:prstGeom prst="rect">
             <a:avLst/>
@@ -3458,6 +3515,13 @@
   <p:clrMapOvr>
     <a:masterClrMapping/>
   </p:clrMapOvr>
+  <p:timing>
+    <p:tnLst>
+      <p:par>
+        <p:cTn id="1" dur="indefinite" restart="never" nodeType="tmRoot"/>
+      </p:par>
+    </p:tnLst>
+  </p:timing>
 </p:sld>
 </file>
 
@@ -3520,19 +3584,37 @@
           <a:p>
             <a:r>
               <a:rPr lang="en-US" sz="3600" dirty="0" smtClean="0"/>
-              <a:t>The proportional gain is what causes the controller to respond to different levels of error.</a:t>
-            </a:r>
-          </a:p>
-          <a:p>
+              <a:t>Proportional </a:t>
+            </a:r>
             <a:r>
               <a:rPr lang="en-US" sz="3600" dirty="0" smtClean="0"/>
-              <a:t>The integral gain lets the controller react to past error values. This eliminates any persistent error that the proportional gain does not correct.</a:t>
-            </a:r>
-          </a:p>
-          <a:p>
+              <a:t>gain </a:t>
+            </a:r>
             <a:r>
               <a:rPr lang="en-US" sz="3600" dirty="0" smtClean="0"/>
-              <a:t>The derivative gain estimates the future error. This constant helps eliminate any error at a faster pace.</a:t>
+              <a:t>– sensitivity to error</a:t>
+            </a:r>
+            <a:endParaRPr lang="en-US" sz="3600" dirty="0" smtClean="0"/>
+          </a:p>
+          <a:p>
+            <a:r>
+              <a:rPr lang="en-US" sz="3600" dirty="0" smtClean="0"/>
+              <a:t>Integral </a:t>
+            </a:r>
+            <a:r>
+              <a:rPr lang="en-US" sz="3600" dirty="0" smtClean="0"/>
+              <a:t>gain </a:t>
+            </a:r>
+            <a:r>
+              <a:rPr lang="en-US" sz="3600" dirty="0" smtClean="0"/>
+              <a:t>– reduces set-point error</a:t>
+            </a:r>
+            <a:endParaRPr lang="en-US" sz="3600" dirty="0" smtClean="0"/>
+          </a:p>
+          <a:p>
+            <a:r>
+              <a:rPr lang="en-US" sz="3600" dirty="0" smtClean="0"/>
+              <a:t>Derivative gain – improve settling time and stability </a:t>
             </a:r>
             <a:endParaRPr lang="en-US" sz="3600" dirty="0"/>
           </a:p>
@@ -3548,6 +3630,13 @@
   <p:clrMapOvr>
     <a:masterClrMapping/>
   </p:clrMapOvr>
+  <p:timing>
+    <p:tnLst>
+      <p:par>
+        <p:cTn id="1" dur="indefinite" restart="never" nodeType="tmRoot"/>
+      </p:par>
+    </p:tnLst>
+  </p:timing>
 </p:sld>
 </file>
 
@@ -3578,42 +3667,68 @@
             <p:ph type="title"/>
           </p:nvPr>
         </p:nvSpPr>
-        <p:spPr/>
-        <p:txBody>
-          <a:bodyPr/>
-          <a:lstStyle/>
-          <a:p>
+        <p:spPr>
+          <a:xfrm>
+            <a:off x="813954" y="82492"/>
+            <a:ext cx="10564091" cy="499399"/>
+          </a:xfrm>
+        </p:spPr>
+        <p:txBody>
+          <a:bodyPr>
+            <a:normAutofit fontScale="90000"/>
+          </a:bodyPr>
+          <a:lstStyle/>
+          <a:p>
+            <a:pPr algn="ctr"/>
             <a:r>
               <a:rPr lang="en-US" dirty="0" smtClean="0"/>
-              <a:t>MATLAB Graph</a:t>
+              <a:t>Open Loop Captured Data</a:t>
             </a:r>
             <a:endParaRPr lang="en-US" dirty="0"/>
           </a:p>
         </p:txBody>
       </p:sp>
-      <p:sp>
-        <p:nvSpPr>
-          <p:cNvPr id="3" name="Content Placeholder 2"/>
-          <p:cNvSpPr>
-            <a:spLocks noGrp="1"/>
-          </p:cNvSpPr>
-          <p:nvPr>
-            <p:ph idx="1"/>
-          </p:nvPr>
-        </p:nvSpPr>
-        <p:spPr/>
-        <p:txBody>
-          <a:bodyPr/>
-          <a:lstStyle/>
-          <a:p>
-            <a:r>
-              <a:rPr lang="en-US" dirty="0" smtClean="0"/>
-              <a:t>Open loop settling time</a:t>
-            </a:r>
-            <a:endParaRPr lang="en-US" dirty="0"/>
-          </a:p>
-        </p:txBody>
-      </p:sp>
+      <p:pic>
+        <p:nvPicPr>
+          <p:cNvPr id="1028" name="Picture 4" descr="https://raw.githubusercontent.com/jwd0023/3050/master/presentation/open_loop.PNG"/>
+          <p:cNvPicPr>
+            <a:picLocks noChangeAspect="1" noChangeArrowheads="1"/>
+          </p:cNvPicPr>
+          <p:nvPr/>
+        </p:nvPicPr>
+        <p:blipFill>
+          <a:blip r:embed="rId2">
+            <a:extLst>
+              <a:ext uri="{28A0092B-C50C-407E-A947-70E740481C1C}">
+                <a14:useLocalDpi xmlns:a14="http://schemas.microsoft.com/office/drawing/2010/main" val="0"/>
+              </a:ext>
+            </a:extLst>
+          </a:blip>
+          <a:srcRect/>
+          <a:stretch>
+            <a:fillRect/>
+          </a:stretch>
+        </p:blipFill>
+        <p:spPr bwMode="auto">
+          <a:xfrm>
+            <a:off x="0" y="581891"/>
+            <a:ext cx="12192000" cy="6276109"/>
+          </a:xfrm>
+          <a:prstGeom prst="rect">
+            <a:avLst/>
+          </a:prstGeom>
+          <a:noFill/>
+          <a:extLst>
+            <a:ext uri="{909E8E84-426E-40DD-AFC4-6F175D3DCCD1}">
+              <a14:hiddenFill xmlns:a14="http://schemas.microsoft.com/office/drawing/2010/main">
+                <a:solidFill>
+                  <a:srgbClr val="FFFFFF"/>
+                </a:solidFill>
+              </a14:hiddenFill>
+            </a:ext>
+          </a:extLst>
+        </p:spPr>
+      </p:pic>
     </p:spTree>
     <p:extLst>
       <p:ext uri="{BB962C8B-B14F-4D97-AF65-F5344CB8AC3E}">
@@ -3624,6 +3739,13 @@
   <p:clrMapOvr>
     <a:masterClrMapping/>
   </p:clrMapOvr>
+  <p:timing>
+    <p:tnLst>
+      <p:par>
+        <p:cTn id="1" dur="indefinite" restart="never" nodeType="tmRoot"/>
+      </p:par>
+    </p:tnLst>
+  </p:timing>
 </p:sld>
 </file>
 
@@ -3654,58 +3776,80 @@
             <p:ph type="title"/>
           </p:nvPr>
         </p:nvSpPr>
-        <p:spPr/>
-        <p:txBody>
-          <a:bodyPr/>
-          <a:lstStyle/>
-          <a:p>
-            <a:r>
-              <a:rPr lang="en-US" dirty="0" smtClean="0"/>
-              <a:t>PID Response</a:t>
-            </a:r>
+        <p:spPr>
+          <a:xfrm>
+            <a:off x="838200" y="99753"/>
+            <a:ext cx="10515600" cy="556953"/>
+          </a:xfrm>
+        </p:spPr>
+        <p:txBody>
+          <a:bodyPr>
+            <a:normAutofit fontScale="90000"/>
+          </a:bodyPr>
+          <a:lstStyle/>
+          <a:p>
             <a:endParaRPr lang="en-US" dirty="0"/>
           </a:p>
         </p:txBody>
       </p:sp>
-      <p:sp>
-        <p:nvSpPr>
-          <p:cNvPr id="3" name="Content Placeholder 2"/>
-          <p:cNvSpPr>
-            <a:spLocks noGrp="1"/>
-          </p:cNvSpPr>
-          <p:nvPr>
-            <p:ph idx="1"/>
-          </p:nvPr>
-        </p:nvSpPr>
-        <p:spPr/>
-        <p:txBody>
-          <a:bodyPr/>
-          <a:lstStyle/>
-          <a:p>
-            <a:r>
-              <a:rPr lang="en-US" dirty="0" smtClean="0"/>
-              <a:t>The oscilloscope results below show the response of going from 4 to 8.</a:t>
-            </a:r>
-          </a:p>
-          <a:p>
-            <a:r>
-              <a:rPr lang="en-US" dirty="0" smtClean="0"/>
-              <a:t>Notice how the response time is less than half of the open loop settling time.</a:t>
-            </a:r>
-            <a:endParaRPr lang="en-US" dirty="0"/>
-          </a:p>
-        </p:txBody>
-      </p:sp>
+      <p:pic>
+        <p:nvPicPr>
+          <p:cNvPr id="4" name="Picture 2" descr="https://raw.githubusercontent.com/jwd0023/3050/master/presentation/closed_loop.PNG"/>
+          <p:cNvPicPr>
+            <a:picLocks noChangeAspect="1" noChangeArrowheads="1"/>
+          </p:cNvPicPr>
+          <p:nvPr/>
+        </p:nvPicPr>
+        <p:blipFill>
+          <a:blip r:embed="rId2">
+            <a:extLst>
+              <a:ext uri="{28A0092B-C50C-407E-A947-70E740481C1C}">
+                <a14:useLocalDpi xmlns:a14="http://schemas.microsoft.com/office/drawing/2010/main" val="0"/>
+              </a:ext>
+            </a:extLst>
+          </a:blip>
+          <a:srcRect/>
+          <a:stretch>
+            <a:fillRect/>
+          </a:stretch>
+        </p:blipFill>
+        <p:spPr bwMode="auto">
+          <a:xfrm>
+            <a:off x="45133" y="864525"/>
+            <a:ext cx="12058198" cy="5910348"/>
+          </a:xfrm>
+          <a:prstGeom prst="rect">
+            <a:avLst/>
+          </a:prstGeom>
+          <a:noFill/>
+          <a:extLst>
+            <a:ext uri="{909E8E84-426E-40DD-AFC4-6F175D3DCCD1}">
+              <a14:hiddenFill xmlns:a14="http://schemas.microsoft.com/office/drawing/2010/main">
+                <a:solidFill>
+                  <a:srgbClr val="FFFFFF"/>
+                </a:solidFill>
+              </a14:hiddenFill>
+            </a:ext>
+          </a:extLst>
+        </p:spPr>
+      </p:pic>
     </p:spTree>
     <p:extLst>
       <p:ext uri="{BB962C8B-B14F-4D97-AF65-F5344CB8AC3E}">
-        <p14:creationId xmlns:p14="http://schemas.microsoft.com/office/powerpoint/2010/main" val="2964500714"/>
+        <p14:creationId xmlns:p14="http://schemas.microsoft.com/office/powerpoint/2010/main" val="2522030093"/>
       </p:ext>
     </p:extLst>
   </p:cSld>
   <p:clrMapOvr>
     <a:masterClrMapping/>
   </p:clrMapOvr>
+  <p:timing>
+    <p:tnLst>
+      <p:par>
+        <p:cTn id="1" dur="indefinite" restart="never" nodeType="tmRoot"/>
+      </p:par>
+    </p:tnLst>
+  </p:timing>
 </p:sld>
 </file>
 
@@ -3743,6 +3887,107 @@
           <a:p>
             <a:r>
               <a:rPr lang="en-US" dirty="0" smtClean="0"/>
+              <a:t>PID Response</a:t>
+            </a:r>
+            <a:endParaRPr lang="en-US" dirty="0"/>
+          </a:p>
+        </p:txBody>
+      </p:sp>
+      <p:sp>
+        <p:nvSpPr>
+          <p:cNvPr id="3" name="Content Placeholder 2"/>
+          <p:cNvSpPr>
+            <a:spLocks noGrp="1"/>
+          </p:cNvSpPr>
+          <p:nvPr>
+            <p:ph idx="1"/>
+          </p:nvPr>
+        </p:nvSpPr>
+        <p:spPr/>
+        <p:txBody>
+          <a:bodyPr/>
+          <a:lstStyle/>
+          <a:p>
+            <a:r>
+              <a:rPr lang="en-US" dirty="0" smtClean="0"/>
+              <a:t>Same transition from 480 mV to 900 mV</a:t>
+            </a:r>
+            <a:endParaRPr lang="en-US" dirty="0" smtClean="0"/>
+          </a:p>
+          <a:p>
+            <a:r>
+              <a:rPr lang="en-US" dirty="0" smtClean="0"/>
+              <a:t>Settling time: 280-300 </a:t>
+            </a:r>
+            <a:r>
+              <a:rPr lang="en-US" dirty="0" err="1" smtClean="0"/>
+              <a:t>ms</a:t>
+            </a:r>
+            <a:endParaRPr lang="en-US" dirty="0" smtClean="0"/>
+          </a:p>
+          <a:p>
+            <a:r>
+              <a:rPr lang="en-US" dirty="0" smtClean="0"/>
+              <a:t>Minimal ripple: under 10 mV</a:t>
+            </a:r>
+            <a:endParaRPr lang="en-US" dirty="0"/>
+          </a:p>
+        </p:txBody>
+      </p:sp>
+    </p:spTree>
+    <p:extLst>
+      <p:ext uri="{BB962C8B-B14F-4D97-AF65-F5344CB8AC3E}">
+        <p14:creationId xmlns:p14="http://schemas.microsoft.com/office/powerpoint/2010/main" val="2964500714"/>
+      </p:ext>
+    </p:extLst>
+  </p:cSld>
+  <p:clrMapOvr>
+    <a:masterClrMapping/>
+  </p:clrMapOvr>
+  <p:timing>
+    <p:tnLst>
+      <p:par>
+        <p:cTn id="1" dur="indefinite" restart="never" nodeType="tmRoot"/>
+      </p:par>
+    </p:tnLst>
+  </p:timing>
+</p:sld>
+</file>
+
+<file path=ppt/slides/slide9.xml><?xml version="1.0" encoding="utf-8"?>
+<p:sld xmlns:a="http://schemas.openxmlformats.org/drawingml/2006/main" xmlns:r="http://schemas.openxmlformats.org/officeDocument/2006/relationships" xmlns:p="http://schemas.openxmlformats.org/presentationml/2006/main">
+  <p:cSld>
+    <p:spTree>
+      <p:nvGrpSpPr>
+        <p:cNvPr id="1" name=""/>
+        <p:cNvGrpSpPr/>
+        <p:nvPr/>
+      </p:nvGrpSpPr>
+      <p:grpSpPr>
+        <a:xfrm>
+          <a:off x="0" y="0"/>
+          <a:ext cx="0" cy="0"/>
+          <a:chOff x="0" y="0"/>
+          <a:chExt cx="0" cy="0"/>
+        </a:xfrm>
+      </p:grpSpPr>
+      <p:sp>
+        <p:nvSpPr>
+          <p:cNvPr id="2" name="Title 1"/>
+          <p:cNvSpPr>
+            <a:spLocks noGrp="1"/>
+          </p:cNvSpPr>
+          <p:nvPr>
+            <p:ph type="title"/>
+          </p:nvPr>
+        </p:nvSpPr>
+        <p:spPr/>
+        <p:txBody>
+          <a:bodyPr/>
+          <a:lstStyle/>
+          <a:p>
+            <a:r>
+              <a:rPr lang="en-US" dirty="0" smtClean="0"/>
               <a:t>PID Program</a:t>
             </a:r>
             <a:endParaRPr lang="en-US" dirty="0"/>
@@ -3778,6 +4023,13 @@
   <p:clrMapOvr>
     <a:masterClrMapping/>
   </p:clrMapOvr>
+  <p:timing>
+    <p:tnLst>
+      <p:par>
+        <p:cTn id="1" dur="indefinite" restart="never" nodeType="tmRoot"/>
+      </p:par>
+    </p:tnLst>
+  </p:timing>
 </p:sld>
 </file>
 

--- a/presentation/Final Projection Presentation.pptx
+++ b/presentation/Final Projection Presentation.pptx
@@ -2,7 +2,7 @@
 <file path=ppt/presentation.xml><?xml version="1.0" encoding="utf-8"?>
 <p:presentation xmlns:a="http://schemas.openxmlformats.org/drawingml/2006/main" xmlns:r="http://schemas.openxmlformats.org/officeDocument/2006/relationships" xmlns:p="http://schemas.openxmlformats.org/presentationml/2006/main" saveSubsetFonts="1">
   <p:sldMasterIdLst>
-    <p:sldMasterId id="2147483648" r:id="rId1"/>
+    <p:sldMasterId id="2147483796" r:id="rId1"/>
   </p:sldMasterIdLst>
   <p:sldIdLst>
     <p:sldId id="256" r:id="rId2"/>
@@ -10,10 +10,12 @@
     <p:sldId id="263" r:id="rId4"/>
     <p:sldId id="257" r:id="rId5"/>
     <p:sldId id="258" r:id="rId6"/>
-    <p:sldId id="260" r:id="rId7"/>
-    <p:sldId id="264" r:id="rId8"/>
-    <p:sldId id="259" r:id="rId9"/>
-    <p:sldId id="261" r:id="rId10"/>
+    <p:sldId id="265" r:id="rId7"/>
+    <p:sldId id="266" r:id="rId8"/>
+    <p:sldId id="260" r:id="rId9"/>
+    <p:sldId id="264" r:id="rId10"/>
+    <p:sldId id="259" r:id="rId11"/>
+    <p:sldId id="261" r:id="rId12"/>
   </p:sldIdLst>
   <p:sldSz cx="12192000" cy="6858000"/>
   <p:notesSz cx="6858000" cy="9144000"/>
@@ -113,6 +115,41 @@
     </a:lvl9pPr>
   </p:defaultTextStyle>
   <p:extLst>
+    <p:ext uri="{521415D9-36F7-43E2-AB2F-B90AF26B5E84}">
+      <p14:sectionLst xmlns:p14="http://schemas.microsoft.com/office/powerpoint/2010/main">
+        <p14:section name="Default Section" id="{C34F5175-D93E-4B55-96B4-763D3827DF72}">
+          <p14:sldIdLst>
+            <p14:sldId id="256"/>
+          </p14:sldIdLst>
+        </p14:section>
+        <p14:section name="Requirements/Intro" id="{ECFDB2E0-FED3-4299-98B1-9124FB899E23}">
+          <p14:sldIdLst>
+            <p14:sldId id="262"/>
+            <p14:sldId id="263"/>
+          </p14:sldIdLst>
+        </p14:section>
+        <p14:section name="PID Controller Basics" id="{792F2554-A493-44F0-B6A5-F5309E47AA22}">
+          <p14:sldIdLst>
+            <p14:sldId id="257"/>
+            <p14:sldId id="258"/>
+          </p14:sldIdLst>
+        </p14:section>
+        <p14:section name="Tuning Methods and Analysis" id="{EA5189ED-F919-41E6-AB29-D2D0930FB021}">
+          <p14:sldIdLst>
+            <p14:sldId id="265"/>
+            <p14:sldId id="266"/>
+          </p14:sldIdLst>
+        </p14:section>
+        <p14:section name="Results" id="{E14F06A3-517D-492B-9BCB-73801150B100}">
+          <p14:sldIdLst>
+            <p14:sldId id="260"/>
+            <p14:sldId id="264"/>
+            <p14:sldId id="259"/>
+            <p14:sldId id="261"/>
+          </p14:sldIdLst>
+        </p14:section>
+      </p14:sectionLst>
+    </p:ext>
     <p:ext uri="{EFAFB233-063F-42B5-8137-9DF3F51BA10A}">
       <p15:sldGuideLst xmlns:p15="http://schemas.microsoft.com/office/powerpoint/2012/main"/>
     </p:ext>
@@ -302,7 +339,7 @@
     </p:spTree>
     <p:extLst>
       <p:ext uri="{BB962C8B-B14F-4D97-AF65-F5344CB8AC3E}">
-        <p14:creationId xmlns:p14="http://schemas.microsoft.com/office/powerpoint/2010/main" val="3565436481"/>
+        <p14:creationId xmlns:p14="http://schemas.microsoft.com/office/powerpoint/2010/main" val="2512409728"/>
       </p:ext>
     </p:extLst>
   </p:cSld>
@@ -370,7 +407,7 @@
             <a:pPr lvl="0"/>
             <a:r>
               <a:rPr lang="en-US" smtClean="0"/>
-              <a:t>Click to edit Master text styles</a:t>
+              <a:t>Edit Master text styles</a:t>
             </a:r>
           </a:p>
           <a:p>
@@ -472,7 +509,7 @@
     </p:spTree>
     <p:extLst>
       <p:ext uri="{BB962C8B-B14F-4D97-AF65-F5344CB8AC3E}">
-        <p14:creationId xmlns:p14="http://schemas.microsoft.com/office/powerpoint/2010/main" val="2262567812"/>
+        <p14:creationId xmlns:p14="http://schemas.microsoft.com/office/powerpoint/2010/main" val="4027119525"/>
       </p:ext>
     </p:extLst>
   </p:cSld>
@@ -550,7 +587,7 @@
             <a:pPr lvl="0"/>
             <a:r>
               <a:rPr lang="en-US" smtClean="0"/>
-              <a:t>Click to edit Master text styles</a:t>
+              <a:t>Edit Master text styles</a:t>
             </a:r>
           </a:p>
           <a:p>
@@ -652,7 +689,7 @@
     </p:spTree>
     <p:extLst>
       <p:ext uri="{BB962C8B-B14F-4D97-AF65-F5344CB8AC3E}">
-        <p14:creationId xmlns:p14="http://schemas.microsoft.com/office/powerpoint/2010/main" val="2861602565"/>
+        <p14:creationId xmlns:p14="http://schemas.microsoft.com/office/powerpoint/2010/main" val="3574635842"/>
       </p:ext>
     </p:extLst>
   </p:cSld>
@@ -720,7 +757,7 @@
             <a:pPr lvl="0"/>
             <a:r>
               <a:rPr lang="en-US" smtClean="0"/>
-              <a:t>Click to edit Master text styles</a:t>
+              <a:t>Edit Master text styles</a:t>
             </a:r>
           </a:p>
           <a:p>
@@ -822,7 +859,7 @@
     </p:spTree>
     <p:extLst>
       <p:ext uri="{BB962C8B-B14F-4D97-AF65-F5344CB8AC3E}">
-        <p14:creationId xmlns:p14="http://schemas.microsoft.com/office/powerpoint/2010/main" val="3122258543"/>
+        <p14:creationId xmlns:p14="http://schemas.microsoft.com/office/powerpoint/2010/main" val="2334085496"/>
       </p:ext>
     </p:extLst>
   </p:cSld>
@@ -995,7 +1032,7 @@
             <a:pPr lvl="0"/>
             <a:r>
               <a:rPr lang="en-US" smtClean="0"/>
-              <a:t>Click to edit Master text styles</a:t>
+              <a:t>Edit Master text styles</a:t>
             </a:r>
           </a:p>
         </p:txBody>
@@ -1068,7 +1105,7 @@
     </p:spTree>
     <p:extLst>
       <p:ext uri="{BB962C8B-B14F-4D97-AF65-F5344CB8AC3E}">
-        <p14:creationId xmlns:p14="http://schemas.microsoft.com/office/powerpoint/2010/main" val="4246481983"/>
+        <p14:creationId xmlns:p14="http://schemas.microsoft.com/office/powerpoint/2010/main" val="492532139"/>
       </p:ext>
     </p:extLst>
   </p:cSld>
@@ -1141,7 +1178,7 @@
             <a:pPr lvl="0"/>
             <a:r>
               <a:rPr lang="en-US" smtClean="0"/>
-              <a:t>Click to edit Master text styles</a:t>
+              <a:t>Edit Master text styles</a:t>
             </a:r>
           </a:p>
           <a:p>
@@ -1198,7 +1235,7 @@
             <a:pPr lvl="0"/>
             <a:r>
               <a:rPr lang="en-US" smtClean="0"/>
-              <a:t>Click to edit Master text styles</a:t>
+              <a:t>Edit Master text styles</a:t>
             </a:r>
           </a:p>
           <a:p>
@@ -1300,7 +1337,7 @@
     </p:spTree>
     <p:extLst>
       <p:ext uri="{BB962C8B-B14F-4D97-AF65-F5344CB8AC3E}">
-        <p14:creationId xmlns:p14="http://schemas.microsoft.com/office/powerpoint/2010/main" val="1623837592"/>
+        <p14:creationId xmlns:p14="http://schemas.microsoft.com/office/powerpoint/2010/main" val="3941030008"/>
       </p:ext>
     </p:extLst>
   </p:cSld>
@@ -1415,7 +1452,7 @@
             <a:pPr lvl="0"/>
             <a:r>
               <a:rPr lang="en-US" smtClean="0"/>
-              <a:t>Click to edit Master text styles</a:t>
+              <a:t>Edit Master text styles</a:t>
             </a:r>
           </a:p>
         </p:txBody>
@@ -1443,7 +1480,7 @@
             <a:pPr lvl="0"/>
             <a:r>
               <a:rPr lang="en-US" smtClean="0"/>
-              <a:t>Click to edit Master text styles</a:t>
+              <a:t>Edit Master text styles</a:t>
             </a:r>
           </a:p>
           <a:p>
@@ -1537,7 +1574,7 @@
             <a:pPr lvl="0"/>
             <a:r>
               <a:rPr lang="en-US" smtClean="0"/>
-              <a:t>Click to edit Master text styles</a:t>
+              <a:t>Edit Master text styles</a:t>
             </a:r>
           </a:p>
         </p:txBody>
@@ -1565,7 +1602,7 @@
             <a:pPr lvl="0"/>
             <a:r>
               <a:rPr lang="en-US" smtClean="0"/>
-              <a:t>Click to edit Master text styles</a:t>
+              <a:t>Edit Master text styles</a:t>
             </a:r>
           </a:p>
           <a:p>
@@ -1667,7 +1704,7 @@
     </p:spTree>
     <p:extLst>
       <p:ext uri="{BB962C8B-B14F-4D97-AF65-F5344CB8AC3E}">
-        <p14:creationId xmlns:p14="http://schemas.microsoft.com/office/powerpoint/2010/main" val="1102888825"/>
+        <p14:creationId xmlns:p14="http://schemas.microsoft.com/office/powerpoint/2010/main" val="3490789584"/>
       </p:ext>
     </p:extLst>
   </p:cSld>
@@ -1785,7 +1822,7 @@
     </p:spTree>
     <p:extLst>
       <p:ext uri="{BB962C8B-B14F-4D97-AF65-F5344CB8AC3E}">
-        <p14:creationId xmlns:p14="http://schemas.microsoft.com/office/powerpoint/2010/main" val="1989778139"/>
+        <p14:creationId xmlns:p14="http://schemas.microsoft.com/office/powerpoint/2010/main" val="980604596"/>
       </p:ext>
     </p:extLst>
   </p:cSld>
@@ -1880,7 +1917,7 @@
     </p:spTree>
     <p:extLst>
       <p:ext uri="{BB962C8B-B14F-4D97-AF65-F5344CB8AC3E}">
-        <p14:creationId xmlns:p14="http://schemas.microsoft.com/office/powerpoint/2010/main" val="2491478984"/>
+        <p14:creationId xmlns:p14="http://schemas.microsoft.com/office/powerpoint/2010/main" val="3538753271"/>
       </p:ext>
     </p:extLst>
   </p:cSld>
@@ -1990,7 +2027,7 @@
             <a:pPr lvl="0"/>
             <a:r>
               <a:rPr lang="en-US" smtClean="0"/>
-              <a:t>Click to edit Master text styles</a:t>
+              <a:t>Edit Master text styles</a:t>
             </a:r>
           </a:p>
           <a:p>
@@ -2084,7 +2121,7 @@
             <a:pPr lvl="0"/>
             <a:r>
               <a:rPr lang="en-US" smtClean="0"/>
-              <a:t>Click to edit Master text styles</a:t>
+              <a:t>Edit Master text styles</a:t>
             </a:r>
           </a:p>
         </p:txBody>
@@ -2157,7 +2194,7 @@
     </p:spTree>
     <p:extLst>
       <p:ext uri="{BB962C8B-B14F-4D97-AF65-F5344CB8AC3E}">
-        <p14:creationId xmlns:p14="http://schemas.microsoft.com/office/powerpoint/2010/main" val="513399351"/>
+        <p14:creationId xmlns:p14="http://schemas.microsoft.com/office/powerpoint/2010/main" val="2206305317"/>
       </p:ext>
     </p:extLst>
   </p:cSld>
@@ -2337,7 +2374,7 @@
             <a:pPr lvl="0"/>
             <a:r>
               <a:rPr lang="en-US" smtClean="0"/>
-              <a:t>Click to edit Master text styles</a:t>
+              <a:t>Edit Master text styles</a:t>
             </a:r>
           </a:p>
         </p:txBody>
@@ -2410,7 +2447,7 @@
     </p:spTree>
     <p:extLst>
       <p:ext uri="{BB962C8B-B14F-4D97-AF65-F5344CB8AC3E}">
-        <p14:creationId xmlns:p14="http://schemas.microsoft.com/office/powerpoint/2010/main" val="2769036125"/>
+        <p14:creationId xmlns:p14="http://schemas.microsoft.com/office/powerpoint/2010/main" val="2005850275"/>
       </p:ext>
     </p:extLst>
   </p:cSld>
@@ -2503,7 +2540,7 @@
             <a:pPr lvl="0"/>
             <a:r>
               <a:rPr lang="en-US" smtClean="0"/>
-              <a:t>Click to edit Master text styles</a:t>
+              <a:t>Edit Master text styles</a:t>
             </a:r>
           </a:p>
           <a:p>
@@ -2659,23 +2696,23 @@
     </p:spTree>
     <p:extLst>
       <p:ext uri="{BB962C8B-B14F-4D97-AF65-F5344CB8AC3E}">
-        <p14:creationId xmlns:p14="http://schemas.microsoft.com/office/powerpoint/2010/main" val="164067154"/>
+        <p14:creationId xmlns:p14="http://schemas.microsoft.com/office/powerpoint/2010/main" val="1176293721"/>
       </p:ext>
     </p:extLst>
   </p:cSld>
   <p:clrMap bg1="lt1" tx1="dk1" bg2="lt2" tx2="dk2" accent1="accent1" accent2="accent2" accent3="accent3" accent4="accent4" accent5="accent5" accent6="accent6" hlink="hlink" folHlink="folHlink"/>
   <p:sldLayoutIdLst>
-    <p:sldLayoutId id="2147483649" r:id="rId1"/>
-    <p:sldLayoutId id="2147483650" r:id="rId2"/>
-    <p:sldLayoutId id="2147483651" r:id="rId3"/>
-    <p:sldLayoutId id="2147483652" r:id="rId4"/>
-    <p:sldLayoutId id="2147483653" r:id="rId5"/>
-    <p:sldLayoutId id="2147483654" r:id="rId6"/>
-    <p:sldLayoutId id="2147483655" r:id="rId7"/>
-    <p:sldLayoutId id="2147483656" r:id="rId8"/>
-    <p:sldLayoutId id="2147483657" r:id="rId9"/>
-    <p:sldLayoutId id="2147483658" r:id="rId10"/>
-    <p:sldLayoutId id="2147483659" r:id="rId11"/>
+    <p:sldLayoutId id="2147483797" r:id="rId1"/>
+    <p:sldLayoutId id="2147483798" r:id="rId2"/>
+    <p:sldLayoutId id="2147483799" r:id="rId3"/>
+    <p:sldLayoutId id="2147483800" r:id="rId4"/>
+    <p:sldLayoutId id="2147483801" r:id="rId5"/>
+    <p:sldLayoutId id="2147483802" r:id="rId6"/>
+    <p:sldLayoutId id="2147483803" r:id="rId7"/>
+    <p:sldLayoutId id="2147483804" r:id="rId8"/>
+    <p:sldLayoutId id="2147483805" r:id="rId9"/>
+    <p:sldLayoutId id="2147483806" r:id="rId10"/>
+    <p:sldLayoutId id="2147483807" r:id="rId11"/>
   </p:sldLayoutIdLst>
   <p:txStyles>
     <p:titleStyle>
@@ -2957,6 +2994,11 @@
       </a:lvl9pPr>
     </p:otherStyle>
   </p:txStyles>
+  <p:extLst>
+    <p:ext uri="{27BBF7A9-308A-43DC-89C8-2F10F3537804}">
+      <p15:sldGuideLst xmlns:p15="http://schemas.microsoft.com/office/powerpoint/2012/main"/>
+    </p:ext>
+  </p:extLst>
 </p:sldMaster>
 </file>
 
@@ -2994,7 +3036,7 @@
           <a:p>
             <a:r>
               <a:rPr lang="en-US" dirty="0" smtClean="0"/>
-              <a:t>Final Projection Presentation</a:t>
+              <a:t>PID Controller Design and Tuning</a:t>
             </a:r>
             <a:endParaRPr lang="en-US" dirty="0"/>
           </a:p>
@@ -3027,6 +3069,194 @@
     <p:extLst>
       <p:ext uri="{BB962C8B-B14F-4D97-AF65-F5344CB8AC3E}">
         <p14:creationId xmlns:p14="http://schemas.microsoft.com/office/powerpoint/2010/main" val="1311179493"/>
+      </p:ext>
+    </p:extLst>
+  </p:cSld>
+  <p:clrMapOvr>
+    <a:masterClrMapping/>
+  </p:clrMapOvr>
+  <p:timing>
+    <p:tnLst>
+      <p:par>
+        <p:cTn id="1" dur="indefinite" restart="never" nodeType="tmRoot"/>
+      </p:par>
+    </p:tnLst>
+  </p:timing>
+</p:sld>
+</file>
+
+<file path=ppt/slides/slide10.xml><?xml version="1.0" encoding="utf-8"?>
+<p:sld xmlns:a="http://schemas.openxmlformats.org/drawingml/2006/main" xmlns:r="http://schemas.openxmlformats.org/officeDocument/2006/relationships" xmlns:p="http://schemas.openxmlformats.org/presentationml/2006/main">
+  <p:cSld>
+    <p:spTree>
+      <p:nvGrpSpPr>
+        <p:cNvPr id="1" name=""/>
+        <p:cNvGrpSpPr/>
+        <p:nvPr/>
+      </p:nvGrpSpPr>
+      <p:grpSpPr>
+        <a:xfrm>
+          <a:off x="0" y="0"/>
+          <a:ext cx="0" cy="0"/>
+          <a:chOff x="0" y="0"/>
+          <a:chExt cx="0" cy="0"/>
+        </a:xfrm>
+      </p:grpSpPr>
+      <p:sp>
+        <p:nvSpPr>
+          <p:cNvPr id="2" name="Title 1"/>
+          <p:cNvSpPr>
+            <a:spLocks noGrp="1"/>
+          </p:cNvSpPr>
+          <p:nvPr>
+            <p:ph type="title"/>
+          </p:nvPr>
+        </p:nvSpPr>
+        <p:spPr/>
+        <p:txBody>
+          <a:bodyPr/>
+          <a:lstStyle/>
+          <a:p>
+            <a:pPr algn="ctr"/>
+            <a:r>
+              <a:rPr lang="en-US" dirty="0" smtClean="0"/>
+              <a:t>Closed Loop Response Summary</a:t>
+            </a:r>
+            <a:endParaRPr lang="en-US" dirty="0"/>
+          </a:p>
+        </p:txBody>
+      </p:sp>
+      <p:sp>
+        <p:nvSpPr>
+          <p:cNvPr id="3" name="Content Placeholder 2"/>
+          <p:cNvSpPr>
+            <a:spLocks noGrp="1"/>
+          </p:cNvSpPr>
+          <p:nvPr>
+            <p:ph idx="1"/>
+          </p:nvPr>
+        </p:nvSpPr>
+        <p:spPr/>
+        <p:txBody>
+          <a:bodyPr/>
+          <a:lstStyle/>
+          <a:p>
+            <a:r>
+              <a:rPr lang="en-US" dirty="0" smtClean="0"/>
+              <a:t>Same transition from 480 mV to 900 mV</a:t>
+            </a:r>
+          </a:p>
+          <a:p>
+            <a:r>
+              <a:rPr lang="en-US" dirty="0" smtClean="0"/>
+              <a:t>Settling time: 280-300 </a:t>
+            </a:r>
+            <a:r>
+              <a:rPr lang="en-US" dirty="0" err="1" smtClean="0"/>
+              <a:t>ms</a:t>
+            </a:r>
+            <a:r>
+              <a:rPr lang="en-US" dirty="0" smtClean="0"/>
+              <a:t> </a:t>
+            </a:r>
+            <a:r>
+              <a:rPr lang="en-US" dirty="0" smtClean="0"/>
+              <a:t>(~50% faster)</a:t>
+            </a:r>
+            <a:endParaRPr lang="en-US" dirty="0" smtClean="0"/>
+          </a:p>
+          <a:p>
+            <a:r>
+              <a:rPr lang="en-US" dirty="0" smtClean="0"/>
+              <a:t>Minimal ripple: under 10 mV</a:t>
+            </a:r>
+            <a:endParaRPr lang="en-US" dirty="0"/>
+          </a:p>
+        </p:txBody>
+      </p:sp>
+    </p:spTree>
+    <p:extLst>
+      <p:ext uri="{BB962C8B-B14F-4D97-AF65-F5344CB8AC3E}">
+        <p14:creationId xmlns:p14="http://schemas.microsoft.com/office/powerpoint/2010/main" val="2964500714"/>
+      </p:ext>
+    </p:extLst>
+  </p:cSld>
+  <p:clrMapOvr>
+    <a:masterClrMapping/>
+  </p:clrMapOvr>
+  <p:timing>
+    <p:tnLst>
+      <p:par>
+        <p:cTn id="1" dur="indefinite" restart="never" nodeType="tmRoot"/>
+      </p:par>
+    </p:tnLst>
+  </p:timing>
+</p:sld>
+</file>
+
+<file path=ppt/slides/slide11.xml><?xml version="1.0" encoding="utf-8"?>
+<p:sld xmlns:a="http://schemas.openxmlformats.org/drawingml/2006/main" xmlns:r="http://schemas.openxmlformats.org/officeDocument/2006/relationships" xmlns:p="http://schemas.openxmlformats.org/presentationml/2006/main">
+  <p:cSld>
+    <p:spTree>
+      <p:nvGrpSpPr>
+        <p:cNvPr id="1" name=""/>
+        <p:cNvGrpSpPr/>
+        <p:nvPr/>
+      </p:nvGrpSpPr>
+      <p:grpSpPr>
+        <a:xfrm>
+          <a:off x="0" y="0"/>
+          <a:ext cx="0" cy="0"/>
+          <a:chOff x="0" y="0"/>
+          <a:chExt cx="0" cy="0"/>
+        </a:xfrm>
+      </p:grpSpPr>
+      <p:sp>
+        <p:nvSpPr>
+          <p:cNvPr id="2" name="Title 1"/>
+          <p:cNvSpPr>
+            <a:spLocks noGrp="1"/>
+          </p:cNvSpPr>
+          <p:nvPr>
+            <p:ph type="title"/>
+          </p:nvPr>
+        </p:nvSpPr>
+        <p:spPr/>
+        <p:txBody>
+          <a:bodyPr/>
+          <a:lstStyle/>
+          <a:p>
+            <a:r>
+              <a:rPr lang="en-US" dirty="0" smtClean="0"/>
+              <a:t>PID Program</a:t>
+            </a:r>
+            <a:endParaRPr lang="en-US" dirty="0"/>
+          </a:p>
+        </p:txBody>
+      </p:sp>
+      <p:sp>
+        <p:nvSpPr>
+          <p:cNvPr id="3" name="Content Placeholder 2"/>
+          <p:cNvSpPr>
+            <a:spLocks noGrp="1"/>
+          </p:cNvSpPr>
+          <p:nvPr>
+            <p:ph idx="1"/>
+          </p:nvPr>
+        </p:nvSpPr>
+        <p:spPr/>
+        <p:txBody>
+          <a:bodyPr/>
+          <a:lstStyle/>
+          <a:p>
+            <a:endParaRPr lang="en-US" dirty="0"/>
+          </a:p>
+        </p:txBody>
+      </p:sp>
+    </p:spTree>
+    <p:extLst>
+      <p:ext uri="{BB962C8B-B14F-4D97-AF65-F5344CB8AC3E}">
+        <p14:creationId xmlns:p14="http://schemas.microsoft.com/office/powerpoint/2010/main" val="201261486"/>
       </p:ext>
     </p:extLst>
   </p:cSld>
@@ -3075,9 +3305,10 @@
           <a:bodyPr/>
           <a:lstStyle/>
           <a:p>
+            <a:pPr algn="ctr"/>
             <a:r>
               <a:rPr lang="en-US" dirty="0" smtClean="0"/>
-              <a:t>Problem</a:t>
+              <a:t>Problem and Requirements</a:t>
             </a:r>
             <a:endParaRPr lang="en-US" dirty="0"/>
           </a:p>
@@ -3095,36 +3326,36 @@
         </p:nvSpPr>
         <p:spPr/>
         <p:txBody>
-          <a:bodyPr/>
+          <a:bodyPr>
+            <a:normAutofit/>
+          </a:bodyPr>
           <a:lstStyle/>
           <a:p>
             <a:r>
               <a:rPr lang="en-US" sz="3600" dirty="0" smtClean="0"/>
-              <a:t>Speed controlled by keypad</a:t>
-            </a:r>
-          </a:p>
-          <a:p>
-            <a:r>
-              <a:rPr lang="en-US" sz="3600" dirty="0" smtClean="0"/>
-              <a:t>Steady state speed within 5% of desired speed</a:t>
-            </a:r>
-          </a:p>
-          <a:p>
-            <a:r>
-              <a:rPr lang="en-US" sz="3600" dirty="0" smtClean="0"/>
-              <a:t>BCD stopwatch that displays times from 0.0 to 9.9 seconds controlled by the keypad</a:t>
-            </a:r>
-          </a:p>
-          <a:p>
-            <a:r>
-              <a:rPr lang="en-US" sz="3600" dirty="0" smtClean="0"/>
-              <a:t>Closed loop response that settles in half the time it takes to settle with an open loop response</a:t>
-            </a:r>
-          </a:p>
-          <a:p>
-            <a:r>
-              <a:rPr lang="en-US" sz="3600" dirty="0" smtClean="0"/>
-              <a:t>Overshoot less than 10%</a:t>
+              <a:t>Design a “good” motor controller</a:t>
+            </a:r>
+            <a:endParaRPr lang="en-US" sz="3200" dirty="0" smtClean="0"/>
+          </a:p>
+          <a:p>
+            <a:pPr lvl="1"/>
+            <a:r>
+              <a:rPr lang="en-US" sz="3200" dirty="0" smtClean="0"/>
+              <a:t>5% steady state error</a:t>
+            </a:r>
+          </a:p>
+          <a:p>
+            <a:pPr lvl="1"/>
+            <a:r>
+              <a:rPr lang="en-US" sz="3200" dirty="0" smtClean="0"/>
+              <a:t>&lt; 10% overshoot</a:t>
+            </a:r>
+          </a:p>
+          <a:p>
+            <a:pPr lvl="1"/>
+            <a:r>
+              <a:rPr lang="en-US" sz="3200" dirty="0" smtClean="0"/>
+              <a:t>Closed loop response 50% faster than open loop</a:t>
             </a:r>
           </a:p>
           <a:p>
@@ -3187,6 +3418,7 @@
           <a:bodyPr/>
           <a:lstStyle/>
           <a:p>
+            <a:pPr algn="ctr"/>
             <a:r>
               <a:rPr lang="en-US" dirty="0" smtClean="0"/>
               <a:t>Solution</a:t>
@@ -3212,7 +3444,7 @@
           <a:p>
             <a:r>
               <a:rPr lang="en-US" dirty="0" smtClean="0"/>
-              <a:t>We decided to use a PID controller.</a:t>
+              <a:t>Use PID controller</a:t>
             </a:r>
           </a:p>
           <a:p>
@@ -3223,16 +3455,8 @@
           </a:p>
           <a:p>
             <a:r>
-              <a:rPr lang="en-US" smtClean="0"/>
-              <a:t>[More reasons we </a:t>
-            </a:r>
-            <a:r>
               <a:rPr lang="en-US" dirty="0" smtClean="0"/>
-              <a:t>chose a </a:t>
-            </a:r>
-            <a:r>
-              <a:rPr lang="en-US" smtClean="0"/>
-              <a:t>PID controller]</a:t>
+              <a:t>[More reasons we chose a PID controller]</a:t>
             </a:r>
             <a:endParaRPr lang="en-US" dirty="0"/>
           </a:p>
@@ -3290,6 +3514,7 @@
           <a:bodyPr/>
           <a:lstStyle/>
           <a:p>
+            <a:pPr algn="ctr"/>
             <a:r>
               <a:rPr lang="en-US" dirty="0" smtClean="0"/>
               <a:t>PID Controller</a:t>
@@ -3298,183 +3523,231 @@
           </a:p>
         </p:txBody>
       </p:sp>
-      <p:sp>
-        <p:nvSpPr>
-          <p:cNvPr id="3" name="Content Placeholder 2"/>
-          <p:cNvSpPr>
-            <a:spLocks noGrp="1"/>
-          </p:cNvSpPr>
-          <p:nvPr>
-            <p:ph idx="1"/>
-          </p:nvPr>
-        </p:nvSpPr>
-        <p:spPr>
-          <a:xfrm>
-            <a:off x="838200" y="1690688"/>
-            <a:ext cx="10515600" cy="4992334"/>
-          </a:xfrm>
-        </p:spPr>
-        <p:txBody>
-          <a:bodyPr>
-            <a:normAutofit fontScale="92500" lnSpcReduction="10000"/>
-          </a:bodyPr>
-          <a:lstStyle/>
-          <a:p>
-            <a:r>
-              <a:rPr lang="en-US" dirty="0" smtClean="0"/>
-              <a:t>PID controller design: </a:t>
-            </a:r>
-          </a:p>
-          <a:p>
-            <a:pPr lvl="1"/>
-            <a:r>
-              <a:rPr lang="en-US" dirty="0" smtClean="0"/>
-              <a:t>proportional </a:t>
-            </a:r>
-            <a:r>
-              <a:rPr lang="en-US" dirty="0" smtClean="0"/>
-              <a:t>gain (</a:t>
-            </a:r>
-            <a:r>
-              <a:rPr lang="en-US" dirty="0" err="1" smtClean="0"/>
-              <a:t>K</a:t>
-            </a:r>
-            <a:r>
-              <a:rPr lang="en-US" baseline="-25000" dirty="0" err="1" smtClean="0"/>
-              <a:t>p</a:t>
-            </a:r>
-            <a:r>
-              <a:rPr lang="en-US" dirty="0" smtClean="0"/>
-              <a:t>), </a:t>
-            </a:r>
-            <a:endParaRPr lang="en-US" dirty="0" smtClean="0"/>
-          </a:p>
-          <a:p>
-            <a:pPr lvl="1"/>
-            <a:r>
-              <a:rPr lang="en-US" dirty="0" smtClean="0"/>
-              <a:t>integral </a:t>
-            </a:r>
-            <a:r>
-              <a:rPr lang="en-US" dirty="0" smtClean="0"/>
-              <a:t>gain (K</a:t>
-            </a:r>
-            <a:r>
-              <a:rPr lang="en-US" baseline="-25000" dirty="0" smtClean="0"/>
-              <a:t>i</a:t>
-            </a:r>
-            <a:r>
-              <a:rPr lang="en-US" dirty="0" smtClean="0"/>
-              <a:t>),</a:t>
-            </a:r>
-          </a:p>
-          <a:p>
-            <a:pPr lvl="1"/>
-            <a:r>
-              <a:rPr lang="en-US" dirty="0" smtClean="0"/>
-              <a:t>derivative </a:t>
-            </a:r>
-            <a:r>
-              <a:rPr lang="en-US" dirty="0" smtClean="0"/>
-              <a:t>gain (</a:t>
-            </a:r>
-            <a:r>
-              <a:rPr lang="en-US" dirty="0" err="1" smtClean="0"/>
-              <a:t>K</a:t>
-            </a:r>
-            <a:r>
-              <a:rPr lang="en-US" baseline="-25000" dirty="0" err="1" smtClean="0"/>
-              <a:t>d</a:t>
-            </a:r>
-            <a:r>
-              <a:rPr lang="en-US" dirty="0" smtClean="0"/>
-              <a:t>)</a:t>
-            </a:r>
-            <a:endParaRPr lang="en-US" dirty="0" smtClean="0"/>
-          </a:p>
-          <a:p>
-            <a:endParaRPr lang="en-US" dirty="0"/>
-          </a:p>
-          <a:p>
-            <a:endParaRPr lang="en-US" dirty="0" smtClean="0"/>
-          </a:p>
-          <a:p>
-            <a:endParaRPr lang="en-US" dirty="0"/>
-          </a:p>
-          <a:p>
-            <a:endParaRPr lang="en-US" dirty="0" smtClean="0"/>
-          </a:p>
-          <a:p>
-            <a:pPr marL="457200" lvl="1" indent="0">
-              <a:buNone/>
-            </a:pPr>
-            <a:endParaRPr lang="en-US" dirty="0" smtClean="0"/>
-          </a:p>
-          <a:p>
-            <a:pPr marL="457200" lvl="1" indent="0" algn="ctr">
-              <a:buNone/>
-            </a:pPr>
-            <a:endParaRPr lang="en-US" sz="1200" dirty="0"/>
-          </a:p>
-          <a:p>
-            <a:pPr marL="457200" lvl="1" indent="0" algn="ctr">
-              <a:buNone/>
-            </a:pPr>
-            <a:r>
-              <a:rPr lang="en-US" sz="1200" dirty="0" smtClean="0"/>
-              <a:t>https://nicisdigital.wordpress.com/2011/06/27/proportional-integral-derivative-pid-controller/</a:t>
-            </a:r>
-          </a:p>
-          <a:p>
-            <a:r>
-              <a:rPr lang="en-US" dirty="0" smtClean="0"/>
-              <a:t>The PID controller transfer function in the frequency domain is:</a:t>
-            </a:r>
-          </a:p>
-          <a:p>
-            <a:pPr marL="0" indent="0" algn="ctr">
-              <a:buNone/>
-            </a:pPr>
-            <a:r>
-              <a:rPr lang="en-US" dirty="0" smtClean="0"/>
-              <a:t>C(s) = </a:t>
-            </a:r>
-            <a:r>
-              <a:rPr lang="en-US" dirty="0" err="1" smtClean="0"/>
-              <a:t>K</a:t>
-            </a:r>
-            <a:r>
-              <a:rPr lang="en-US" baseline="-25000" dirty="0" err="1" smtClean="0"/>
-              <a:t>p</a:t>
-            </a:r>
-            <a:r>
-              <a:rPr lang="en-US" dirty="0" smtClean="0"/>
-              <a:t> + K</a:t>
-            </a:r>
-            <a:r>
-              <a:rPr lang="en-US" baseline="-25000" dirty="0" smtClean="0"/>
-              <a:t>i</a:t>
-            </a:r>
-            <a:r>
-              <a:rPr lang="en-US" dirty="0" smtClean="0"/>
-              <a:t>/s + </a:t>
-            </a:r>
-            <a:r>
-              <a:rPr lang="en-US" dirty="0" err="1" smtClean="0"/>
-              <a:t>K</a:t>
-            </a:r>
-            <a:r>
-              <a:rPr lang="en-US" baseline="-25000" dirty="0" err="1" smtClean="0"/>
-              <a:t>d</a:t>
-            </a:r>
-            <a:r>
-              <a:rPr lang="en-US" dirty="0" smtClean="0"/>
-              <a:t>*s.</a:t>
-            </a:r>
-            <a:endParaRPr lang="en-US" dirty="0"/>
-          </a:p>
-        </p:txBody>
-      </p:sp>
+      <mc:AlternateContent xmlns:mc="http://schemas.openxmlformats.org/markup-compatibility/2006" xmlns:a14="http://schemas.microsoft.com/office/drawing/2010/main">
+        <mc:Choice Requires="a14">
+          <p:sp>
+            <p:nvSpPr>
+              <p:cNvPr id="3" name="Content Placeholder 2"/>
+              <p:cNvSpPr>
+                <a:spLocks noGrp="1"/>
+              </p:cNvSpPr>
+              <p:nvPr>
+                <p:ph idx="1"/>
+              </p:nvPr>
+            </p:nvSpPr>
+            <p:spPr>
+              <a:xfrm>
+                <a:off x="7528723" y="1479121"/>
+                <a:ext cx="3825077" cy="2334410"/>
+              </a:xfrm>
+            </p:spPr>
+            <p:txBody>
+              <a:bodyPr>
+                <a:normAutofit/>
+              </a:bodyPr>
+              <a:lstStyle/>
+              <a:p>
+                <a:r>
+                  <a:rPr lang="en-US" dirty="0"/>
+                  <a:t>The PID controller transfer function:</a:t>
+                </a:r>
+              </a:p>
+              <a:p>
+                <a:pPr lvl="1"/>
+                <a14:m>
+                  <m:oMath xmlns:m="http://schemas.openxmlformats.org/officeDocument/2006/math">
+                    <m:r>
+                      <m:rPr>
+                        <m:sty m:val="p"/>
+                      </m:rPr>
+                      <a:rPr lang="en-US">
+                        <a:latin typeface="Cambria Math" panose="02040503050406030204" pitchFamily="18" charset="0"/>
+                      </a:rPr>
+                      <m:t>C</m:t>
+                    </m:r>
+                    <m:d>
+                      <m:dPr>
+                        <m:ctrlPr>
+                          <a:rPr lang="en-US" i="1">
+                            <a:latin typeface="Cambria Math" panose="02040503050406030204" pitchFamily="18" charset="0"/>
+                          </a:rPr>
+                        </m:ctrlPr>
+                      </m:dPr>
+                      <m:e>
+                        <m:r>
+                          <m:rPr>
+                            <m:sty m:val="p"/>
+                          </m:rPr>
+                          <a:rPr lang="en-US">
+                            <a:latin typeface="Cambria Math" panose="02040503050406030204" pitchFamily="18" charset="0"/>
+                          </a:rPr>
+                          <m:t>s</m:t>
+                        </m:r>
+                      </m:e>
+                    </m:d>
+                    <m:r>
+                      <a:rPr lang="en-US">
+                        <a:latin typeface="Cambria Math" panose="02040503050406030204" pitchFamily="18" charset="0"/>
+                      </a:rPr>
+                      <m:t>= </m:t>
+                    </m:r>
+                    <m:sSub>
+                      <m:sSubPr>
+                        <m:ctrlPr>
+                          <a:rPr lang="en-US" i="1">
+                            <a:latin typeface="Cambria Math" panose="02040503050406030204" pitchFamily="18" charset="0"/>
+                          </a:rPr>
+                        </m:ctrlPr>
+                      </m:sSubPr>
+                      <m:e>
+                        <m:r>
+                          <a:rPr lang="en-US" i="1">
+                            <a:latin typeface="Cambria Math" panose="02040503050406030204" pitchFamily="18" charset="0"/>
+                          </a:rPr>
+                          <m:t>𝐾</m:t>
+                        </m:r>
+                      </m:e>
+                      <m:sub>
+                        <m:r>
+                          <a:rPr lang="en-US" i="1">
+                            <a:latin typeface="Cambria Math" panose="02040503050406030204" pitchFamily="18" charset="0"/>
+                          </a:rPr>
+                          <m:t>𝑝</m:t>
+                        </m:r>
+                      </m:sub>
+                    </m:sSub>
+                    <m:r>
+                      <a:rPr lang="en-US" i="1">
+                        <a:latin typeface="Cambria Math" panose="02040503050406030204" pitchFamily="18" charset="0"/>
+                      </a:rPr>
+                      <m:t>+</m:t>
+                    </m:r>
+                    <m:f>
+                      <m:fPr>
+                        <m:ctrlPr>
+                          <a:rPr lang="en-US" i="1">
+                            <a:latin typeface="Cambria Math" panose="02040503050406030204" pitchFamily="18" charset="0"/>
+                          </a:rPr>
+                        </m:ctrlPr>
+                      </m:fPr>
+                      <m:num>
+                        <m:sSub>
+                          <m:sSubPr>
+                            <m:ctrlPr>
+                              <a:rPr lang="en-US" i="1">
+                                <a:latin typeface="Cambria Math" panose="02040503050406030204" pitchFamily="18" charset="0"/>
+                              </a:rPr>
+                            </m:ctrlPr>
+                          </m:sSubPr>
+                          <m:e>
+                            <m:r>
+                              <a:rPr lang="en-US" i="1">
+                                <a:latin typeface="Cambria Math" panose="02040503050406030204" pitchFamily="18" charset="0"/>
+                              </a:rPr>
+                              <m:t>𝐾</m:t>
+                            </m:r>
+                          </m:e>
+                          <m:sub>
+                            <m:r>
+                              <a:rPr lang="en-US" i="1">
+                                <a:latin typeface="Cambria Math" panose="02040503050406030204" pitchFamily="18" charset="0"/>
+                              </a:rPr>
+                              <m:t>𝑖</m:t>
+                            </m:r>
+                          </m:sub>
+                        </m:sSub>
+                      </m:num>
+                      <m:den>
+                        <m:r>
+                          <a:rPr lang="en-US" i="1">
+                            <a:latin typeface="Cambria Math" panose="02040503050406030204" pitchFamily="18" charset="0"/>
+                          </a:rPr>
+                          <m:t>𝑠</m:t>
+                        </m:r>
+                      </m:den>
+                    </m:f>
+                    <m:r>
+                      <a:rPr lang="en-US" i="1">
+                        <a:latin typeface="Cambria Math" panose="02040503050406030204" pitchFamily="18" charset="0"/>
+                      </a:rPr>
+                      <m:t>+</m:t>
+                    </m:r>
+                    <m:r>
+                      <a:rPr lang="en-US" i="1">
+                        <a:latin typeface="Cambria Math" panose="02040503050406030204" pitchFamily="18" charset="0"/>
+                      </a:rPr>
+                      <m:t>𝑠</m:t>
+                    </m:r>
+                    <m:sSub>
+                      <m:sSubPr>
+                        <m:ctrlPr>
+                          <a:rPr lang="en-US" i="1">
+                            <a:latin typeface="Cambria Math" panose="02040503050406030204" pitchFamily="18" charset="0"/>
+                          </a:rPr>
+                        </m:ctrlPr>
+                      </m:sSubPr>
+                      <m:e>
+                        <m:r>
+                          <a:rPr lang="en-US" i="1">
+                            <a:latin typeface="Cambria Math" panose="02040503050406030204" pitchFamily="18" charset="0"/>
+                          </a:rPr>
+                          <m:t>𝐾</m:t>
+                        </m:r>
+                      </m:e>
+                      <m:sub>
+                        <m:r>
+                          <a:rPr lang="en-US" i="1">
+                            <a:latin typeface="Cambria Math" panose="02040503050406030204" pitchFamily="18" charset="0"/>
+                          </a:rPr>
+                          <m:t>𝑑</m:t>
+                        </m:r>
+                      </m:sub>
+                    </m:sSub>
+                  </m:oMath>
+                </a14:m>
+                <a:endParaRPr lang="en-US" sz="1200" dirty="0" smtClean="0"/>
+              </a:p>
+            </p:txBody>
+          </p:sp>
+        </mc:Choice>
+        <mc:Fallback xmlns="">
+          <p:sp>
+            <p:nvSpPr>
+              <p:cNvPr id="3" name="Content Placeholder 2"/>
+              <p:cNvSpPr>
+                <a:spLocks noGrp="1" noRot="1" noChangeAspect="1" noMove="1" noResize="1" noEditPoints="1" noAdjustHandles="1" noChangeArrowheads="1" noChangeShapeType="1" noTextEdit="1"/>
+              </p:cNvSpPr>
+              <p:nvPr>
+                <p:ph idx="1"/>
+              </p:nvPr>
+            </p:nvSpPr>
+            <p:spPr>
+              <a:xfrm>
+                <a:off x="7528723" y="1479121"/>
+                <a:ext cx="3825077" cy="2334410"/>
+              </a:xfrm>
+              <a:blipFill>
+                <a:blip r:embed="rId2"/>
+                <a:stretch>
+                  <a:fillRect l="-2866" t="-4439"/>
+                </a:stretch>
+              </a:blipFill>
+            </p:spPr>
+            <p:txBody>
+              <a:bodyPr/>
+              <a:lstStyle/>
+              <a:p>
+                <a:r>
+                  <a:rPr lang="en-US">
+                    <a:noFill/>
+                  </a:rPr>
+                  <a:t> </a:t>
+                </a:r>
+              </a:p>
+            </p:txBody>
+          </p:sp>
+        </mc:Fallback>
+      </mc:AlternateContent>
       <p:pic>
         <p:nvPicPr>
           <p:cNvPr id="4" name="Picture 3"/>
@@ -3484,7 +3757,7 @@
           <p:nvPr/>
         </p:nvPicPr>
         <p:blipFill>
-          <a:blip r:embed="rId2" cstate="print">
+          <a:blip r:embed="rId3" cstate="print">
             <a:extLst>
               <a:ext uri="{28A0092B-C50C-407E-A947-70E740481C1C}">
                 <a14:useLocalDpi xmlns:a14="http://schemas.microsoft.com/office/drawing/2010/main" val="0"/>
@@ -3497,14 +3770,322 @@
         </p:blipFill>
         <p:spPr>
           <a:xfrm>
-            <a:off x="4170007" y="1690687"/>
-            <a:ext cx="7183793" cy="3305261"/>
+            <a:off x="2680304" y="3253213"/>
+            <a:ext cx="6831393" cy="3143122"/>
           </a:xfrm>
           <a:prstGeom prst="rect">
             <a:avLst/>
           </a:prstGeom>
         </p:spPr>
       </p:pic>
+      <p:sp>
+        <p:nvSpPr>
+          <p:cNvPr id="5" name="TextBox 4"/>
+          <p:cNvSpPr txBox="1"/>
+          <p:nvPr/>
+        </p:nvSpPr>
+        <p:spPr>
+          <a:xfrm>
+            <a:off x="2821009" y="6396335"/>
+            <a:ext cx="6208222" cy="461665"/>
+          </a:xfrm>
+          <a:prstGeom prst="rect">
+            <a:avLst/>
+          </a:prstGeom>
+          <a:noFill/>
+        </p:spPr>
+        <p:txBody>
+          <a:bodyPr wrap="square" rtlCol="0">
+            <a:spAutoFit/>
+          </a:bodyPr>
+          <a:lstStyle/>
+          <a:p>
+            <a:r>
+              <a:rPr lang="en-US" sz="1200" dirty="0" smtClean="0">
+                <a:hlinkClick r:id="rId4"/>
+              </a:rPr>
+              <a:t>   https</a:t>
+            </a:r>
+            <a:r>
+              <a:rPr lang="en-US" sz="1200" dirty="0">
+                <a:hlinkClick r:id="rId4"/>
+              </a:rPr>
+              <a:t>://nicisdigital.wordpress.com/2011/06/27/proportional-integral-derivative-pid-controller/</a:t>
+            </a:r>
+            <a:endParaRPr lang="en-US" sz="1200" dirty="0"/>
+          </a:p>
+          <a:p>
+            <a:endParaRPr lang="en-US" sz="1200" dirty="0"/>
+          </a:p>
+        </p:txBody>
+      </p:sp>
+      <p:sp>
+        <p:nvSpPr>
+          <p:cNvPr id="6" name="Content Placeholder 2"/>
+          <p:cNvSpPr txBox="1">
+            <a:spLocks/>
+          </p:cNvSpPr>
+          <p:nvPr/>
+        </p:nvSpPr>
+        <p:spPr>
+          <a:xfrm>
+            <a:off x="838200" y="1479121"/>
+            <a:ext cx="3825077" cy="2334410"/>
+          </a:xfrm>
+          <a:prstGeom prst="rect">
+            <a:avLst/>
+          </a:prstGeom>
+        </p:spPr>
+        <p:txBody>
+          <a:bodyPr vert="horz" lIns="91440" tIns="45720" rIns="91440" bIns="45720" rtlCol="0">
+            <a:normAutofit/>
+          </a:bodyPr>
+          <a:lstStyle>
+            <a:lvl1pPr marL="228600" indent="-228600" algn="l" defTabSz="914400" rtl="0" eaLnBrk="1" latinLnBrk="0" hangingPunct="1">
+              <a:lnSpc>
+                <a:spcPct val="90000"/>
+              </a:lnSpc>
+              <a:spcBef>
+                <a:spcPts val="1000"/>
+              </a:spcBef>
+              <a:buFont typeface="Arial" panose="020B0604020202020204" pitchFamily="34" charset="0"/>
+              <a:buChar char="•"/>
+              <a:defRPr sz="2800" kern="1200">
+                <a:solidFill>
+                  <a:schemeClr val="tx1"/>
+                </a:solidFill>
+                <a:latin typeface="+mn-lt"/>
+                <a:ea typeface="+mn-ea"/>
+                <a:cs typeface="+mn-cs"/>
+              </a:defRPr>
+            </a:lvl1pPr>
+            <a:lvl2pPr marL="685800" indent="-228600" algn="l" defTabSz="914400" rtl="0" eaLnBrk="1" latinLnBrk="0" hangingPunct="1">
+              <a:lnSpc>
+                <a:spcPct val="90000"/>
+              </a:lnSpc>
+              <a:spcBef>
+                <a:spcPts val="500"/>
+              </a:spcBef>
+              <a:buFont typeface="Arial" panose="020B0604020202020204" pitchFamily="34" charset="0"/>
+              <a:buChar char="•"/>
+              <a:defRPr sz="2400" kern="1200">
+                <a:solidFill>
+                  <a:schemeClr val="tx1"/>
+                </a:solidFill>
+                <a:latin typeface="+mn-lt"/>
+                <a:ea typeface="+mn-ea"/>
+                <a:cs typeface="+mn-cs"/>
+              </a:defRPr>
+            </a:lvl2pPr>
+            <a:lvl3pPr marL="1143000" indent="-228600" algn="l" defTabSz="914400" rtl="0" eaLnBrk="1" latinLnBrk="0" hangingPunct="1">
+              <a:lnSpc>
+                <a:spcPct val="90000"/>
+              </a:lnSpc>
+              <a:spcBef>
+                <a:spcPts val="500"/>
+              </a:spcBef>
+              <a:buFont typeface="Arial" panose="020B0604020202020204" pitchFamily="34" charset="0"/>
+              <a:buChar char="•"/>
+              <a:defRPr sz="2000" kern="1200">
+                <a:solidFill>
+                  <a:schemeClr val="tx1"/>
+                </a:solidFill>
+                <a:latin typeface="+mn-lt"/>
+                <a:ea typeface="+mn-ea"/>
+                <a:cs typeface="+mn-cs"/>
+              </a:defRPr>
+            </a:lvl3pPr>
+            <a:lvl4pPr marL="1600200" indent="-228600" algn="l" defTabSz="914400" rtl="0" eaLnBrk="1" latinLnBrk="0" hangingPunct="1">
+              <a:lnSpc>
+                <a:spcPct val="90000"/>
+              </a:lnSpc>
+              <a:spcBef>
+                <a:spcPts val="500"/>
+              </a:spcBef>
+              <a:buFont typeface="Arial" panose="020B0604020202020204" pitchFamily="34" charset="0"/>
+              <a:buChar char="•"/>
+              <a:defRPr sz="1800" kern="1200">
+                <a:solidFill>
+                  <a:schemeClr val="tx1"/>
+                </a:solidFill>
+                <a:latin typeface="+mn-lt"/>
+                <a:ea typeface="+mn-ea"/>
+                <a:cs typeface="+mn-cs"/>
+              </a:defRPr>
+            </a:lvl4pPr>
+            <a:lvl5pPr marL="2057400" indent="-228600" algn="l" defTabSz="914400" rtl="0" eaLnBrk="1" latinLnBrk="0" hangingPunct="1">
+              <a:lnSpc>
+                <a:spcPct val="90000"/>
+              </a:lnSpc>
+              <a:spcBef>
+                <a:spcPts val="500"/>
+              </a:spcBef>
+              <a:buFont typeface="Arial" panose="020B0604020202020204" pitchFamily="34" charset="0"/>
+              <a:buChar char="•"/>
+              <a:defRPr sz="1800" kern="1200">
+                <a:solidFill>
+                  <a:schemeClr val="tx1"/>
+                </a:solidFill>
+                <a:latin typeface="+mn-lt"/>
+                <a:ea typeface="+mn-ea"/>
+                <a:cs typeface="+mn-cs"/>
+              </a:defRPr>
+            </a:lvl5pPr>
+            <a:lvl6pPr marL="2514600" indent="-228600" algn="l" defTabSz="914400" rtl="0" eaLnBrk="1" latinLnBrk="0" hangingPunct="1">
+              <a:lnSpc>
+                <a:spcPct val="90000"/>
+              </a:lnSpc>
+              <a:spcBef>
+                <a:spcPts val="500"/>
+              </a:spcBef>
+              <a:buFont typeface="Arial" panose="020B0604020202020204" pitchFamily="34" charset="0"/>
+              <a:buChar char="•"/>
+              <a:defRPr sz="1800" kern="1200">
+                <a:solidFill>
+                  <a:schemeClr val="tx1"/>
+                </a:solidFill>
+                <a:latin typeface="+mn-lt"/>
+                <a:ea typeface="+mn-ea"/>
+                <a:cs typeface="+mn-cs"/>
+              </a:defRPr>
+            </a:lvl6pPr>
+            <a:lvl7pPr marL="2971800" indent="-228600" algn="l" defTabSz="914400" rtl="0" eaLnBrk="1" latinLnBrk="0" hangingPunct="1">
+              <a:lnSpc>
+                <a:spcPct val="90000"/>
+              </a:lnSpc>
+              <a:spcBef>
+                <a:spcPts val="500"/>
+              </a:spcBef>
+              <a:buFont typeface="Arial" panose="020B0604020202020204" pitchFamily="34" charset="0"/>
+              <a:buChar char="•"/>
+              <a:defRPr sz="1800" kern="1200">
+                <a:solidFill>
+                  <a:schemeClr val="tx1"/>
+                </a:solidFill>
+                <a:latin typeface="+mn-lt"/>
+                <a:ea typeface="+mn-ea"/>
+                <a:cs typeface="+mn-cs"/>
+              </a:defRPr>
+            </a:lvl7pPr>
+            <a:lvl8pPr marL="3429000" indent="-228600" algn="l" defTabSz="914400" rtl="0" eaLnBrk="1" latinLnBrk="0" hangingPunct="1">
+              <a:lnSpc>
+                <a:spcPct val="90000"/>
+              </a:lnSpc>
+              <a:spcBef>
+                <a:spcPts val="500"/>
+              </a:spcBef>
+              <a:buFont typeface="Arial" panose="020B0604020202020204" pitchFamily="34" charset="0"/>
+              <a:buChar char="•"/>
+              <a:defRPr sz="1800" kern="1200">
+                <a:solidFill>
+                  <a:schemeClr val="tx1"/>
+                </a:solidFill>
+                <a:latin typeface="+mn-lt"/>
+                <a:ea typeface="+mn-ea"/>
+                <a:cs typeface="+mn-cs"/>
+              </a:defRPr>
+            </a:lvl8pPr>
+            <a:lvl9pPr marL="3886200" indent="-228600" algn="l" defTabSz="914400" rtl="0" eaLnBrk="1" latinLnBrk="0" hangingPunct="1">
+              <a:lnSpc>
+                <a:spcPct val="90000"/>
+              </a:lnSpc>
+              <a:spcBef>
+                <a:spcPts val="500"/>
+              </a:spcBef>
+              <a:buFont typeface="Arial" panose="020B0604020202020204" pitchFamily="34" charset="0"/>
+              <a:buChar char="•"/>
+              <a:defRPr sz="1800" kern="1200">
+                <a:solidFill>
+                  <a:schemeClr val="tx1"/>
+                </a:solidFill>
+                <a:latin typeface="+mn-lt"/>
+                <a:ea typeface="+mn-ea"/>
+                <a:cs typeface="+mn-cs"/>
+              </a:defRPr>
+            </a:lvl9pPr>
+          </a:lstStyle>
+          <a:p>
+            <a:r>
+              <a:rPr lang="en-US" dirty="0" smtClean="0"/>
+              <a:t>PID controller design: </a:t>
+            </a:r>
+          </a:p>
+          <a:p>
+            <a:pPr lvl="1"/>
+            <a:r>
+              <a:rPr lang="en-US" dirty="0" smtClean="0"/>
+              <a:t>proportional gain (</a:t>
+            </a:r>
+            <a:r>
+              <a:rPr lang="en-US" dirty="0" err="1" smtClean="0"/>
+              <a:t>K</a:t>
+            </a:r>
+            <a:r>
+              <a:rPr lang="en-US" baseline="-25000" dirty="0" err="1" smtClean="0"/>
+              <a:t>p</a:t>
+            </a:r>
+            <a:r>
+              <a:rPr lang="en-US" dirty="0" smtClean="0"/>
+              <a:t>) </a:t>
+            </a:r>
+          </a:p>
+          <a:p>
+            <a:pPr lvl="1"/>
+            <a:r>
+              <a:rPr lang="en-US" dirty="0" smtClean="0"/>
+              <a:t>integral gain (K</a:t>
+            </a:r>
+            <a:r>
+              <a:rPr lang="en-US" baseline="-25000" dirty="0" smtClean="0"/>
+              <a:t>i</a:t>
+            </a:r>
+            <a:r>
+              <a:rPr lang="en-US" dirty="0" smtClean="0"/>
+              <a:t>)</a:t>
+            </a:r>
+          </a:p>
+          <a:p>
+            <a:pPr lvl="1"/>
+            <a:r>
+              <a:rPr lang="en-US" dirty="0" smtClean="0"/>
+              <a:t>derivative gain (</a:t>
+            </a:r>
+            <a:r>
+              <a:rPr lang="en-US" dirty="0" err="1" smtClean="0"/>
+              <a:t>K</a:t>
+            </a:r>
+            <a:r>
+              <a:rPr lang="en-US" baseline="-25000" dirty="0" err="1" smtClean="0"/>
+              <a:t>d</a:t>
+            </a:r>
+            <a:r>
+              <a:rPr lang="en-US" dirty="0" smtClean="0"/>
+              <a:t>)</a:t>
+            </a:r>
+          </a:p>
+          <a:p>
+            <a:endParaRPr lang="en-US" dirty="0"/>
+          </a:p>
+          <a:p>
+            <a:pPr lvl="1"/>
+            <a:endParaRPr lang="en-US" dirty="0" smtClean="0"/>
+          </a:p>
+          <a:p>
+            <a:pPr marL="457200" lvl="1" indent="0" algn="ctr">
+              <a:buFont typeface="Arial" panose="020B0604020202020204" pitchFamily="34" charset="0"/>
+              <a:buNone/>
+            </a:pPr>
+            <a:endParaRPr lang="en-US" sz="1200" dirty="0"/>
+          </a:p>
+          <a:p>
+            <a:pPr marL="457200" lvl="1" indent="0" algn="ctr">
+              <a:buFont typeface="Arial" panose="020B0604020202020204" pitchFamily="34" charset="0"/>
+              <a:buNone/>
+            </a:pPr>
+            <a:endParaRPr lang="en-US" sz="1200" dirty="0" smtClean="0"/>
+          </a:p>
+        </p:txBody>
+      </p:sp>
     </p:spTree>
     <p:extLst>
       <p:ext uri="{BB962C8B-B14F-4D97-AF65-F5344CB8AC3E}">
@@ -3557,6 +4138,7 @@
           <a:bodyPr/>
           <a:lstStyle/>
           <a:p>
+            <a:pPr algn="ctr"/>
             <a:r>
               <a:rPr lang="en-US" dirty="0" smtClean="0"/>
               <a:t>PID Controller Operation</a:t>
@@ -3584,38 +4166,22 @@
           <a:p>
             <a:r>
               <a:rPr lang="en-US" sz="3600" dirty="0" smtClean="0"/>
-              <a:t>Proportional </a:t>
-            </a:r>
+              <a:t>Proportional gain – sensitivity to error</a:t>
+            </a:r>
+          </a:p>
+          <a:p>
             <a:r>
               <a:rPr lang="en-US" sz="3600" dirty="0" smtClean="0"/>
-              <a:t>gain </a:t>
-            </a:r>
-            <a:r>
-              <a:rPr lang="en-US" sz="3600" dirty="0" smtClean="0"/>
-              <a:t>– sensitivity to error</a:t>
-            </a:r>
-            <a:endParaRPr lang="en-US" sz="3600" dirty="0" smtClean="0"/>
-          </a:p>
-          <a:p>
-            <a:r>
-              <a:rPr lang="en-US" sz="3600" dirty="0" smtClean="0"/>
-              <a:t>Integral </a:t>
-            </a:r>
-            <a:r>
-              <a:rPr lang="en-US" sz="3600" dirty="0" smtClean="0"/>
-              <a:t>gain </a:t>
-            </a:r>
-            <a:r>
-              <a:rPr lang="en-US" sz="3600" dirty="0" smtClean="0"/>
-              <a:t>– reduces set-point error</a:t>
-            </a:r>
-            <a:endParaRPr lang="en-US" sz="3600" dirty="0" smtClean="0"/>
+              <a:t>Integral gain – reduces set-point error</a:t>
+            </a:r>
           </a:p>
           <a:p>
             <a:r>
               <a:rPr lang="en-US" sz="3600" dirty="0" smtClean="0"/>
               <a:t>Derivative gain – improve settling time and stability </a:t>
             </a:r>
+          </a:p>
+          <a:p>
             <a:endParaRPr lang="en-US" sz="3600" dirty="0"/>
           </a:p>
         </p:txBody>
@@ -3641,6 +4207,879 @@
 </file>
 
 <file path=ppt/slides/slide6.xml><?xml version="1.0" encoding="utf-8"?>
+<p:sld xmlns:a="http://schemas.openxmlformats.org/drawingml/2006/main" xmlns:r="http://schemas.openxmlformats.org/officeDocument/2006/relationships" xmlns:p="http://schemas.openxmlformats.org/presentationml/2006/main">
+  <p:cSld>
+    <p:spTree>
+      <p:nvGrpSpPr>
+        <p:cNvPr id="1" name=""/>
+        <p:cNvGrpSpPr/>
+        <p:nvPr/>
+      </p:nvGrpSpPr>
+      <p:grpSpPr>
+        <a:xfrm>
+          <a:off x="0" y="0"/>
+          <a:ext cx="0" cy="0"/>
+          <a:chOff x="0" y="0"/>
+          <a:chExt cx="0" cy="0"/>
+        </a:xfrm>
+      </p:grpSpPr>
+      <p:sp>
+        <p:nvSpPr>
+          <p:cNvPr id="2" name="Title 1"/>
+          <p:cNvSpPr>
+            <a:spLocks noGrp="1"/>
+          </p:cNvSpPr>
+          <p:nvPr>
+            <p:ph type="title"/>
+          </p:nvPr>
+        </p:nvSpPr>
+        <p:spPr/>
+        <p:txBody>
+          <a:bodyPr/>
+          <a:lstStyle/>
+          <a:p>
+            <a:pPr algn="ctr"/>
+            <a:r>
+              <a:rPr lang="en-US" dirty="0" smtClean="0"/>
+              <a:t>Discrete PID Equations</a:t>
+            </a:r>
+            <a:endParaRPr lang="en-US" dirty="0"/>
+          </a:p>
+        </p:txBody>
+      </p:sp>
+      <mc:AlternateContent xmlns:mc="http://schemas.openxmlformats.org/markup-compatibility/2006">
+        <mc:Choice xmlns:a14="http://schemas.microsoft.com/office/drawing/2010/main" Requires="a14">
+          <p:sp>
+            <p:nvSpPr>
+              <p:cNvPr id="3" name="Content Placeholder 2"/>
+              <p:cNvSpPr>
+                <a:spLocks noGrp="1"/>
+              </p:cNvSpPr>
+              <p:nvPr>
+                <p:ph idx="1"/>
+              </p:nvPr>
+            </p:nvSpPr>
+            <p:spPr>
+              <a:xfrm>
+                <a:off x="838200" y="1825625"/>
+                <a:ext cx="7923415" cy="4351338"/>
+              </a:xfrm>
+            </p:spPr>
+            <p:txBody>
+              <a:bodyPr/>
+              <a:lstStyle/>
+              <a:p>
+                <a:r>
+                  <a:rPr lang="en-US" dirty="0" smtClean="0"/>
+                  <a:t>PID equation</a:t>
+                </a:r>
+              </a:p>
+              <a:p>
+                <a:pPr lvl="1"/>
+                <a14:m>
+                  <m:oMath xmlns:m="http://schemas.openxmlformats.org/officeDocument/2006/math">
+                    <m:r>
+                      <a:rPr lang="en-US" b="0" i="1" smtClean="0">
+                        <a:latin typeface="Cambria Math" panose="02040503050406030204" pitchFamily="18" charset="0"/>
+                      </a:rPr>
+                      <m:t>𝑐</m:t>
+                    </m:r>
+                    <m:d>
+                      <m:dPr>
+                        <m:begChr m:val="["/>
+                        <m:endChr m:val="]"/>
+                        <m:ctrlPr>
+                          <a:rPr lang="en-US" b="0" i="1" smtClean="0">
+                            <a:latin typeface="Cambria Math" panose="02040503050406030204" pitchFamily="18" charset="0"/>
+                          </a:rPr>
+                        </m:ctrlPr>
+                      </m:dPr>
+                      <m:e>
+                        <m:r>
+                          <a:rPr lang="en-US" b="0" i="1" smtClean="0">
+                            <a:latin typeface="Cambria Math" panose="02040503050406030204" pitchFamily="18" charset="0"/>
+                          </a:rPr>
+                          <m:t>𝑛</m:t>
+                        </m:r>
+                      </m:e>
+                    </m:d>
+                    <m:r>
+                      <a:rPr lang="en-US" b="0" i="1" smtClean="0">
+                        <a:latin typeface="Cambria Math" panose="02040503050406030204" pitchFamily="18" charset="0"/>
+                      </a:rPr>
+                      <m:t>=</m:t>
+                    </m:r>
+                    <m:r>
+                      <a:rPr lang="en-US" b="0" i="1" smtClean="0">
+                        <a:latin typeface="Cambria Math" panose="02040503050406030204" pitchFamily="18" charset="0"/>
+                      </a:rPr>
+                      <m:t>𝑐</m:t>
+                    </m:r>
+                    <m:d>
+                      <m:dPr>
+                        <m:begChr m:val="["/>
+                        <m:endChr m:val="]"/>
+                        <m:ctrlPr>
+                          <a:rPr lang="en-US" b="0" i="1" smtClean="0">
+                            <a:latin typeface="Cambria Math" panose="02040503050406030204" pitchFamily="18" charset="0"/>
+                          </a:rPr>
+                        </m:ctrlPr>
+                      </m:dPr>
+                      <m:e>
+                        <m:r>
+                          <a:rPr lang="en-US" b="0" i="1" smtClean="0">
+                            <a:latin typeface="Cambria Math" panose="02040503050406030204" pitchFamily="18" charset="0"/>
+                          </a:rPr>
+                          <m:t>𝑛</m:t>
+                        </m:r>
+                        <m:r>
+                          <a:rPr lang="en-US" b="0" i="1" smtClean="0">
+                            <a:latin typeface="Cambria Math" panose="02040503050406030204" pitchFamily="18" charset="0"/>
+                          </a:rPr>
+                          <m:t>−1</m:t>
+                        </m:r>
+                      </m:e>
+                    </m:d>
+                    <m:r>
+                      <a:rPr lang="en-US" b="0" i="1" smtClean="0">
+                        <a:latin typeface="Cambria Math" panose="02040503050406030204" pitchFamily="18" charset="0"/>
+                      </a:rPr>
+                      <m:t>+</m:t>
+                    </m:r>
+                    <m:sSub>
+                      <m:sSubPr>
+                        <m:ctrlPr>
+                          <a:rPr lang="en-US" b="0" i="1" smtClean="0">
+                            <a:latin typeface="Cambria Math" panose="02040503050406030204" pitchFamily="18" charset="0"/>
+                          </a:rPr>
+                        </m:ctrlPr>
+                      </m:sSubPr>
+                      <m:e>
+                        <m:r>
+                          <a:rPr lang="en-US" b="0" i="1" smtClean="0">
+                            <a:latin typeface="Cambria Math" panose="02040503050406030204" pitchFamily="18" charset="0"/>
+                          </a:rPr>
+                          <m:t>𝐴</m:t>
+                        </m:r>
+                      </m:e>
+                      <m:sub>
+                        <m:r>
+                          <a:rPr lang="en-US" b="0" i="1" smtClean="0">
+                            <a:latin typeface="Cambria Math" panose="02040503050406030204" pitchFamily="18" charset="0"/>
+                          </a:rPr>
+                          <m:t>0</m:t>
+                        </m:r>
+                      </m:sub>
+                    </m:sSub>
+                    <m:r>
+                      <a:rPr lang="en-US" b="0" i="1" smtClean="0">
+                        <a:latin typeface="Cambria Math" panose="02040503050406030204" pitchFamily="18" charset="0"/>
+                      </a:rPr>
+                      <m:t>𝑒</m:t>
+                    </m:r>
+                    <m:d>
+                      <m:dPr>
+                        <m:begChr m:val="["/>
+                        <m:endChr m:val="]"/>
+                        <m:ctrlPr>
+                          <a:rPr lang="en-US" b="0" i="1" smtClean="0">
+                            <a:latin typeface="Cambria Math" panose="02040503050406030204" pitchFamily="18" charset="0"/>
+                          </a:rPr>
+                        </m:ctrlPr>
+                      </m:dPr>
+                      <m:e>
+                        <m:r>
+                          <a:rPr lang="en-US" b="0" i="1" smtClean="0">
+                            <a:latin typeface="Cambria Math" panose="02040503050406030204" pitchFamily="18" charset="0"/>
+                          </a:rPr>
+                          <m:t>𝑛</m:t>
+                        </m:r>
+                      </m:e>
+                    </m:d>
+                    <m:r>
+                      <a:rPr lang="en-US" b="0" i="1" smtClean="0">
+                        <a:latin typeface="Cambria Math" panose="02040503050406030204" pitchFamily="18" charset="0"/>
+                      </a:rPr>
+                      <m:t>−</m:t>
+                    </m:r>
+                    <m:sSub>
+                      <m:sSubPr>
+                        <m:ctrlPr>
+                          <a:rPr lang="en-US" i="1">
+                            <a:latin typeface="Cambria Math" panose="02040503050406030204" pitchFamily="18" charset="0"/>
+                          </a:rPr>
+                        </m:ctrlPr>
+                      </m:sSubPr>
+                      <m:e>
+                        <m:r>
+                          <a:rPr lang="en-US" i="1">
+                            <a:latin typeface="Cambria Math" panose="02040503050406030204" pitchFamily="18" charset="0"/>
+                          </a:rPr>
+                          <m:t>𝐴</m:t>
+                        </m:r>
+                      </m:e>
+                      <m:sub>
+                        <m:r>
+                          <a:rPr lang="en-US" b="0" i="1" smtClean="0">
+                            <a:latin typeface="Cambria Math" panose="02040503050406030204" pitchFamily="18" charset="0"/>
+                          </a:rPr>
+                          <m:t>1</m:t>
+                        </m:r>
+                      </m:sub>
+                    </m:sSub>
+                    <m:r>
+                      <a:rPr lang="en-US" b="0" i="1" smtClean="0">
+                        <a:latin typeface="Cambria Math" panose="02040503050406030204" pitchFamily="18" charset="0"/>
+                      </a:rPr>
+                      <m:t>𝑒</m:t>
+                    </m:r>
+                    <m:d>
+                      <m:dPr>
+                        <m:begChr m:val="["/>
+                        <m:endChr m:val="]"/>
+                        <m:ctrlPr>
+                          <a:rPr lang="en-US" b="0" i="1" smtClean="0">
+                            <a:latin typeface="Cambria Math" panose="02040503050406030204" pitchFamily="18" charset="0"/>
+                          </a:rPr>
+                        </m:ctrlPr>
+                      </m:dPr>
+                      <m:e>
+                        <m:r>
+                          <a:rPr lang="en-US" b="0" i="1" smtClean="0">
+                            <a:latin typeface="Cambria Math" panose="02040503050406030204" pitchFamily="18" charset="0"/>
+                          </a:rPr>
+                          <m:t>𝑛</m:t>
+                        </m:r>
+                        <m:r>
+                          <a:rPr lang="en-US" b="0" i="1" smtClean="0">
+                            <a:latin typeface="Cambria Math" panose="02040503050406030204" pitchFamily="18" charset="0"/>
+                          </a:rPr>
+                          <m:t>−1</m:t>
+                        </m:r>
+                      </m:e>
+                    </m:d>
+                    <m:r>
+                      <a:rPr lang="en-US" b="0" i="1" smtClean="0">
+                        <a:latin typeface="Cambria Math" panose="02040503050406030204" pitchFamily="18" charset="0"/>
+                      </a:rPr>
+                      <m:t>+</m:t>
+                    </m:r>
+                    <m:sSub>
+                      <m:sSubPr>
+                        <m:ctrlPr>
+                          <a:rPr lang="en-US" i="1">
+                            <a:latin typeface="Cambria Math" panose="02040503050406030204" pitchFamily="18" charset="0"/>
+                          </a:rPr>
+                        </m:ctrlPr>
+                      </m:sSubPr>
+                      <m:e>
+                        <m:r>
+                          <a:rPr lang="en-US" i="1">
+                            <a:latin typeface="Cambria Math" panose="02040503050406030204" pitchFamily="18" charset="0"/>
+                          </a:rPr>
+                          <m:t>𝐴</m:t>
+                        </m:r>
+                      </m:e>
+                      <m:sub>
+                        <m:r>
+                          <a:rPr lang="en-US" b="0" i="1" smtClean="0">
+                            <a:latin typeface="Cambria Math" panose="02040503050406030204" pitchFamily="18" charset="0"/>
+                          </a:rPr>
+                          <m:t>2</m:t>
+                        </m:r>
+                      </m:sub>
+                    </m:sSub>
+                    <m:r>
+                      <a:rPr lang="en-US" b="0" i="1" smtClean="0">
+                        <a:latin typeface="Cambria Math" panose="02040503050406030204" pitchFamily="18" charset="0"/>
+                      </a:rPr>
+                      <m:t>𝑒</m:t>
+                    </m:r>
+                    <m:r>
+                      <a:rPr lang="en-US" b="0" i="1" smtClean="0">
+                        <a:latin typeface="Cambria Math" panose="02040503050406030204" pitchFamily="18" charset="0"/>
+                      </a:rPr>
+                      <m:t>[</m:t>
+                    </m:r>
+                    <m:r>
+                      <a:rPr lang="en-US" b="0" i="1" smtClean="0">
+                        <a:latin typeface="Cambria Math" panose="02040503050406030204" pitchFamily="18" charset="0"/>
+                      </a:rPr>
+                      <m:t>𝑛</m:t>
+                    </m:r>
+                    <m:r>
+                      <a:rPr lang="en-US" b="0" i="1" smtClean="0">
+                        <a:latin typeface="Cambria Math" panose="02040503050406030204" pitchFamily="18" charset="0"/>
+                      </a:rPr>
+                      <m:t>−2]</m:t>
+                    </m:r>
+                  </m:oMath>
+                </a14:m>
+                <a:endParaRPr lang="en-US" dirty="0" smtClean="0"/>
+              </a:p>
+              <a:p>
+                <a:pPr lvl="1"/>
+                <a14:m>
+                  <m:oMath xmlns:m="http://schemas.openxmlformats.org/officeDocument/2006/math">
+                    <m:sSub>
+                      <m:sSubPr>
+                        <m:ctrlPr>
+                          <a:rPr lang="en-US" i="1">
+                            <a:latin typeface="Cambria Math" panose="02040503050406030204" pitchFamily="18" charset="0"/>
+                          </a:rPr>
+                        </m:ctrlPr>
+                      </m:sSubPr>
+                      <m:e>
+                        <m:r>
+                          <a:rPr lang="en-US" i="1">
+                            <a:latin typeface="Cambria Math" panose="02040503050406030204" pitchFamily="18" charset="0"/>
+                          </a:rPr>
+                          <m:t>𝐴</m:t>
+                        </m:r>
+                      </m:e>
+                      <m:sub>
+                        <m:r>
+                          <a:rPr lang="en-US" i="1">
+                            <a:latin typeface="Cambria Math" panose="02040503050406030204" pitchFamily="18" charset="0"/>
+                          </a:rPr>
+                          <m:t>0</m:t>
+                        </m:r>
+                      </m:sub>
+                    </m:sSub>
+                    <m:r>
+                      <a:rPr lang="en-US" b="0" i="1" smtClean="0">
+                        <a:latin typeface="Cambria Math" panose="02040503050406030204" pitchFamily="18" charset="0"/>
+                      </a:rPr>
+                      <m:t>,</m:t>
+                    </m:r>
+                    <m:sSub>
+                      <m:sSubPr>
+                        <m:ctrlPr>
+                          <a:rPr lang="en-US" i="1">
+                            <a:latin typeface="Cambria Math" panose="02040503050406030204" pitchFamily="18" charset="0"/>
+                          </a:rPr>
+                        </m:ctrlPr>
+                      </m:sSubPr>
+                      <m:e>
+                        <m:r>
+                          <a:rPr lang="en-US" i="1">
+                            <a:latin typeface="Cambria Math" panose="02040503050406030204" pitchFamily="18" charset="0"/>
+                          </a:rPr>
+                          <m:t>𝐴</m:t>
+                        </m:r>
+                      </m:e>
+                      <m:sub>
+                        <m:r>
+                          <a:rPr lang="en-US" b="0" i="1" smtClean="0">
+                            <a:latin typeface="Cambria Math" panose="02040503050406030204" pitchFamily="18" charset="0"/>
+                          </a:rPr>
+                          <m:t>1</m:t>
+                        </m:r>
+                      </m:sub>
+                    </m:sSub>
+                  </m:oMath>
+                </a14:m>
+                <a:r>
+                  <a:rPr lang="en-US" dirty="0" smtClean="0"/>
+                  <a:t>,</a:t>
+                </a:r>
+                <a:r>
+                  <a:rPr lang="en-US" dirty="0"/>
+                  <a:t> </a:t>
+                </a:r>
+                <a14:m>
+                  <m:oMath xmlns:m="http://schemas.openxmlformats.org/officeDocument/2006/math">
+                    <m:sSub>
+                      <m:sSubPr>
+                        <m:ctrlPr>
+                          <a:rPr lang="en-US" i="1">
+                            <a:latin typeface="Cambria Math" panose="02040503050406030204" pitchFamily="18" charset="0"/>
+                          </a:rPr>
+                        </m:ctrlPr>
+                      </m:sSubPr>
+                      <m:e>
+                        <m:r>
+                          <a:rPr lang="en-US" i="1">
+                            <a:latin typeface="Cambria Math" panose="02040503050406030204" pitchFamily="18" charset="0"/>
+                          </a:rPr>
+                          <m:t>𝐴</m:t>
+                        </m:r>
+                      </m:e>
+                      <m:sub>
+                        <m:r>
+                          <a:rPr lang="en-US" b="0" i="1" smtClean="0">
+                            <a:latin typeface="Cambria Math" panose="02040503050406030204" pitchFamily="18" charset="0"/>
+                          </a:rPr>
+                          <m:t>2</m:t>
+                        </m:r>
+                      </m:sub>
+                    </m:sSub>
+                  </m:oMath>
+                </a14:m>
+                <a:r>
+                  <a:rPr lang="en-US" dirty="0" smtClean="0"/>
+                  <a:t> functions of </a:t>
+                </a:r>
+                <a14:m>
+                  <m:oMath xmlns:m="http://schemas.openxmlformats.org/officeDocument/2006/math">
+                    <m:sSub>
+                      <m:sSubPr>
+                        <m:ctrlPr>
+                          <a:rPr lang="en-US" i="1">
+                            <a:latin typeface="Cambria Math" panose="02040503050406030204" pitchFamily="18" charset="0"/>
+                          </a:rPr>
+                        </m:ctrlPr>
+                      </m:sSubPr>
+                      <m:e>
+                        <m:r>
+                          <a:rPr lang="en-US" b="0" i="1" smtClean="0">
+                            <a:latin typeface="Cambria Math" panose="02040503050406030204" pitchFamily="18" charset="0"/>
+                          </a:rPr>
+                          <m:t>𝐾</m:t>
+                        </m:r>
+                      </m:e>
+                      <m:sub>
+                        <m:r>
+                          <a:rPr lang="en-US" b="0" i="1" smtClean="0">
+                            <a:latin typeface="Cambria Math" panose="02040503050406030204" pitchFamily="18" charset="0"/>
+                          </a:rPr>
+                          <m:t>𝑃</m:t>
+                        </m:r>
+                      </m:sub>
+                    </m:sSub>
+                  </m:oMath>
+                </a14:m>
+                <a:r>
+                  <a:rPr lang="en-US" dirty="0" smtClean="0"/>
+                  <a:t>,</a:t>
+                </a:r>
+                <a:r>
+                  <a:rPr lang="en-US" dirty="0"/>
+                  <a:t> </a:t>
+                </a:r>
+                <a14:m>
+                  <m:oMath xmlns:m="http://schemas.openxmlformats.org/officeDocument/2006/math">
+                    <m:sSub>
+                      <m:sSubPr>
+                        <m:ctrlPr>
+                          <a:rPr lang="en-US" i="1">
+                            <a:latin typeface="Cambria Math" panose="02040503050406030204" pitchFamily="18" charset="0"/>
+                          </a:rPr>
+                        </m:ctrlPr>
+                      </m:sSubPr>
+                      <m:e>
+                        <m:r>
+                          <a:rPr lang="en-US" b="0" i="1" smtClean="0">
+                            <a:latin typeface="Cambria Math" panose="02040503050406030204" pitchFamily="18" charset="0"/>
+                          </a:rPr>
+                          <m:t>𝐾</m:t>
+                        </m:r>
+                      </m:e>
+                      <m:sub>
+                        <m:r>
+                          <a:rPr lang="en-US" b="0" i="1" smtClean="0">
+                            <a:latin typeface="Cambria Math" panose="02040503050406030204" pitchFamily="18" charset="0"/>
+                          </a:rPr>
+                          <m:t>𝐼</m:t>
+                        </m:r>
+                      </m:sub>
+                    </m:sSub>
+                  </m:oMath>
+                </a14:m>
+                <a:r>
+                  <a:rPr lang="en-US" dirty="0" smtClean="0"/>
+                  <a:t>,</a:t>
+                </a:r>
+                <a:r>
+                  <a:rPr lang="en-US" dirty="0"/>
+                  <a:t> </a:t>
+                </a:r>
+                <a14:m>
+                  <m:oMath xmlns:m="http://schemas.openxmlformats.org/officeDocument/2006/math">
+                    <m:sSub>
+                      <m:sSubPr>
+                        <m:ctrlPr>
+                          <a:rPr lang="en-US" i="1" smtClean="0">
+                            <a:latin typeface="Cambria Math" panose="02040503050406030204" pitchFamily="18" charset="0"/>
+                          </a:rPr>
+                        </m:ctrlPr>
+                      </m:sSubPr>
+                      <m:e>
+                        <m:r>
+                          <a:rPr lang="en-US" b="0" i="1" smtClean="0">
+                            <a:latin typeface="Cambria Math" panose="02040503050406030204" pitchFamily="18" charset="0"/>
+                          </a:rPr>
+                          <m:t>𝐾</m:t>
+                        </m:r>
+                      </m:e>
+                      <m:sub>
+                        <m:r>
+                          <a:rPr lang="en-US" b="0" i="1" smtClean="0">
+                            <a:latin typeface="Cambria Math" panose="02040503050406030204" pitchFamily="18" charset="0"/>
+                          </a:rPr>
+                          <m:t>𝐷</m:t>
+                        </m:r>
+                      </m:sub>
+                    </m:sSub>
+                  </m:oMath>
+                </a14:m>
+                <a:r>
+                  <a:rPr lang="en-US" dirty="0" smtClean="0"/>
+                  <a:t>, and T</a:t>
+                </a:r>
+              </a:p>
+              <a:p>
+                <a:pPr lvl="1"/>
+                <a:r>
+                  <a:rPr lang="en-US" dirty="0" smtClean="0"/>
+                  <a:t>3 adds and 3 multiplies for one control </a:t>
+                </a:r>
+                <a:r>
+                  <a:rPr lang="en-US" dirty="0"/>
+                  <a:t>step </a:t>
+                </a:r>
+                <a:endParaRPr lang="en-US" dirty="0" smtClean="0"/>
+              </a:p>
+              <a:p>
+                <a:pPr lvl="1"/>
+                <a:endParaRPr lang="en-US" dirty="0" smtClean="0"/>
+              </a:p>
+              <a:p>
+                <a:r>
+                  <a:rPr lang="en-US" dirty="0" smtClean="0"/>
+                  <a:t>Change gains at run-time to tune</a:t>
+                </a:r>
+              </a:p>
+              <a:p>
+                <a:pPr lvl="1"/>
+                <a:endParaRPr lang="en-US" dirty="0"/>
+              </a:p>
+            </p:txBody>
+          </p:sp>
+        </mc:Choice>
+        <mc:Fallback>
+          <p:sp>
+            <p:nvSpPr>
+              <p:cNvPr id="3" name="Content Placeholder 2"/>
+              <p:cNvSpPr>
+                <a:spLocks noGrp="1" noRot="1" noChangeAspect="1" noMove="1" noResize="1" noEditPoints="1" noAdjustHandles="1" noChangeArrowheads="1" noChangeShapeType="1" noTextEdit="1"/>
+              </p:cNvSpPr>
+              <p:nvPr>
+                <p:ph idx="1"/>
+              </p:nvPr>
+            </p:nvSpPr>
+            <p:spPr>
+              <a:xfrm>
+                <a:off x="838200" y="1825625"/>
+                <a:ext cx="7923415" cy="4351338"/>
+              </a:xfrm>
+              <a:blipFill>
+                <a:blip r:embed="rId2"/>
+                <a:stretch>
+                  <a:fillRect l="-1386" t="-2241"/>
+                </a:stretch>
+              </a:blipFill>
+            </p:spPr>
+            <p:txBody>
+              <a:bodyPr/>
+              <a:lstStyle/>
+              <a:p>
+                <a:r>
+                  <a:rPr lang="en-US">
+                    <a:noFill/>
+                  </a:rPr>
+                  <a:t> </a:t>
+                </a:r>
+              </a:p>
+            </p:txBody>
+          </p:sp>
+        </mc:Fallback>
+      </mc:AlternateContent>
+    </p:spTree>
+    <p:extLst>
+      <p:ext uri="{BB962C8B-B14F-4D97-AF65-F5344CB8AC3E}">
+        <p14:creationId xmlns:p14="http://schemas.microsoft.com/office/powerpoint/2010/main" val="692003476"/>
+      </p:ext>
+    </p:extLst>
+  </p:cSld>
+  <p:clrMapOvr>
+    <a:masterClrMapping/>
+  </p:clrMapOvr>
+  <p:timing>
+    <p:tnLst>
+      <p:par>
+        <p:cTn id="1" dur="indefinite" restart="never" nodeType="tmRoot"/>
+      </p:par>
+    </p:tnLst>
+  </p:timing>
+</p:sld>
+</file>
+
+<file path=ppt/slides/slide7.xml><?xml version="1.0" encoding="utf-8"?>
+<p:sld xmlns:a="http://schemas.openxmlformats.org/drawingml/2006/main" xmlns:r="http://schemas.openxmlformats.org/officeDocument/2006/relationships" xmlns:p="http://schemas.openxmlformats.org/presentationml/2006/main">
+  <p:cSld>
+    <p:spTree>
+      <p:nvGrpSpPr>
+        <p:cNvPr id="1" name=""/>
+        <p:cNvGrpSpPr/>
+        <p:nvPr/>
+      </p:nvGrpSpPr>
+      <p:grpSpPr>
+        <a:xfrm>
+          <a:off x="0" y="0"/>
+          <a:ext cx="0" cy="0"/>
+          <a:chOff x="0" y="0"/>
+          <a:chExt cx="0" cy="0"/>
+        </a:xfrm>
+      </p:grpSpPr>
+      <p:sp>
+        <p:nvSpPr>
+          <p:cNvPr id="2" name="Title 1"/>
+          <p:cNvSpPr>
+            <a:spLocks noGrp="1"/>
+          </p:cNvSpPr>
+          <p:nvPr>
+            <p:ph type="title"/>
+          </p:nvPr>
+        </p:nvSpPr>
+        <p:spPr/>
+        <p:txBody>
+          <a:bodyPr/>
+          <a:lstStyle/>
+          <a:p>
+            <a:pPr algn="ctr"/>
+            <a:r>
+              <a:rPr lang="en-US" dirty="0" smtClean="0"/>
+              <a:t>Tuning Results</a:t>
+            </a:r>
+            <a:endParaRPr lang="en-US" dirty="0"/>
+          </a:p>
+        </p:txBody>
+      </p:sp>
+      <mc:AlternateContent xmlns:mc="http://schemas.openxmlformats.org/markup-compatibility/2006" xmlns:a14="http://schemas.microsoft.com/office/drawing/2010/main">
+        <mc:Choice Requires="a14">
+          <p:sp>
+            <p:nvSpPr>
+              <p:cNvPr id="3" name="Content Placeholder 2"/>
+              <p:cNvSpPr>
+                <a:spLocks noGrp="1"/>
+              </p:cNvSpPr>
+              <p:nvPr>
+                <p:ph idx="1"/>
+              </p:nvPr>
+            </p:nvSpPr>
+            <p:spPr/>
+            <p:txBody>
+              <a:bodyPr/>
+              <a:lstStyle/>
+              <a:p>
+                <a:r>
+                  <a:rPr lang="en-US" dirty="0" smtClean="0">
+                    <a:latin typeface="Cambria Math" panose="02040503050406030204" pitchFamily="18" charset="0"/>
+                  </a:rPr>
+                  <a:t>Tuning resulted in PI controller</a:t>
+                </a:r>
+              </a:p>
+              <a:p>
+                <a:pPr lvl="1"/>
+                <a14:m>
+                  <m:oMath xmlns:m="http://schemas.openxmlformats.org/officeDocument/2006/math">
+                    <m:sSub>
+                      <m:sSubPr>
+                        <m:ctrlPr>
+                          <a:rPr lang="en-US" i="1" smtClean="0">
+                            <a:latin typeface="Cambria Math" panose="02040503050406030204" pitchFamily="18" charset="0"/>
+                          </a:rPr>
+                        </m:ctrlPr>
+                      </m:sSubPr>
+                      <m:e>
+                        <m:r>
+                          <a:rPr lang="en-US" b="0" i="1" smtClean="0">
+                            <a:latin typeface="Cambria Math" panose="02040503050406030204" pitchFamily="18" charset="0"/>
+                          </a:rPr>
+                          <m:t>𝐾</m:t>
+                        </m:r>
+                      </m:e>
+                      <m:sub>
+                        <m:r>
+                          <a:rPr lang="en-US" b="0" i="1" smtClean="0">
+                            <a:latin typeface="Cambria Math" panose="02040503050406030204" pitchFamily="18" charset="0"/>
+                          </a:rPr>
+                          <m:t>𝑃</m:t>
+                        </m:r>
+                      </m:sub>
+                    </m:sSub>
+                    <m:r>
+                      <a:rPr lang="en-US" b="0" i="1" smtClean="0">
+                        <a:latin typeface="Cambria Math" panose="02040503050406030204" pitchFamily="18" charset="0"/>
+                      </a:rPr>
+                      <m:t>=20,000</m:t>
+                    </m:r>
+                  </m:oMath>
+                </a14:m>
+                <a:endParaRPr lang="en-US" b="0" i="1" dirty="0" smtClean="0"/>
+              </a:p>
+              <a:p>
+                <a:pPr lvl="1"/>
+                <a14:m>
+                  <m:oMath xmlns:m="http://schemas.openxmlformats.org/officeDocument/2006/math">
+                    <m:sSub>
+                      <m:sSubPr>
+                        <m:ctrlPr>
+                          <a:rPr lang="en-US" i="1">
+                            <a:latin typeface="Cambria Math" panose="02040503050406030204" pitchFamily="18" charset="0"/>
+                          </a:rPr>
+                        </m:ctrlPr>
+                      </m:sSubPr>
+                      <m:e>
+                        <m:r>
+                          <a:rPr lang="en-US" i="1">
+                            <a:latin typeface="Cambria Math" panose="02040503050406030204" pitchFamily="18" charset="0"/>
+                          </a:rPr>
+                          <m:t>𝐾</m:t>
+                        </m:r>
+                      </m:e>
+                      <m:sub>
+                        <m:r>
+                          <a:rPr lang="en-US" b="0" i="1" smtClean="0">
+                            <a:latin typeface="Cambria Math" panose="02040503050406030204" pitchFamily="18" charset="0"/>
+                          </a:rPr>
+                          <m:t>𝐼</m:t>
+                        </m:r>
+                      </m:sub>
+                    </m:sSub>
+                    <m:r>
+                      <a:rPr lang="en-US" i="1">
+                        <a:latin typeface="Cambria Math" panose="02040503050406030204" pitchFamily="18" charset="0"/>
+                      </a:rPr>
+                      <m:t>=8</m:t>
+                    </m:r>
+                    <m:r>
+                      <a:rPr lang="en-US" b="0" i="1" smtClean="0">
+                        <a:latin typeface="Cambria Math" panose="02040503050406030204" pitchFamily="18" charset="0"/>
+                      </a:rPr>
+                      <m:t>0</m:t>
+                    </m:r>
+                    <m:r>
+                      <a:rPr lang="en-US" i="1">
+                        <a:latin typeface="Cambria Math" panose="02040503050406030204" pitchFamily="18" charset="0"/>
+                      </a:rPr>
+                      <m:t>0,000</m:t>
+                    </m:r>
+                  </m:oMath>
+                </a14:m>
+                <a:endParaRPr lang="en-US" i="1" dirty="0"/>
+              </a:p>
+              <a:p>
+                <a:pPr lvl="1"/>
+                <a14:m>
+                  <m:oMath xmlns:m="http://schemas.openxmlformats.org/officeDocument/2006/math">
+                    <m:sSub>
+                      <m:sSubPr>
+                        <m:ctrlPr>
+                          <a:rPr lang="en-US" i="1">
+                            <a:latin typeface="Cambria Math" panose="02040503050406030204" pitchFamily="18" charset="0"/>
+                          </a:rPr>
+                        </m:ctrlPr>
+                      </m:sSubPr>
+                      <m:e>
+                        <m:r>
+                          <a:rPr lang="en-US" i="1">
+                            <a:latin typeface="Cambria Math" panose="02040503050406030204" pitchFamily="18" charset="0"/>
+                          </a:rPr>
+                          <m:t>𝐾</m:t>
+                        </m:r>
+                      </m:e>
+                      <m:sub>
+                        <m:r>
+                          <a:rPr lang="en-US" b="0" i="1" smtClean="0">
+                            <a:latin typeface="Cambria Math" panose="02040503050406030204" pitchFamily="18" charset="0"/>
+                          </a:rPr>
+                          <m:t>𝐷</m:t>
+                        </m:r>
+                      </m:sub>
+                    </m:sSub>
+                    <m:r>
+                      <a:rPr lang="en-US" i="1">
+                        <a:latin typeface="Cambria Math" panose="02040503050406030204" pitchFamily="18" charset="0"/>
+                      </a:rPr>
+                      <m:t>=</m:t>
+                    </m:r>
+                    <m:r>
+                      <a:rPr lang="en-US" b="0" i="1" smtClean="0">
+                        <a:latin typeface="Cambria Math" panose="02040503050406030204" pitchFamily="18" charset="0"/>
+                      </a:rPr>
+                      <m:t>0</m:t>
+                    </m:r>
+                  </m:oMath>
+                </a14:m>
+                <a:endParaRPr lang="en-US" i="1" dirty="0"/>
+              </a:p>
+              <a:p>
+                <a:r>
+                  <a:rPr lang="en-US" dirty="0" smtClean="0"/>
+                  <a:t>Unexpectedly large gains</a:t>
+                </a:r>
+                <a:endParaRPr lang="en-US" dirty="0"/>
+              </a:p>
+            </p:txBody>
+          </p:sp>
+        </mc:Choice>
+        <mc:Fallback xmlns="">
+          <p:sp>
+            <p:nvSpPr>
+              <p:cNvPr id="3" name="Content Placeholder 2"/>
+              <p:cNvSpPr>
+                <a:spLocks noGrp="1" noRot="1" noChangeAspect="1" noMove="1" noResize="1" noEditPoints="1" noAdjustHandles="1" noChangeArrowheads="1" noChangeShapeType="1" noTextEdit="1"/>
+              </p:cNvSpPr>
+              <p:nvPr>
+                <p:ph idx="1"/>
+              </p:nvPr>
+            </p:nvSpPr>
+            <p:spPr>
+              <a:blipFill>
+                <a:blip r:embed="rId2"/>
+                <a:stretch>
+                  <a:fillRect l="-1043" t="-2381"/>
+                </a:stretch>
+              </a:blipFill>
+            </p:spPr>
+            <p:txBody>
+              <a:bodyPr/>
+              <a:lstStyle/>
+              <a:p>
+                <a:r>
+                  <a:rPr lang="en-US">
+                    <a:noFill/>
+                  </a:rPr>
+                  <a:t> </a:t>
+                </a:r>
+              </a:p>
+            </p:txBody>
+          </p:sp>
+        </mc:Fallback>
+      </mc:AlternateContent>
+    </p:spTree>
+    <p:extLst>
+      <p:ext uri="{BB962C8B-B14F-4D97-AF65-F5344CB8AC3E}">
+        <p14:creationId xmlns:p14="http://schemas.microsoft.com/office/powerpoint/2010/main" val="1766592198"/>
+      </p:ext>
+    </p:extLst>
+  </p:cSld>
+  <p:clrMapOvr>
+    <a:masterClrMapping/>
+  </p:clrMapOvr>
+  <p:timing>
+    <p:tnLst>
+      <p:par>
+        <p:cTn id="1" dur="indefinite" restart="never" nodeType="tmRoot"/>
+      </p:par>
+    </p:tnLst>
+  </p:timing>
+</p:sld>
+</file>
+
+<file path=ppt/slides/slide8.xml><?xml version="1.0" encoding="utf-8"?>
 <p:sld xmlns:a="http://schemas.openxmlformats.org/drawingml/2006/main" xmlns:r="http://schemas.openxmlformats.org/officeDocument/2006/relationships" xmlns:p="http://schemas.openxmlformats.org/presentationml/2006/main">
   <p:cSld>
     <p:spTree>
@@ -3729,6 +5168,89 @@
           </a:extLst>
         </p:spPr>
       </p:pic>
+      <p:cxnSp>
+        <p:nvCxnSpPr>
+          <p:cNvPr id="4" name="Straight Arrow Connector 3"/>
+          <p:cNvCxnSpPr/>
+          <p:nvPr/>
+        </p:nvCxnSpPr>
+        <p:spPr>
+          <a:xfrm>
+            <a:off x="634538" y="1864820"/>
+            <a:ext cx="1352204" cy="0"/>
+          </a:xfrm>
+          <a:prstGeom prst="straightConnector1">
+            <a:avLst/>
+          </a:prstGeom>
+          <a:ln w="57150">
+            <a:solidFill>
+              <a:srgbClr val="FF0000"/>
+            </a:solidFill>
+            <a:headEnd type="triangle"/>
+            <a:tailEnd type="triangle"/>
+          </a:ln>
+        </p:spPr>
+        <p:style>
+          <a:lnRef idx="3">
+            <a:schemeClr val="accent2"/>
+          </a:lnRef>
+          <a:fillRef idx="0">
+            <a:schemeClr val="accent2"/>
+          </a:fillRef>
+          <a:effectRef idx="2">
+            <a:schemeClr val="accent2"/>
+          </a:effectRef>
+          <a:fontRef idx="minor">
+            <a:schemeClr val="tx1"/>
+          </a:fontRef>
+        </p:style>
+      </p:cxnSp>
+      <p:sp>
+        <p:nvSpPr>
+          <p:cNvPr id="7" name="TextBox 6"/>
+          <p:cNvSpPr txBox="1"/>
+          <p:nvPr/>
+        </p:nvSpPr>
+        <p:spPr>
+          <a:xfrm>
+            <a:off x="813954" y="1324492"/>
+            <a:ext cx="1321724" cy="400110"/>
+          </a:xfrm>
+          <a:prstGeom prst="rect">
+            <a:avLst/>
+          </a:prstGeom>
+          <a:noFill/>
+        </p:spPr>
+        <p:txBody>
+          <a:bodyPr wrap="square" rtlCol="0">
+            <a:spAutoFit/>
+          </a:bodyPr>
+          <a:lstStyle/>
+          <a:p>
+            <a:r>
+              <a:rPr lang="en-US" sz="2000" b="1" dirty="0" smtClean="0">
+                <a:solidFill>
+                  <a:srgbClr val="FF0000"/>
+                </a:solidFill>
+              </a:rPr>
+              <a:t>622 </a:t>
+            </a:r>
+            <a:r>
+              <a:rPr lang="en-US" sz="2000" b="1" dirty="0" err="1" smtClean="0">
+                <a:solidFill>
+                  <a:srgbClr val="FF0000"/>
+                </a:solidFill>
+              </a:rPr>
+              <a:t>ms</a:t>
+            </a:r>
+            <a:endParaRPr lang="en-US" sz="2000" b="1" dirty="0">
+              <a:solidFill>
+                <a:srgbClr val="FF0000"/>
+              </a:solidFill>
+            </a:endParaRPr>
+          </a:p>
+        </p:txBody>
+      </p:sp>
     </p:spTree>
     <p:extLst>
       <p:ext uri="{BB962C8B-B14F-4D97-AF65-F5344CB8AC3E}">
@@ -3749,7 +5271,7 @@
 </p:sld>
 </file>
 
-<file path=ppt/slides/slide7.xml><?xml version="1.0" encoding="utf-8"?>
+<file path=ppt/slides/slide9.xml><?xml version="1.0" encoding="utf-8"?>
 <p:sld xmlns:a="http://schemas.openxmlformats.org/drawingml/2006/main" xmlns:r="http://schemas.openxmlformats.org/officeDocument/2006/relationships" xmlns:p="http://schemas.openxmlformats.org/presentationml/2006/main">
   <p:cSld>
     <p:spTree>
@@ -3788,6 +5310,11 @@
           </a:bodyPr>
           <a:lstStyle/>
           <a:p>
+            <a:pPr algn="ctr"/>
+            <a:r>
+              <a:rPr lang="en-US" dirty="0" smtClean="0"/>
+              <a:t>Closed Loop Captured Data</a:t>
+            </a:r>
             <a:endParaRPr lang="en-US" dirty="0"/>
           </a:p>
         </p:txBody>
@@ -3833,190 +5360,93 @@
           </a:extLst>
         </p:spPr>
       </p:pic>
+      <p:cxnSp>
+        <p:nvCxnSpPr>
+          <p:cNvPr id="5" name="Straight Arrow Connector 4"/>
+          <p:cNvCxnSpPr/>
+          <p:nvPr/>
+        </p:nvCxnSpPr>
+        <p:spPr>
+          <a:xfrm>
+            <a:off x="3898669" y="3923606"/>
+            <a:ext cx="3200400" cy="0"/>
+          </a:xfrm>
+          <a:prstGeom prst="straightConnector1">
+            <a:avLst/>
+          </a:prstGeom>
+          <a:ln w="57150">
+            <a:solidFill>
+              <a:srgbClr val="FF0000"/>
+            </a:solidFill>
+            <a:headEnd type="triangle"/>
+            <a:tailEnd type="triangle"/>
+          </a:ln>
+        </p:spPr>
+        <p:style>
+          <a:lnRef idx="3">
+            <a:schemeClr val="accent2"/>
+          </a:lnRef>
+          <a:fillRef idx="0">
+            <a:schemeClr val="accent2"/>
+          </a:fillRef>
+          <a:effectRef idx="2">
+            <a:schemeClr val="accent2"/>
+          </a:effectRef>
+          <a:fontRef idx="minor">
+            <a:schemeClr val="tx1"/>
+          </a:fontRef>
+        </p:style>
+      </p:cxnSp>
+      <p:sp>
+        <p:nvSpPr>
+          <p:cNvPr id="7" name="TextBox 6"/>
+          <p:cNvSpPr txBox="1"/>
+          <p:nvPr/>
+        </p:nvSpPr>
+        <p:spPr>
+          <a:xfrm>
+            <a:off x="5602778" y="4046512"/>
+            <a:ext cx="1321724" cy="400110"/>
+          </a:xfrm>
+          <a:prstGeom prst="rect">
+            <a:avLst/>
+          </a:prstGeom>
+          <a:noFill/>
+        </p:spPr>
+        <p:txBody>
+          <a:bodyPr wrap="square" rtlCol="0">
+            <a:spAutoFit/>
+          </a:bodyPr>
+          <a:lstStyle/>
+          <a:p>
+            <a:r>
+              <a:rPr lang="en-US" sz="2000" b="1" dirty="0" smtClean="0">
+                <a:solidFill>
+                  <a:srgbClr val="FF0000"/>
+                </a:solidFill>
+              </a:rPr>
+              <a:t>280.2 </a:t>
+            </a:r>
+            <a:r>
+              <a:rPr lang="en-US" sz="2000" b="1" dirty="0" err="1" smtClean="0">
+                <a:solidFill>
+                  <a:srgbClr val="FF0000"/>
+                </a:solidFill>
+              </a:rPr>
+              <a:t>ms</a:t>
+            </a:r>
+            <a:endParaRPr lang="en-US" sz="2000" b="1" dirty="0">
+              <a:solidFill>
+                <a:srgbClr val="FF0000"/>
+              </a:solidFill>
+            </a:endParaRPr>
+          </a:p>
+        </p:txBody>
+      </p:sp>
     </p:spTree>
     <p:extLst>
       <p:ext uri="{BB962C8B-B14F-4D97-AF65-F5344CB8AC3E}">
         <p14:creationId xmlns:p14="http://schemas.microsoft.com/office/powerpoint/2010/main" val="2522030093"/>
-      </p:ext>
-    </p:extLst>
-  </p:cSld>
-  <p:clrMapOvr>
-    <a:masterClrMapping/>
-  </p:clrMapOvr>
-  <p:timing>
-    <p:tnLst>
-      <p:par>
-        <p:cTn id="1" dur="indefinite" restart="never" nodeType="tmRoot"/>
-      </p:par>
-    </p:tnLst>
-  </p:timing>
-</p:sld>
-</file>
-
-<file path=ppt/slides/slide8.xml><?xml version="1.0" encoding="utf-8"?>
-<p:sld xmlns:a="http://schemas.openxmlformats.org/drawingml/2006/main" xmlns:r="http://schemas.openxmlformats.org/officeDocument/2006/relationships" xmlns:p="http://schemas.openxmlformats.org/presentationml/2006/main">
-  <p:cSld>
-    <p:spTree>
-      <p:nvGrpSpPr>
-        <p:cNvPr id="1" name=""/>
-        <p:cNvGrpSpPr/>
-        <p:nvPr/>
-      </p:nvGrpSpPr>
-      <p:grpSpPr>
-        <a:xfrm>
-          <a:off x="0" y="0"/>
-          <a:ext cx="0" cy="0"/>
-          <a:chOff x="0" y="0"/>
-          <a:chExt cx="0" cy="0"/>
-        </a:xfrm>
-      </p:grpSpPr>
-      <p:sp>
-        <p:nvSpPr>
-          <p:cNvPr id="2" name="Title 1"/>
-          <p:cNvSpPr>
-            <a:spLocks noGrp="1"/>
-          </p:cNvSpPr>
-          <p:nvPr>
-            <p:ph type="title"/>
-          </p:nvPr>
-        </p:nvSpPr>
-        <p:spPr/>
-        <p:txBody>
-          <a:bodyPr/>
-          <a:lstStyle/>
-          <a:p>
-            <a:r>
-              <a:rPr lang="en-US" dirty="0" smtClean="0"/>
-              <a:t>PID Response</a:t>
-            </a:r>
-            <a:endParaRPr lang="en-US" dirty="0"/>
-          </a:p>
-        </p:txBody>
-      </p:sp>
-      <p:sp>
-        <p:nvSpPr>
-          <p:cNvPr id="3" name="Content Placeholder 2"/>
-          <p:cNvSpPr>
-            <a:spLocks noGrp="1"/>
-          </p:cNvSpPr>
-          <p:nvPr>
-            <p:ph idx="1"/>
-          </p:nvPr>
-        </p:nvSpPr>
-        <p:spPr/>
-        <p:txBody>
-          <a:bodyPr/>
-          <a:lstStyle/>
-          <a:p>
-            <a:r>
-              <a:rPr lang="en-US" dirty="0" smtClean="0"/>
-              <a:t>Same transition from 480 mV to 900 mV</a:t>
-            </a:r>
-            <a:endParaRPr lang="en-US" dirty="0" smtClean="0"/>
-          </a:p>
-          <a:p>
-            <a:r>
-              <a:rPr lang="en-US" dirty="0" smtClean="0"/>
-              <a:t>Settling time: 280-300 </a:t>
-            </a:r>
-            <a:r>
-              <a:rPr lang="en-US" dirty="0" err="1" smtClean="0"/>
-              <a:t>ms</a:t>
-            </a:r>
-            <a:endParaRPr lang="en-US" dirty="0" smtClean="0"/>
-          </a:p>
-          <a:p>
-            <a:r>
-              <a:rPr lang="en-US" dirty="0" smtClean="0"/>
-              <a:t>Minimal ripple: under 10 mV</a:t>
-            </a:r>
-            <a:endParaRPr lang="en-US" dirty="0"/>
-          </a:p>
-        </p:txBody>
-      </p:sp>
-    </p:spTree>
-    <p:extLst>
-      <p:ext uri="{BB962C8B-B14F-4D97-AF65-F5344CB8AC3E}">
-        <p14:creationId xmlns:p14="http://schemas.microsoft.com/office/powerpoint/2010/main" val="2964500714"/>
-      </p:ext>
-    </p:extLst>
-  </p:cSld>
-  <p:clrMapOvr>
-    <a:masterClrMapping/>
-  </p:clrMapOvr>
-  <p:timing>
-    <p:tnLst>
-      <p:par>
-        <p:cTn id="1" dur="indefinite" restart="never" nodeType="tmRoot"/>
-      </p:par>
-    </p:tnLst>
-  </p:timing>
-</p:sld>
-</file>
-
-<file path=ppt/slides/slide9.xml><?xml version="1.0" encoding="utf-8"?>
-<p:sld xmlns:a="http://schemas.openxmlformats.org/drawingml/2006/main" xmlns:r="http://schemas.openxmlformats.org/officeDocument/2006/relationships" xmlns:p="http://schemas.openxmlformats.org/presentationml/2006/main">
-  <p:cSld>
-    <p:spTree>
-      <p:nvGrpSpPr>
-        <p:cNvPr id="1" name=""/>
-        <p:cNvGrpSpPr/>
-        <p:nvPr/>
-      </p:nvGrpSpPr>
-      <p:grpSpPr>
-        <a:xfrm>
-          <a:off x="0" y="0"/>
-          <a:ext cx="0" cy="0"/>
-          <a:chOff x="0" y="0"/>
-          <a:chExt cx="0" cy="0"/>
-        </a:xfrm>
-      </p:grpSpPr>
-      <p:sp>
-        <p:nvSpPr>
-          <p:cNvPr id="2" name="Title 1"/>
-          <p:cNvSpPr>
-            <a:spLocks noGrp="1"/>
-          </p:cNvSpPr>
-          <p:nvPr>
-            <p:ph type="title"/>
-          </p:nvPr>
-        </p:nvSpPr>
-        <p:spPr/>
-        <p:txBody>
-          <a:bodyPr/>
-          <a:lstStyle/>
-          <a:p>
-            <a:r>
-              <a:rPr lang="en-US" dirty="0" smtClean="0"/>
-              <a:t>PID Program</a:t>
-            </a:r>
-            <a:endParaRPr lang="en-US" dirty="0"/>
-          </a:p>
-        </p:txBody>
-      </p:sp>
-      <p:sp>
-        <p:nvSpPr>
-          <p:cNvPr id="3" name="Content Placeholder 2"/>
-          <p:cNvSpPr>
-            <a:spLocks noGrp="1"/>
-          </p:cNvSpPr>
-          <p:nvPr>
-            <p:ph idx="1"/>
-          </p:nvPr>
-        </p:nvSpPr>
-        <p:spPr/>
-        <p:txBody>
-          <a:bodyPr/>
-          <a:lstStyle/>
-          <a:p>
-            <a:endParaRPr lang="en-US" dirty="0"/>
-          </a:p>
-        </p:txBody>
-      </p:sp>
-    </p:spTree>
-    <p:extLst>
-      <p:ext uri="{BB962C8B-B14F-4D97-AF65-F5344CB8AC3E}">
-        <p14:creationId xmlns:p14="http://schemas.microsoft.com/office/powerpoint/2010/main" val="201261486"/>
       </p:ext>
     </p:extLst>
   </p:cSld>
@@ -4079,9 +5509,9 @@
         <a:latin typeface="Calibri Light" panose="020F0302020204030204"/>
         <a:ea typeface=""/>
         <a:cs typeface=""/>
-        <a:font script="Jpan" typeface="ＭＳ Ｐゴシック"/>
+        <a:font script="Jpan" typeface="游ゴシック Light"/>
         <a:font script="Hang" typeface="맑은 고딕"/>
-        <a:font script="Hans" typeface="宋体"/>
+        <a:font script="Hans" typeface="等线 Light"/>
         <a:font script="Hant" typeface="新細明體"/>
         <a:font script="Arab" typeface="Times New Roman"/>
         <a:font script="Hebr" typeface="Times New Roman"/>
@@ -4114,9 +5544,9 @@
         <a:latin typeface="Calibri" panose="020F0502020204030204"/>
         <a:ea typeface=""/>
         <a:cs typeface=""/>
-        <a:font script="Jpan" typeface="ＭＳ Ｐゴシック"/>
+        <a:font script="Jpan" typeface="游ゴシック"/>
         <a:font script="Hang" typeface="맑은 고딕"/>
-        <a:font script="Hans" typeface="宋体"/>
+        <a:font script="Hans" typeface="等线"/>
         <a:font script="Hant" typeface="新細明體"/>
         <a:font script="Arab" typeface="Arial"/>
         <a:font script="Hebr" typeface="Arial"/>

--- a/presentation/Final Projection Presentation.pptx
+++ b/presentation/Final Projection Presentation.pptx
@@ -4,18 +4,23 @@
   <p:sldMasterIdLst>
     <p:sldMasterId id="2147483796" r:id="rId1"/>
   </p:sldMasterIdLst>
+  <p:notesMasterIdLst>
+    <p:notesMasterId r:id="rId15"/>
+  </p:notesMasterIdLst>
   <p:sldIdLst>
     <p:sldId id="256" r:id="rId2"/>
     <p:sldId id="262" r:id="rId3"/>
-    <p:sldId id="263" r:id="rId4"/>
+    <p:sldId id="270" r:id="rId4"/>
     <p:sldId id="257" r:id="rId5"/>
-    <p:sldId id="258" r:id="rId6"/>
-    <p:sldId id="265" r:id="rId7"/>
-    <p:sldId id="266" r:id="rId8"/>
-    <p:sldId id="260" r:id="rId9"/>
-    <p:sldId id="264" r:id="rId10"/>
-    <p:sldId id="259" r:id="rId11"/>
-    <p:sldId id="261" r:id="rId12"/>
+    <p:sldId id="265" r:id="rId6"/>
+    <p:sldId id="267" r:id="rId7"/>
+    <p:sldId id="269" r:id="rId8"/>
+    <p:sldId id="268" r:id="rId9"/>
+    <p:sldId id="266" r:id="rId10"/>
+    <p:sldId id="260" r:id="rId11"/>
+    <p:sldId id="264" r:id="rId12"/>
+    <p:sldId id="259" r:id="rId13"/>
+    <p:sldId id="271" r:id="rId14"/>
   </p:sldIdLst>
   <p:sldSz cx="12192000" cy="6858000"/>
   <p:notesSz cx="6858000" cy="9144000"/>
@@ -125,18 +130,20 @@
         <p14:section name="Requirements/Intro" id="{ECFDB2E0-FED3-4299-98B1-9124FB899E23}">
           <p14:sldIdLst>
             <p14:sldId id="262"/>
-            <p14:sldId id="263"/>
+            <p14:sldId id="270"/>
           </p14:sldIdLst>
         </p14:section>
         <p14:section name="PID Controller Basics" id="{792F2554-A493-44F0-B6A5-F5309E47AA22}">
           <p14:sldIdLst>
             <p14:sldId id="257"/>
-            <p14:sldId id="258"/>
           </p14:sldIdLst>
         </p14:section>
         <p14:section name="Tuning Methods and Analysis" id="{EA5189ED-F919-41E6-AB29-D2D0930FB021}">
           <p14:sldIdLst>
             <p14:sldId id="265"/>
+            <p14:sldId id="267"/>
+            <p14:sldId id="269"/>
+            <p14:sldId id="268"/>
             <p14:sldId id="266"/>
           </p14:sldIdLst>
         </p14:section>
@@ -145,7 +152,7 @@
             <p14:sldId id="260"/>
             <p14:sldId id="264"/>
             <p14:sldId id="259"/>
-            <p14:sldId id="261"/>
+            <p14:sldId id="271"/>
           </p14:sldIdLst>
         </p14:section>
       </p14:sectionLst>
@@ -155,6 +162,828 @@
     </p:ext>
   </p:extLst>
 </p:presentation>
+</file>
+
+<file path=ppt/notesMasters/notesMaster1.xml><?xml version="1.0" encoding="utf-8"?>
+<p:notesMaster xmlns:a="http://schemas.openxmlformats.org/drawingml/2006/main" xmlns:r="http://schemas.openxmlformats.org/officeDocument/2006/relationships" xmlns:p="http://schemas.openxmlformats.org/presentationml/2006/main">
+  <p:cSld>
+    <p:bg>
+      <p:bgRef idx="1001">
+        <a:schemeClr val="bg1"/>
+      </p:bgRef>
+    </p:bg>
+    <p:spTree>
+      <p:nvGrpSpPr>
+        <p:cNvPr id="1" name=""/>
+        <p:cNvGrpSpPr/>
+        <p:nvPr/>
+      </p:nvGrpSpPr>
+      <p:grpSpPr>
+        <a:xfrm>
+          <a:off x="0" y="0"/>
+          <a:ext cx="0" cy="0"/>
+          <a:chOff x="0" y="0"/>
+          <a:chExt cx="0" cy="0"/>
+        </a:xfrm>
+      </p:grpSpPr>
+      <p:sp>
+        <p:nvSpPr>
+          <p:cNvPr id="2" name="Header Placeholder 1"/>
+          <p:cNvSpPr>
+            <a:spLocks noGrp="1"/>
+          </p:cNvSpPr>
+          <p:nvPr>
+            <p:ph type="hdr" sz="quarter"/>
+          </p:nvPr>
+        </p:nvSpPr>
+        <p:spPr>
+          <a:xfrm>
+            <a:off x="0" y="0"/>
+            <a:ext cx="2971800" cy="458788"/>
+          </a:xfrm>
+          <a:prstGeom prst="rect">
+            <a:avLst/>
+          </a:prstGeom>
+        </p:spPr>
+        <p:txBody>
+          <a:bodyPr vert="horz" lIns="91440" tIns="45720" rIns="91440" bIns="45720" rtlCol="0"/>
+          <a:lstStyle>
+            <a:lvl1pPr algn="l">
+              <a:defRPr sz="1200"/>
+            </a:lvl1pPr>
+          </a:lstStyle>
+          <a:p>
+            <a:endParaRPr lang="en-US"/>
+          </a:p>
+        </p:txBody>
+      </p:sp>
+      <p:sp>
+        <p:nvSpPr>
+          <p:cNvPr id="3" name="Date Placeholder 2"/>
+          <p:cNvSpPr>
+            <a:spLocks noGrp="1"/>
+          </p:cNvSpPr>
+          <p:nvPr>
+            <p:ph type="dt" idx="1"/>
+          </p:nvPr>
+        </p:nvSpPr>
+        <p:spPr>
+          <a:xfrm>
+            <a:off x="3884613" y="0"/>
+            <a:ext cx="2971800" cy="458788"/>
+          </a:xfrm>
+          <a:prstGeom prst="rect">
+            <a:avLst/>
+          </a:prstGeom>
+        </p:spPr>
+        <p:txBody>
+          <a:bodyPr vert="horz" lIns="91440" tIns="45720" rIns="91440" bIns="45720" rtlCol="0"/>
+          <a:lstStyle>
+            <a:lvl1pPr algn="r">
+              <a:defRPr sz="1200"/>
+            </a:lvl1pPr>
+          </a:lstStyle>
+          <a:p>
+            <a:fld id="{3518FDFB-C053-43D3-8B92-23FAE7A1EB0F}" type="datetimeFigureOut">
+              <a:rPr lang="en-US" smtClean="0"/>
+              <a:t>12/3/2018</a:t>
+            </a:fld>
+            <a:endParaRPr lang="en-US"/>
+          </a:p>
+        </p:txBody>
+      </p:sp>
+      <p:sp>
+        <p:nvSpPr>
+          <p:cNvPr id="4" name="Slide Image Placeholder 3"/>
+          <p:cNvSpPr>
+            <a:spLocks noGrp="1" noRot="1" noChangeAspect="1"/>
+          </p:cNvSpPr>
+          <p:nvPr>
+            <p:ph type="sldImg" idx="2"/>
+          </p:nvPr>
+        </p:nvSpPr>
+        <p:spPr>
+          <a:xfrm>
+            <a:off x="685800" y="1143000"/>
+            <a:ext cx="5486400" cy="3086100"/>
+          </a:xfrm>
+          <a:prstGeom prst="rect">
+            <a:avLst/>
+          </a:prstGeom>
+          <a:noFill/>
+          <a:ln w="12700">
+            <a:solidFill>
+              <a:prstClr val="black"/>
+            </a:solidFill>
+          </a:ln>
+        </p:spPr>
+        <p:txBody>
+          <a:bodyPr vert="horz" lIns="91440" tIns="45720" rIns="91440" bIns="45720" rtlCol="0" anchor="ctr"/>
+          <a:lstStyle/>
+          <a:p>
+            <a:endParaRPr lang="en-US"/>
+          </a:p>
+        </p:txBody>
+      </p:sp>
+      <p:sp>
+        <p:nvSpPr>
+          <p:cNvPr id="5" name="Notes Placeholder 4"/>
+          <p:cNvSpPr>
+            <a:spLocks noGrp="1"/>
+          </p:cNvSpPr>
+          <p:nvPr>
+            <p:ph type="body" sz="quarter" idx="3"/>
+          </p:nvPr>
+        </p:nvSpPr>
+        <p:spPr>
+          <a:xfrm>
+            <a:off x="685800" y="4400550"/>
+            <a:ext cx="5486400" cy="3600450"/>
+          </a:xfrm>
+          <a:prstGeom prst="rect">
+            <a:avLst/>
+          </a:prstGeom>
+        </p:spPr>
+        <p:txBody>
+          <a:bodyPr vert="horz" lIns="91440" tIns="45720" rIns="91440" bIns="45720" rtlCol="0"/>
+          <a:lstStyle/>
+          <a:p>
+            <a:pPr lvl="0"/>
+            <a:r>
+              <a:rPr lang="en-US" smtClean="0"/>
+              <a:t>Edit Master text styles</a:t>
+            </a:r>
+          </a:p>
+          <a:p>
+            <a:pPr lvl="1"/>
+            <a:r>
+              <a:rPr lang="en-US" smtClean="0"/>
+              <a:t>Second level</a:t>
+            </a:r>
+          </a:p>
+          <a:p>
+            <a:pPr lvl="2"/>
+            <a:r>
+              <a:rPr lang="en-US" smtClean="0"/>
+              <a:t>Third level</a:t>
+            </a:r>
+          </a:p>
+          <a:p>
+            <a:pPr lvl="3"/>
+            <a:r>
+              <a:rPr lang="en-US" smtClean="0"/>
+              <a:t>Fourth level</a:t>
+            </a:r>
+          </a:p>
+          <a:p>
+            <a:pPr lvl="4"/>
+            <a:r>
+              <a:rPr lang="en-US" smtClean="0"/>
+              <a:t>Fifth level</a:t>
+            </a:r>
+            <a:endParaRPr lang="en-US"/>
+          </a:p>
+        </p:txBody>
+      </p:sp>
+      <p:sp>
+        <p:nvSpPr>
+          <p:cNvPr id="6" name="Footer Placeholder 5"/>
+          <p:cNvSpPr>
+            <a:spLocks noGrp="1"/>
+          </p:cNvSpPr>
+          <p:nvPr>
+            <p:ph type="ftr" sz="quarter" idx="4"/>
+          </p:nvPr>
+        </p:nvSpPr>
+        <p:spPr>
+          <a:xfrm>
+            <a:off x="0" y="8685213"/>
+            <a:ext cx="2971800" cy="458787"/>
+          </a:xfrm>
+          <a:prstGeom prst="rect">
+            <a:avLst/>
+          </a:prstGeom>
+        </p:spPr>
+        <p:txBody>
+          <a:bodyPr vert="horz" lIns="91440" tIns="45720" rIns="91440" bIns="45720" rtlCol="0" anchor="b"/>
+          <a:lstStyle>
+            <a:lvl1pPr algn="l">
+              <a:defRPr sz="1200"/>
+            </a:lvl1pPr>
+          </a:lstStyle>
+          <a:p>
+            <a:endParaRPr lang="en-US"/>
+          </a:p>
+        </p:txBody>
+      </p:sp>
+      <p:sp>
+        <p:nvSpPr>
+          <p:cNvPr id="7" name="Slide Number Placeholder 6"/>
+          <p:cNvSpPr>
+            <a:spLocks noGrp="1"/>
+          </p:cNvSpPr>
+          <p:nvPr>
+            <p:ph type="sldNum" sz="quarter" idx="5"/>
+          </p:nvPr>
+        </p:nvSpPr>
+        <p:spPr>
+          <a:xfrm>
+            <a:off x="3884613" y="8685213"/>
+            <a:ext cx="2971800" cy="458787"/>
+          </a:xfrm>
+          <a:prstGeom prst="rect">
+            <a:avLst/>
+          </a:prstGeom>
+        </p:spPr>
+        <p:txBody>
+          <a:bodyPr vert="horz" lIns="91440" tIns="45720" rIns="91440" bIns="45720" rtlCol="0" anchor="b"/>
+          <a:lstStyle>
+            <a:lvl1pPr algn="r">
+              <a:defRPr sz="1200"/>
+            </a:lvl1pPr>
+          </a:lstStyle>
+          <a:p>
+            <a:fld id="{B1E85088-1631-405B-90B4-F3316B98C1A8}" type="slidenum">
+              <a:rPr lang="en-US" smtClean="0"/>
+              <a:t>‹#›</a:t>
+            </a:fld>
+            <a:endParaRPr lang="en-US"/>
+          </a:p>
+        </p:txBody>
+      </p:sp>
+    </p:spTree>
+    <p:extLst>
+      <p:ext uri="{BB962C8B-B14F-4D97-AF65-F5344CB8AC3E}">
+        <p14:creationId xmlns:p14="http://schemas.microsoft.com/office/powerpoint/2010/main" val="3870289123"/>
+      </p:ext>
+    </p:extLst>
+  </p:cSld>
+  <p:clrMap bg1="lt1" tx1="dk1" bg2="lt2" tx2="dk2" accent1="accent1" accent2="accent2" accent3="accent3" accent4="accent4" accent5="accent5" accent6="accent6" hlink="hlink" folHlink="folHlink"/>
+  <p:notesStyle>
+    <a:lvl1pPr marL="0" algn="l" defTabSz="914400" rtl="0" eaLnBrk="1" latinLnBrk="0" hangingPunct="1">
+      <a:defRPr sz="1200" kern="1200">
+        <a:solidFill>
+          <a:schemeClr val="tx1"/>
+        </a:solidFill>
+        <a:latin typeface="+mn-lt"/>
+        <a:ea typeface="+mn-ea"/>
+        <a:cs typeface="+mn-cs"/>
+      </a:defRPr>
+    </a:lvl1pPr>
+    <a:lvl2pPr marL="457200" algn="l" defTabSz="914400" rtl="0" eaLnBrk="1" latinLnBrk="0" hangingPunct="1">
+      <a:defRPr sz="1200" kern="1200">
+        <a:solidFill>
+          <a:schemeClr val="tx1"/>
+        </a:solidFill>
+        <a:latin typeface="+mn-lt"/>
+        <a:ea typeface="+mn-ea"/>
+        <a:cs typeface="+mn-cs"/>
+      </a:defRPr>
+    </a:lvl2pPr>
+    <a:lvl3pPr marL="914400" algn="l" defTabSz="914400" rtl="0" eaLnBrk="1" latinLnBrk="0" hangingPunct="1">
+      <a:defRPr sz="1200" kern="1200">
+        <a:solidFill>
+          <a:schemeClr val="tx1"/>
+        </a:solidFill>
+        <a:latin typeface="+mn-lt"/>
+        <a:ea typeface="+mn-ea"/>
+        <a:cs typeface="+mn-cs"/>
+      </a:defRPr>
+    </a:lvl3pPr>
+    <a:lvl4pPr marL="1371600" algn="l" defTabSz="914400" rtl="0" eaLnBrk="1" latinLnBrk="0" hangingPunct="1">
+      <a:defRPr sz="1200" kern="1200">
+        <a:solidFill>
+          <a:schemeClr val="tx1"/>
+        </a:solidFill>
+        <a:latin typeface="+mn-lt"/>
+        <a:ea typeface="+mn-ea"/>
+        <a:cs typeface="+mn-cs"/>
+      </a:defRPr>
+    </a:lvl4pPr>
+    <a:lvl5pPr marL="1828800" algn="l" defTabSz="914400" rtl="0" eaLnBrk="1" latinLnBrk="0" hangingPunct="1">
+      <a:defRPr sz="1200" kern="1200">
+        <a:solidFill>
+          <a:schemeClr val="tx1"/>
+        </a:solidFill>
+        <a:latin typeface="+mn-lt"/>
+        <a:ea typeface="+mn-ea"/>
+        <a:cs typeface="+mn-cs"/>
+      </a:defRPr>
+    </a:lvl5pPr>
+    <a:lvl6pPr marL="2286000" algn="l" defTabSz="914400" rtl="0" eaLnBrk="1" latinLnBrk="0" hangingPunct="1">
+      <a:defRPr sz="1200" kern="1200">
+        <a:solidFill>
+          <a:schemeClr val="tx1"/>
+        </a:solidFill>
+        <a:latin typeface="+mn-lt"/>
+        <a:ea typeface="+mn-ea"/>
+        <a:cs typeface="+mn-cs"/>
+      </a:defRPr>
+    </a:lvl6pPr>
+    <a:lvl7pPr marL="2743200" algn="l" defTabSz="914400" rtl="0" eaLnBrk="1" latinLnBrk="0" hangingPunct="1">
+      <a:defRPr sz="1200" kern="1200">
+        <a:solidFill>
+          <a:schemeClr val="tx1"/>
+        </a:solidFill>
+        <a:latin typeface="+mn-lt"/>
+        <a:ea typeface="+mn-ea"/>
+        <a:cs typeface="+mn-cs"/>
+      </a:defRPr>
+    </a:lvl7pPr>
+    <a:lvl8pPr marL="3200400" algn="l" defTabSz="914400" rtl="0" eaLnBrk="1" latinLnBrk="0" hangingPunct="1">
+      <a:defRPr sz="1200" kern="1200">
+        <a:solidFill>
+          <a:schemeClr val="tx1"/>
+        </a:solidFill>
+        <a:latin typeface="+mn-lt"/>
+        <a:ea typeface="+mn-ea"/>
+        <a:cs typeface="+mn-cs"/>
+      </a:defRPr>
+    </a:lvl8pPr>
+    <a:lvl9pPr marL="3657600" algn="l" defTabSz="914400" rtl="0" eaLnBrk="1" latinLnBrk="0" hangingPunct="1">
+      <a:defRPr sz="1200" kern="1200">
+        <a:solidFill>
+          <a:schemeClr val="tx1"/>
+        </a:solidFill>
+        <a:latin typeface="+mn-lt"/>
+        <a:ea typeface="+mn-ea"/>
+        <a:cs typeface="+mn-cs"/>
+      </a:defRPr>
+    </a:lvl9pPr>
+  </p:notesStyle>
+</p:notesMaster>
+</file>
+
+<file path=ppt/notesSlides/notesSlide1.xml><?xml version="1.0" encoding="utf-8"?>
+<p:notes xmlns:a="http://schemas.openxmlformats.org/drawingml/2006/main" xmlns:r="http://schemas.openxmlformats.org/officeDocument/2006/relationships" xmlns:p="http://schemas.openxmlformats.org/presentationml/2006/main">
+  <p:cSld>
+    <p:spTree>
+      <p:nvGrpSpPr>
+        <p:cNvPr id="1" name=""/>
+        <p:cNvGrpSpPr/>
+        <p:nvPr/>
+      </p:nvGrpSpPr>
+      <p:grpSpPr>
+        <a:xfrm>
+          <a:off x="0" y="0"/>
+          <a:ext cx="0" cy="0"/>
+          <a:chOff x="0" y="0"/>
+          <a:chExt cx="0" cy="0"/>
+        </a:xfrm>
+      </p:grpSpPr>
+      <p:sp>
+        <p:nvSpPr>
+          <p:cNvPr id="2" name="Slide Image Placeholder 1"/>
+          <p:cNvSpPr>
+            <a:spLocks noGrp="1" noRot="1" noChangeAspect="1"/>
+          </p:cNvSpPr>
+          <p:nvPr>
+            <p:ph type="sldImg"/>
+          </p:nvPr>
+        </p:nvSpPr>
+        <p:spPr/>
+      </p:sp>
+      <p:sp>
+        <p:nvSpPr>
+          <p:cNvPr id="3" name="Notes Placeholder 2"/>
+          <p:cNvSpPr>
+            <a:spLocks noGrp="1"/>
+          </p:cNvSpPr>
+          <p:nvPr>
+            <p:ph type="body" idx="1"/>
+          </p:nvPr>
+        </p:nvSpPr>
+        <p:spPr/>
+        <p:txBody>
+          <a:bodyPr/>
+          <a:lstStyle/>
+          <a:p>
+            <a:r>
+              <a:rPr lang="en-US" dirty="0" smtClean="0"/>
+              <a:t>Proportional, integral,</a:t>
+            </a:r>
+            <a:r>
+              <a:rPr lang="en-US" baseline="0" dirty="0" smtClean="0"/>
+              <a:t> derivative</a:t>
+            </a:r>
+          </a:p>
+          <a:p>
+            <a:r>
+              <a:rPr lang="en-US" baseline="0" dirty="0" smtClean="0"/>
+              <a:t>The graph on the right shows how the controller can be changed with different values. This graph shows different values for only one of the variables.</a:t>
+            </a:r>
+          </a:p>
+          <a:p>
+            <a:endParaRPr lang="en-US" baseline="0" dirty="0" smtClean="0"/>
+          </a:p>
+          <a:p>
+            <a:r>
+              <a:rPr lang="en-US" baseline="0" dirty="0" smtClean="0"/>
+              <a:t>More adjustable – multiple variables allows different ways to sense error, a lot of control over the response</a:t>
+            </a:r>
+            <a:endParaRPr lang="en-US" dirty="0"/>
+          </a:p>
+        </p:txBody>
+      </p:sp>
+      <p:sp>
+        <p:nvSpPr>
+          <p:cNvPr id="4" name="Slide Number Placeholder 3"/>
+          <p:cNvSpPr>
+            <a:spLocks noGrp="1"/>
+          </p:cNvSpPr>
+          <p:nvPr>
+            <p:ph type="sldNum" sz="quarter" idx="10"/>
+          </p:nvPr>
+        </p:nvSpPr>
+        <p:spPr/>
+        <p:txBody>
+          <a:bodyPr/>
+          <a:lstStyle/>
+          <a:p>
+            <a:fld id="{B1E85088-1631-405B-90B4-F3316B98C1A8}" type="slidenum">
+              <a:rPr lang="en-US" smtClean="0"/>
+              <a:t>3</a:t>
+            </a:fld>
+            <a:endParaRPr lang="en-US"/>
+          </a:p>
+        </p:txBody>
+      </p:sp>
+    </p:spTree>
+    <p:extLst>
+      <p:ext uri="{BB962C8B-B14F-4D97-AF65-F5344CB8AC3E}">
+        <p14:creationId xmlns:p14="http://schemas.microsoft.com/office/powerpoint/2010/main" val="1572688714"/>
+      </p:ext>
+    </p:extLst>
+  </p:cSld>
+  <p:clrMapOvr>
+    <a:masterClrMapping/>
+  </p:clrMapOvr>
+</p:notes>
+</file>
+
+<file path=ppt/notesSlides/notesSlide2.xml><?xml version="1.0" encoding="utf-8"?>
+<p:notes xmlns:a="http://schemas.openxmlformats.org/drawingml/2006/main" xmlns:r="http://schemas.openxmlformats.org/officeDocument/2006/relationships" xmlns:p="http://schemas.openxmlformats.org/presentationml/2006/main">
+  <p:cSld>
+    <p:spTree>
+      <p:nvGrpSpPr>
+        <p:cNvPr id="1" name=""/>
+        <p:cNvGrpSpPr/>
+        <p:nvPr/>
+      </p:nvGrpSpPr>
+      <p:grpSpPr>
+        <a:xfrm>
+          <a:off x="0" y="0"/>
+          <a:ext cx="0" cy="0"/>
+          <a:chOff x="0" y="0"/>
+          <a:chExt cx="0" cy="0"/>
+        </a:xfrm>
+      </p:grpSpPr>
+      <p:sp>
+        <p:nvSpPr>
+          <p:cNvPr id="2" name="Slide Image Placeholder 1"/>
+          <p:cNvSpPr>
+            <a:spLocks noGrp="1" noRot="1" noChangeAspect="1"/>
+          </p:cNvSpPr>
+          <p:nvPr>
+            <p:ph type="sldImg"/>
+          </p:nvPr>
+        </p:nvSpPr>
+        <p:spPr/>
+      </p:sp>
+      <p:sp>
+        <p:nvSpPr>
+          <p:cNvPr id="3" name="Notes Placeholder 2"/>
+          <p:cNvSpPr>
+            <a:spLocks noGrp="1"/>
+          </p:cNvSpPr>
+          <p:nvPr>
+            <p:ph type="body" idx="1"/>
+          </p:nvPr>
+        </p:nvSpPr>
+        <p:spPr/>
+        <p:txBody>
+          <a:bodyPr/>
+          <a:lstStyle/>
+          <a:p>
+            <a:r>
+              <a:rPr lang="en-US" dirty="0" smtClean="0"/>
+              <a:t>The proportional gain is what causes the controller to respond to different levels of error.</a:t>
+            </a:r>
+          </a:p>
+          <a:p>
+            <a:r>
+              <a:rPr lang="en-US" dirty="0" smtClean="0"/>
+              <a:t>The integral gain lets the controller react to past error values. This eliminates any persistent error that the proportional gain does not correct.</a:t>
+            </a:r>
+          </a:p>
+          <a:p>
+            <a:r>
+              <a:rPr lang="en-US" dirty="0" smtClean="0"/>
+              <a:t>The derivative gain estimates the future error. This constant helps eliminate any error at a faster pace.</a:t>
+            </a:r>
+          </a:p>
+          <a:p>
+            <a:endParaRPr lang="en-US" dirty="0" smtClean="0"/>
+          </a:p>
+          <a:p>
+            <a:r>
+              <a:rPr lang="en-US" dirty="0" err="1" smtClean="0"/>
+              <a:t>Kp</a:t>
+            </a:r>
+            <a:r>
+              <a:rPr lang="en-US" baseline="0" dirty="0" smtClean="0"/>
+              <a:t> and Ki decrease rise time, but increase overshoot</a:t>
+            </a:r>
+          </a:p>
+          <a:p>
+            <a:r>
+              <a:rPr lang="en-US" baseline="0" dirty="0" smtClean="0"/>
+              <a:t>Ki significantly decreases steady state error,</a:t>
+            </a:r>
+          </a:p>
+          <a:p>
+            <a:r>
+              <a:rPr lang="en-US" baseline="0" dirty="0" err="1" smtClean="0"/>
+              <a:t>Kd</a:t>
+            </a:r>
+            <a:r>
+              <a:rPr lang="en-US" baseline="0" dirty="0" smtClean="0"/>
+              <a:t> improves stability and has minor effect on other variables</a:t>
+            </a:r>
+          </a:p>
+          <a:p>
+            <a:endParaRPr lang="en-US" baseline="0" dirty="0" smtClean="0"/>
+          </a:p>
+          <a:p>
+            <a:r>
+              <a:rPr lang="en-US" sz="1200" dirty="0" smtClean="0"/>
+              <a:t>Proportional gain – sensitivity to error</a:t>
+            </a:r>
+          </a:p>
+          <a:p>
+            <a:r>
+              <a:rPr lang="en-US" sz="1200" dirty="0" smtClean="0"/>
+              <a:t>Integral gain – reduces steady state error</a:t>
+            </a:r>
+          </a:p>
+          <a:p>
+            <a:r>
+              <a:rPr lang="en-US" sz="1200" dirty="0" smtClean="0"/>
+              <a:t>Derivative gain – improves settling time and stability </a:t>
+            </a:r>
+          </a:p>
+          <a:p>
+            <a:endParaRPr lang="en-US" dirty="0" smtClean="0"/>
+          </a:p>
+          <a:p>
+            <a:endParaRPr lang="en-US" dirty="0" smtClean="0"/>
+          </a:p>
+          <a:p>
+            <a:endParaRPr lang="en-US" dirty="0" smtClean="0"/>
+          </a:p>
+          <a:p>
+            <a:r>
+              <a:rPr lang="en-US" dirty="0" smtClean="0"/>
+              <a:t>S-domain = frequency domain</a:t>
+            </a:r>
+          </a:p>
+          <a:p>
+            <a:r>
+              <a:rPr lang="en-US" dirty="0" smtClean="0"/>
+              <a:t>e(t)</a:t>
+            </a:r>
+            <a:r>
+              <a:rPr lang="en-US" baseline="0" dirty="0" smtClean="0"/>
+              <a:t> is error function.</a:t>
+            </a:r>
+          </a:p>
+          <a:p>
+            <a:endParaRPr lang="en-US" baseline="0" dirty="0" smtClean="0"/>
+          </a:p>
+          <a:p>
+            <a:r>
+              <a:rPr lang="en-US" baseline="0" dirty="0" smtClean="0"/>
+              <a:t>We’ll actually use a discrete time domain, because computers are only capable of sampling</a:t>
+            </a:r>
+            <a:endParaRPr lang="en-US" dirty="0"/>
+          </a:p>
+        </p:txBody>
+      </p:sp>
+      <p:sp>
+        <p:nvSpPr>
+          <p:cNvPr id="4" name="Slide Number Placeholder 3"/>
+          <p:cNvSpPr>
+            <a:spLocks noGrp="1"/>
+          </p:cNvSpPr>
+          <p:nvPr>
+            <p:ph type="sldNum" sz="quarter" idx="10"/>
+          </p:nvPr>
+        </p:nvSpPr>
+        <p:spPr/>
+        <p:txBody>
+          <a:bodyPr/>
+          <a:lstStyle/>
+          <a:p>
+            <a:fld id="{B1E85088-1631-405B-90B4-F3316B98C1A8}" type="slidenum">
+              <a:rPr lang="en-US" smtClean="0"/>
+              <a:t>4</a:t>
+            </a:fld>
+            <a:endParaRPr lang="en-US"/>
+          </a:p>
+        </p:txBody>
+      </p:sp>
+    </p:spTree>
+    <p:extLst>
+      <p:ext uri="{BB962C8B-B14F-4D97-AF65-F5344CB8AC3E}">
+        <p14:creationId xmlns:p14="http://schemas.microsoft.com/office/powerpoint/2010/main" val="3639769001"/>
+      </p:ext>
+    </p:extLst>
+  </p:cSld>
+  <p:clrMapOvr>
+    <a:masterClrMapping/>
+  </p:clrMapOvr>
+</p:notes>
+</file>
+
+<file path=ppt/notesSlides/notesSlide3.xml><?xml version="1.0" encoding="utf-8"?>
+<p:notes xmlns:a="http://schemas.openxmlformats.org/drawingml/2006/main" xmlns:r="http://schemas.openxmlformats.org/officeDocument/2006/relationships" xmlns:p="http://schemas.openxmlformats.org/presentationml/2006/main">
+  <p:cSld>
+    <p:spTree>
+      <p:nvGrpSpPr>
+        <p:cNvPr id="1" name=""/>
+        <p:cNvGrpSpPr/>
+        <p:nvPr/>
+      </p:nvGrpSpPr>
+      <p:grpSpPr>
+        <a:xfrm>
+          <a:off x="0" y="0"/>
+          <a:ext cx="0" cy="0"/>
+          <a:chOff x="0" y="0"/>
+          <a:chExt cx="0" cy="0"/>
+        </a:xfrm>
+      </p:grpSpPr>
+      <p:sp>
+        <p:nvSpPr>
+          <p:cNvPr id="2" name="Slide Image Placeholder 1"/>
+          <p:cNvSpPr>
+            <a:spLocks noGrp="1" noRot="1" noChangeAspect="1"/>
+          </p:cNvSpPr>
+          <p:nvPr>
+            <p:ph type="sldImg"/>
+          </p:nvPr>
+        </p:nvSpPr>
+        <p:spPr/>
+      </p:sp>
+      <p:sp>
+        <p:nvSpPr>
+          <p:cNvPr id="3" name="Notes Placeholder 2"/>
+          <p:cNvSpPr>
+            <a:spLocks noGrp="1"/>
+          </p:cNvSpPr>
+          <p:nvPr>
+            <p:ph type="body" idx="1"/>
+          </p:nvPr>
+        </p:nvSpPr>
+        <p:spPr/>
+        <p:txBody>
+          <a:bodyPr/>
+          <a:lstStyle/>
+          <a:p>
+            <a:r>
+              <a:rPr lang="en-US" dirty="0" smtClean="0"/>
+              <a:t>Uses an array</a:t>
+            </a:r>
+          </a:p>
+          <a:p>
+            <a:endParaRPr lang="en-US" dirty="0" smtClean="0"/>
+          </a:p>
+          <a:p>
+            <a:r>
+              <a:rPr lang="en-US" dirty="0" smtClean="0"/>
+              <a:t>Tuning</a:t>
+            </a:r>
+            <a:endParaRPr lang="en-US" dirty="0"/>
+          </a:p>
+        </p:txBody>
+      </p:sp>
+      <p:sp>
+        <p:nvSpPr>
+          <p:cNvPr id="4" name="Slide Number Placeholder 3"/>
+          <p:cNvSpPr>
+            <a:spLocks noGrp="1"/>
+          </p:cNvSpPr>
+          <p:nvPr>
+            <p:ph type="sldNum" sz="quarter" idx="10"/>
+          </p:nvPr>
+        </p:nvSpPr>
+        <p:spPr/>
+        <p:txBody>
+          <a:bodyPr/>
+          <a:lstStyle/>
+          <a:p>
+            <a:fld id="{B1E85088-1631-405B-90B4-F3316B98C1A8}" type="slidenum">
+              <a:rPr lang="en-US" smtClean="0"/>
+              <a:t>5</a:t>
+            </a:fld>
+            <a:endParaRPr lang="en-US"/>
+          </a:p>
+        </p:txBody>
+      </p:sp>
+    </p:spTree>
+    <p:extLst>
+      <p:ext uri="{BB962C8B-B14F-4D97-AF65-F5344CB8AC3E}">
+        <p14:creationId xmlns:p14="http://schemas.microsoft.com/office/powerpoint/2010/main" val="987886435"/>
+      </p:ext>
+    </p:extLst>
+  </p:cSld>
+  <p:clrMapOvr>
+    <a:masterClrMapping/>
+  </p:clrMapOvr>
+</p:notes>
+</file>
+
+<file path=ppt/notesSlides/notesSlide4.xml><?xml version="1.0" encoding="utf-8"?>
+<p:notes xmlns:a="http://schemas.openxmlformats.org/drawingml/2006/main" xmlns:r="http://schemas.openxmlformats.org/officeDocument/2006/relationships" xmlns:p="http://schemas.openxmlformats.org/presentationml/2006/main">
+  <p:cSld>
+    <p:spTree>
+      <p:nvGrpSpPr>
+        <p:cNvPr id="1" name=""/>
+        <p:cNvGrpSpPr/>
+        <p:nvPr/>
+      </p:nvGrpSpPr>
+      <p:grpSpPr>
+        <a:xfrm>
+          <a:off x="0" y="0"/>
+          <a:ext cx="0" cy="0"/>
+          <a:chOff x="0" y="0"/>
+          <a:chExt cx="0" cy="0"/>
+        </a:xfrm>
+      </p:grpSpPr>
+      <p:sp>
+        <p:nvSpPr>
+          <p:cNvPr id="2" name="Slide Image Placeholder 1"/>
+          <p:cNvSpPr>
+            <a:spLocks noGrp="1" noRot="1" noChangeAspect="1"/>
+          </p:cNvSpPr>
+          <p:nvPr>
+            <p:ph type="sldImg"/>
+          </p:nvPr>
+        </p:nvSpPr>
+        <p:spPr/>
+      </p:sp>
+      <p:sp>
+        <p:nvSpPr>
+          <p:cNvPr id="3" name="Notes Placeholder 2"/>
+          <p:cNvSpPr>
+            <a:spLocks noGrp="1"/>
+          </p:cNvSpPr>
+          <p:nvPr>
+            <p:ph type="body" idx="1"/>
+          </p:nvPr>
+        </p:nvSpPr>
+        <p:spPr/>
+        <p:txBody>
+          <a:bodyPr/>
+          <a:lstStyle/>
+          <a:p>
+            <a:endParaRPr lang="en-US" dirty="0"/>
+          </a:p>
+        </p:txBody>
+      </p:sp>
+      <p:sp>
+        <p:nvSpPr>
+          <p:cNvPr id="4" name="Slide Number Placeholder 3"/>
+          <p:cNvSpPr>
+            <a:spLocks noGrp="1"/>
+          </p:cNvSpPr>
+          <p:nvPr>
+            <p:ph type="sldNum" sz="quarter" idx="10"/>
+          </p:nvPr>
+        </p:nvSpPr>
+        <p:spPr/>
+        <p:txBody>
+          <a:bodyPr/>
+          <a:lstStyle/>
+          <a:p>
+            <a:fld id="{B1E85088-1631-405B-90B4-F3316B98C1A8}" type="slidenum">
+              <a:rPr lang="en-US" smtClean="0"/>
+              <a:t>6</a:t>
+            </a:fld>
+            <a:endParaRPr lang="en-US"/>
+          </a:p>
+        </p:txBody>
+      </p:sp>
+    </p:spTree>
+    <p:extLst>
+      <p:ext uri="{BB962C8B-B14F-4D97-AF65-F5344CB8AC3E}">
+        <p14:creationId xmlns:p14="http://schemas.microsoft.com/office/powerpoint/2010/main" val="58099611"/>
+      </p:ext>
+    </p:extLst>
+  </p:cSld>
+  <p:clrMapOvr>
+    <a:masterClrMapping/>
+  </p:clrMapOvr>
+</p:notes>
 </file>
 
 <file path=ppt/slideLayouts/slideLayout1.xml><?xml version="1.0" encoding="utf-8"?>
@@ -3029,7 +3858,12 @@
             <p:ph type="ctrTitle"/>
           </p:nvPr>
         </p:nvSpPr>
-        <p:spPr/>
+        <p:spPr>
+          <a:xfrm>
+            <a:off x="0" y="1122363"/>
+            <a:ext cx="12191999" cy="2387600"/>
+          </a:xfrm>
+        </p:spPr>
         <p:txBody>
           <a:bodyPr/>
           <a:lstStyle/>
@@ -3057,9 +3891,16 @@
           <a:bodyPr/>
           <a:lstStyle/>
           <a:p>
+            <a:endParaRPr lang="en-US" dirty="0" smtClean="0"/>
+          </a:p>
+          <a:p>
             <a:r>
               <a:rPr lang="en-US" dirty="0" smtClean="0"/>
-              <a:t>Presented by Joseph Driscoll and Isaac Hill</a:t>
+              <a:t>Presented by Joe </a:t>
+            </a:r>
+            <a:r>
+              <a:rPr lang="en-US" dirty="0" smtClean="0"/>
+              <a:t>Driscoll and Isaac Hill</a:t>
             </a:r>
             <a:endParaRPr lang="en-US" dirty="0"/>
           </a:p>
@@ -3112,72 +3953,191 @@
             <p:ph type="title"/>
           </p:nvPr>
         </p:nvSpPr>
-        <p:spPr/>
-        <p:txBody>
-          <a:bodyPr/>
+        <p:spPr>
+          <a:xfrm>
+            <a:off x="813954" y="82492"/>
+            <a:ext cx="10564091" cy="499399"/>
+          </a:xfrm>
+        </p:spPr>
+        <p:txBody>
+          <a:bodyPr>
+            <a:normAutofit fontScale="90000"/>
+          </a:bodyPr>
           <a:lstStyle/>
           <a:p>
             <a:pPr algn="ctr"/>
             <a:r>
               <a:rPr lang="en-US" dirty="0" smtClean="0"/>
-              <a:t>Closed Loop Response Summary</a:t>
+              <a:t>Open Loop Captured Data</a:t>
             </a:r>
             <a:endParaRPr lang="en-US" dirty="0"/>
           </a:p>
         </p:txBody>
       </p:sp>
-      <p:sp>
-        <p:nvSpPr>
-          <p:cNvPr id="3" name="Content Placeholder 2"/>
-          <p:cNvSpPr>
-            <a:spLocks noGrp="1"/>
-          </p:cNvSpPr>
-          <p:nvPr>
-            <p:ph idx="1"/>
-          </p:nvPr>
-        </p:nvSpPr>
-        <p:spPr/>
-        <p:txBody>
-          <a:bodyPr/>
+      <p:pic>
+        <p:nvPicPr>
+          <p:cNvPr id="1028" name="Picture 4" descr="https://raw.githubusercontent.com/jwd0023/3050/master/presentation/open_loop.PNG"/>
+          <p:cNvPicPr>
+            <a:picLocks noChangeAspect="1" noChangeArrowheads="1"/>
+          </p:cNvPicPr>
+          <p:nvPr/>
+        </p:nvPicPr>
+        <p:blipFill>
+          <a:blip r:embed="rId2">
+            <a:extLst>
+              <a:ext uri="{28A0092B-C50C-407E-A947-70E740481C1C}">
+                <a14:useLocalDpi xmlns:a14="http://schemas.microsoft.com/office/drawing/2010/main" val="0"/>
+              </a:ext>
+            </a:extLst>
+          </a:blip>
+          <a:srcRect/>
+          <a:stretch>
+            <a:fillRect/>
+          </a:stretch>
+        </p:blipFill>
+        <p:spPr bwMode="auto">
+          <a:xfrm>
+            <a:off x="0" y="581891"/>
+            <a:ext cx="12192000" cy="6276109"/>
+          </a:xfrm>
+          <a:prstGeom prst="rect">
+            <a:avLst/>
+          </a:prstGeom>
+          <a:noFill/>
+          <a:extLst>
+            <a:ext uri="{909E8E84-426E-40DD-AFC4-6F175D3DCCD1}">
+              <a14:hiddenFill xmlns:a14="http://schemas.microsoft.com/office/drawing/2010/main">
+                <a:solidFill>
+                  <a:srgbClr val="FFFFFF"/>
+                </a:solidFill>
+              </a14:hiddenFill>
+            </a:ext>
+          </a:extLst>
+        </p:spPr>
+      </p:pic>
+      <p:cxnSp>
+        <p:nvCxnSpPr>
+          <p:cNvPr id="4" name="Straight Arrow Connector 3"/>
+          <p:cNvCxnSpPr/>
+          <p:nvPr/>
+        </p:nvCxnSpPr>
+        <p:spPr>
+          <a:xfrm>
+            <a:off x="634538" y="1864820"/>
+            <a:ext cx="1352204" cy="0"/>
+          </a:xfrm>
+          <a:prstGeom prst="straightConnector1">
+            <a:avLst/>
+          </a:prstGeom>
+          <a:ln w="57150">
+            <a:solidFill>
+              <a:srgbClr val="FF0000"/>
+            </a:solidFill>
+            <a:headEnd type="triangle"/>
+            <a:tailEnd type="triangle"/>
+          </a:ln>
+        </p:spPr>
+        <p:style>
+          <a:lnRef idx="3">
+            <a:schemeClr val="accent2"/>
+          </a:lnRef>
+          <a:fillRef idx="0">
+            <a:schemeClr val="accent2"/>
+          </a:fillRef>
+          <a:effectRef idx="2">
+            <a:schemeClr val="accent2"/>
+          </a:effectRef>
+          <a:fontRef idx="minor">
+            <a:schemeClr val="tx1"/>
+          </a:fontRef>
+        </p:style>
+      </p:cxnSp>
+      <p:sp>
+        <p:nvSpPr>
+          <p:cNvPr id="7" name="TextBox 6"/>
+          <p:cNvSpPr txBox="1"/>
+          <p:nvPr/>
+        </p:nvSpPr>
+        <p:spPr>
+          <a:xfrm>
+            <a:off x="813954" y="1324492"/>
+            <a:ext cx="1321724" cy="400110"/>
+          </a:xfrm>
+          <a:prstGeom prst="rect">
+            <a:avLst/>
+          </a:prstGeom>
+          <a:noFill/>
+        </p:spPr>
+        <p:txBody>
+          <a:bodyPr wrap="square" rtlCol="0">
+            <a:spAutoFit/>
+          </a:bodyPr>
           <a:lstStyle/>
           <a:p>
             <a:r>
-              <a:rPr lang="en-US" dirty="0" smtClean="0"/>
-              <a:t>Same transition from 480 mV to 900 mV</a:t>
-            </a:r>
-          </a:p>
-          <a:p>
-            <a:r>
-              <a:rPr lang="en-US" dirty="0" smtClean="0"/>
-              <a:t>Settling time: 280-300 </a:t>
-            </a:r>
-            <a:r>
-              <a:rPr lang="en-US" dirty="0" err="1" smtClean="0"/>
+              <a:rPr lang="en-US" sz="2000" b="1" dirty="0" smtClean="0">
+                <a:solidFill>
+                  <a:srgbClr val="FF0000"/>
+                </a:solidFill>
+              </a:rPr>
+              <a:t>622 </a:t>
+            </a:r>
+            <a:r>
+              <a:rPr lang="en-US" sz="2000" b="1" dirty="0" err="1" smtClean="0">
+                <a:solidFill>
+                  <a:srgbClr val="FF0000"/>
+                </a:solidFill>
+              </a:rPr>
               <a:t>ms</a:t>
             </a:r>
-            <a:r>
-              <a:rPr lang="en-US" dirty="0" smtClean="0"/>
-              <a:t> </a:t>
-            </a:r>
-            <a:r>
-              <a:rPr lang="en-US" dirty="0" smtClean="0"/>
-              <a:t>(~50% faster)</a:t>
-            </a:r>
-            <a:endParaRPr lang="en-US" dirty="0" smtClean="0"/>
-          </a:p>
-          <a:p>
-            <a:r>
-              <a:rPr lang="en-US" dirty="0" smtClean="0"/>
-              <a:t>Minimal ripple: under 10 mV</a:t>
-            </a:r>
-            <a:endParaRPr lang="en-US" dirty="0"/>
-          </a:p>
-        </p:txBody>
-      </p:sp>
+            <a:endParaRPr lang="en-US" sz="2000" b="1" dirty="0">
+              <a:solidFill>
+                <a:srgbClr val="FF0000"/>
+              </a:solidFill>
+            </a:endParaRPr>
+          </a:p>
+        </p:txBody>
+      </p:sp>
+      <p:cxnSp>
+        <p:nvCxnSpPr>
+          <p:cNvPr id="5" name="Straight Connector 4"/>
+          <p:cNvCxnSpPr/>
+          <p:nvPr/>
+        </p:nvCxnSpPr>
+        <p:spPr>
+          <a:xfrm flipH="1">
+            <a:off x="1986743" y="910803"/>
+            <a:ext cx="61865" cy="5525166"/>
+          </a:xfrm>
+          <a:prstGeom prst="line">
+            <a:avLst/>
+          </a:prstGeom>
+          <a:ln w="38100">
+            <a:solidFill>
+              <a:srgbClr val="FF0000"/>
+            </a:solidFill>
+            <a:prstDash val="dash"/>
+          </a:ln>
+        </p:spPr>
+        <p:style>
+          <a:lnRef idx="3">
+            <a:schemeClr val="accent2"/>
+          </a:lnRef>
+          <a:fillRef idx="0">
+            <a:schemeClr val="accent2"/>
+          </a:fillRef>
+          <a:effectRef idx="2">
+            <a:schemeClr val="accent2"/>
+          </a:effectRef>
+          <a:fontRef idx="minor">
+            <a:schemeClr val="tx1"/>
+          </a:fontRef>
+        </p:style>
+      </p:cxnSp>
     </p:spTree>
     <p:extLst>
       <p:ext uri="{BB962C8B-B14F-4D97-AF65-F5344CB8AC3E}">
-        <p14:creationId xmlns:p14="http://schemas.microsoft.com/office/powerpoint/2010/main" val="2964500714"/>
+        <p14:creationId xmlns:p14="http://schemas.microsoft.com/office/powerpoint/2010/main" val="92408798"/>
       </p:ext>
     </p:extLst>
   </p:cSld>
@@ -3221,42 +4181,155 @@
             <p:ph type="title"/>
           </p:nvPr>
         </p:nvSpPr>
-        <p:spPr/>
-        <p:txBody>
-          <a:bodyPr/>
+        <p:spPr>
+          <a:xfrm>
+            <a:off x="838200" y="99753"/>
+            <a:ext cx="10515600" cy="556953"/>
+          </a:xfrm>
+        </p:spPr>
+        <p:txBody>
+          <a:bodyPr>
+            <a:normAutofit fontScale="90000"/>
+          </a:bodyPr>
           <a:lstStyle/>
           <a:p>
+            <a:pPr algn="ctr"/>
             <a:r>
               <a:rPr lang="en-US" dirty="0" smtClean="0"/>
-              <a:t>PID Program</a:t>
+              <a:t>Closed Loop Captured Data</a:t>
             </a:r>
             <a:endParaRPr lang="en-US" dirty="0"/>
           </a:p>
         </p:txBody>
       </p:sp>
-      <p:sp>
-        <p:nvSpPr>
-          <p:cNvPr id="3" name="Content Placeholder 2"/>
-          <p:cNvSpPr>
-            <a:spLocks noGrp="1"/>
-          </p:cNvSpPr>
-          <p:nvPr>
-            <p:ph idx="1"/>
-          </p:nvPr>
-        </p:nvSpPr>
-        <p:spPr/>
-        <p:txBody>
-          <a:bodyPr/>
+      <p:pic>
+        <p:nvPicPr>
+          <p:cNvPr id="4" name="Picture 2" descr="https://raw.githubusercontent.com/jwd0023/3050/master/presentation/closed_loop.PNG"/>
+          <p:cNvPicPr>
+            <a:picLocks noChangeAspect="1" noChangeArrowheads="1"/>
+          </p:cNvPicPr>
+          <p:nvPr/>
+        </p:nvPicPr>
+        <p:blipFill>
+          <a:blip r:embed="rId2">
+            <a:extLst>
+              <a:ext uri="{28A0092B-C50C-407E-A947-70E740481C1C}">
+                <a14:useLocalDpi xmlns:a14="http://schemas.microsoft.com/office/drawing/2010/main" val="0"/>
+              </a:ext>
+            </a:extLst>
+          </a:blip>
+          <a:srcRect/>
+          <a:stretch>
+            <a:fillRect/>
+          </a:stretch>
+        </p:blipFill>
+        <p:spPr bwMode="auto">
+          <a:xfrm>
+            <a:off x="45133" y="864525"/>
+            <a:ext cx="12058198" cy="5910348"/>
+          </a:xfrm>
+          <a:prstGeom prst="rect">
+            <a:avLst/>
+          </a:prstGeom>
+          <a:noFill/>
+          <a:extLst>
+            <a:ext uri="{909E8E84-426E-40DD-AFC4-6F175D3DCCD1}">
+              <a14:hiddenFill xmlns:a14="http://schemas.microsoft.com/office/drawing/2010/main">
+                <a:solidFill>
+                  <a:srgbClr val="FFFFFF"/>
+                </a:solidFill>
+              </a14:hiddenFill>
+            </a:ext>
+          </a:extLst>
+        </p:spPr>
+      </p:pic>
+      <p:cxnSp>
+        <p:nvCxnSpPr>
+          <p:cNvPr id="5" name="Straight Arrow Connector 4"/>
+          <p:cNvCxnSpPr/>
+          <p:nvPr/>
+        </p:nvCxnSpPr>
+        <p:spPr>
+          <a:xfrm>
+            <a:off x="3898669" y="3923606"/>
+            <a:ext cx="3200400" cy="0"/>
+          </a:xfrm>
+          <a:prstGeom prst="straightConnector1">
+            <a:avLst/>
+          </a:prstGeom>
+          <a:ln w="57150">
+            <a:solidFill>
+              <a:srgbClr val="FF0000"/>
+            </a:solidFill>
+            <a:headEnd type="triangle"/>
+            <a:tailEnd type="triangle"/>
+          </a:ln>
+        </p:spPr>
+        <p:style>
+          <a:lnRef idx="3">
+            <a:schemeClr val="accent2"/>
+          </a:lnRef>
+          <a:fillRef idx="0">
+            <a:schemeClr val="accent2"/>
+          </a:fillRef>
+          <a:effectRef idx="2">
+            <a:schemeClr val="accent2"/>
+          </a:effectRef>
+          <a:fontRef idx="minor">
+            <a:schemeClr val="tx1"/>
+          </a:fontRef>
+        </p:style>
+      </p:cxnSp>
+      <p:sp>
+        <p:nvSpPr>
+          <p:cNvPr id="7" name="TextBox 6"/>
+          <p:cNvSpPr txBox="1"/>
+          <p:nvPr/>
+        </p:nvSpPr>
+        <p:spPr>
+          <a:xfrm>
+            <a:off x="5602778" y="4046512"/>
+            <a:ext cx="1321724" cy="400110"/>
+          </a:xfrm>
+          <a:prstGeom prst="rect">
+            <a:avLst/>
+          </a:prstGeom>
+          <a:noFill/>
+        </p:spPr>
+        <p:txBody>
+          <a:bodyPr wrap="square" rtlCol="0">
+            <a:spAutoFit/>
+          </a:bodyPr>
           <a:lstStyle/>
           <a:p>
-            <a:endParaRPr lang="en-US" dirty="0"/>
+            <a:r>
+              <a:rPr lang="en-US" sz="2000" b="1" dirty="0" smtClean="0">
+                <a:solidFill>
+                  <a:srgbClr val="FF0000"/>
+                </a:solidFill>
+              </a:rPr>
+              <a:t>280.2 </a:t>
+            </a:r>
+            <a:r>
+              <a:rPr lang="en-US" sz="2000" b="1" dirty="0" err="1" smtClean="0">
+                <a:solidFill>
+                  <a:srgbClr val="FF0000"/>
+                </a:solidFill>
+              </a:rPr>
+              <a:t>ms</a:t>
+            </a:r>
+            <a:endParaRPr lang="en-US" sz="2000" b="1" dirty="0">
+              <a:solidFill>
+                <a:srgbClr val="FF0000"/>
+              </a:solidFill>
+            </a:endParaRPr>
           </a:p>
         </p:txBody>
       </p:sp>
     </p:spTree>
     <p:extLst>
       <p:ext uri="{BB962C8B-B14F-4D97-AF65-F5344CB8AC3E}">
-        <p14:creationId xmlns:p14="http://schemas.microsoft.com/office/powerpoint/2010/main" val="201261486"/>
+        <p14:creationId xmlns:p14="http://schemas.microsoft.com/office/powerpoint/2010/main" val="2522030093"/>
       </p:ext>
     </p:extLst>
   </p:cSld>
@@ -3270,6 +4343,199 @@
       </p:par>
     </p:tnLst>
   </p:timing>
+</p:sld>
+</file>
+
+<file path=ppt/slides/slide12.xml><?xml version="1.0" encoding="utf-8"?>
+<p:sld xmlns:a="http://schemas.openxmlformats.org/drawingml/2006/main" xmlns:r="http://schemas.openxmlformats.org/officeDocument/2006/relationships" xmlns:p="http://schemas.openxmlformats.org/presentationml/2006/main">
+  <p:cSld>
+    <p:spTree>
+      <p:nvGrpSpPr>
+        <p:cNvPr id="1" name=""/>
+        <p:cNvGrpSpPr/>
+        <p:nvPr/>
+      </p:nvGrpSpPr>
+      <p:grpSpPr>
+        <a:xfrm>
+          <a:off x="0" y="0"/>
+          <a:ext cx="0" cy="0"/>
+          <a:chOff x="0" y="0"/>
+          <a:chExt cx="0" cy="0"/>
+        </a:xfrm>
+      </p:grpSpPr>
+      <p:sp>
+        <p:nvSpPr>
+          <p:cNvPr id="2" name="Title 1"/>
+          <p:cNvSpPr>
+            <a:spLocks noGrp="1"/>
+          </p:cNvSpPr>
+          <p:nvPr>
+            <p:ph type="title"/>
+          </p:nvPr>
+        </p:nvSpPr>
+        <p:spPr/>
+        <p:txBody>
+          <a:bodyPr/>
+          <a:lstStyle/>
+          <a:p>
+            <a:pPr algn="ctr"/>
+            <a:r>
+              <a:rPr lang="en-US" dirty="0" smtClean="0"/>
+              <a:t>Closed Loop Response Summary</a:t>
+            </a:r>
+            <a:endParaRPr lang="en-US" dirty="0"/>
+          </a:p>
+        </p:txBody>
+      </p:sp>
+      <p:sp>
+        <p:nvSpPr>
+          <p:cNvPr id="3" name="Content Placeholder 2"/>
+          <p:cNvSpPr>
+            <a:spLocks noGrp="1"/>
+          </p:cNvSpPr>
+          <p:nvPr>
+            <p:ph idx="1"/>
+          </p:nvPr>
+        </p:nvSpPr>
+        <p:spPr/>
+        <p:txBody>
+          <a:bodyPr/>
+          <a:lstStyle/>
+          <a:p>
+            <a:r>
+              <a:rPr lang="en-US" dirty="0" smtClean="0"/>
+              <a:t>Same transition from 480 mV to 900 mV</a:t>
+            </a:r>
+          </a:p>
+          <a:p>
+            <a:r>
+              <a:rPr lang="en-US" dirty="0" smtClean="0"/>
+              <a:t>Settling time: 280-300 </a:t>
+            </a:r>
+            <a:r>
+              <a:rPr lang="en-US" dirty="0" err="1" smtClean="0"/>
+              <a:t>ms</a:t>
+            </a:r>
+            <a:r>
+              <a:rPr lang="en-US" dirty="0" smtClean="0"/>
+              <a:t> (~50% faster)</a:t>
+            </a:r>
+          </a:p>
+          <a:p>
+            <a:r>
+              <a:rPr lang="en-US" dirty="0" smtClean="0"/>
+              <a:t>Minimal ripple: under 10 mV</a:t>
+            </a:r>
+          </a:p>
+          <a:p>
+            <a:endParaRPr lang="en-US" dirty="0"/>
+          </a:p>
+          <a:p>
+            <a:r>
+              <a:rPr lang="en-US" dirty="0" smtClean="0"/>
+              <a:t>Possible improvements:</a:t>
+            </a:r>
+          </a:p>
+          <a:p>
+            <a:pPr lvl="1"/>
+            <a:r>
+              <a:rPr lang="en-US" dirty="0" smtClean="0"/>
+              <a:t>Scale up errors</a:t>
+            </a:r>
+          </a:p>
+          <a:p>
+            <a:pPr lvl="1"/>
+            <a:r>
+              <a:rPr lang="en-US" dirty="0" smtClean="0"/>
+              <a:t>Use MCU with </a:t>
+            </a:r>
+            <a:r>
+              <a:rPr lang="en-US" dirty="0" smtClean="0"/>
+              <a:t>FPU</a:t>
+            </a:r>
+            <a:endParaRPr lang="en-US" dirty="0" smtClean="0"/>
+          </a:p>
+          <a:p>
+            <a:pPr lvl="1"/>
+            <a:r>
+              <a:rPr lang="en-US" dirty="0" smtClean="0"/>
+              <a:t>Optimize error calculations/tuning interface</a:t>
+            </a:r>
+            <a:endParaRPr lang="en-US" dirty="0"/>
+          </a:p>
+        </p:txBody>
+      </p:sp>
+    </p:spTree>
+    <p:extLst>
+      <p:ext uri="{BB962C8B-B14F-4D97-AF65-F5344CB8AC3E}">
+        <p14:creationId xmlns:p14="http://schemas.microsoft.com/office/powerpoint/2010/main" val="2964500714"/>
+      </p:ext>
+    </p:extLst>
+  </p:cSld>
+  <p:clrMapOvr>
+    <a:masterClrMapping/>
+  </p:clrMapOvr>
+  <p:timing>
+    <p:tnLst>
+      <p:par>
+        <p:cTn id="1" dur="indefinite" restart="never" nodeType="tmRoot"/>
+      </p:par>
+    </p:tnLst>
+  </p:timing>
+</p:sld>
+</file>
+
+<file path=ppt/slides/slide13.xml><?xml version="1.0" encoding="utf-8"?>
+<p:sld xmlns:a="http://schemas.openxmlformats.org/drawingml/2006/main" xmlns:r="http://schemas.openxmlformats.org/officeDocument/2006/relationships" xmlns:p="http://schemas.openxmlformats.org/presentationml/2006/main">
+  <p:cSld>
+    <p:spTree>
+      <p:nvGrpSpPr>
+        <p:cNvPr id="1" name=""/>
+        <p:cNvGrpSpPr/>
+        <p:nvPr/>
+      </p:nvGrpSpPr>
+      <p:grpSpPr>
+        <a:xfrm>
+          <a:off x="0" y="0"/>
+          <a:ext cx="0" cy="0"/>
+          <a:chOff x="0" y="0"/>
+          <a:chExt cx="0" cy="0"/>
+        </a:xfrm>
+      </p:grpSpPr>
+      <p:sp>
+        <p:nvSpPr>
+          <p:cNvPr id="2" name="Title 1"/>
+          <p:cNvSpPr>
+            <a:spLocks noGrp="1"/>
+          </p:cNvSpPr>
+          <p:nvPr>
+            <p:ph type="title"/>
+          </p:nvPr>
+        </p:nvSpPr>
+        <p:spPr/>
+        <p:txBody>
+          <a:bodyPr/>
+          <a:lstStyle/>
+          <a:p>
+            <a:pPr algn="ctr"/>
+            <a:r>
+              <a:rPr lang="en-US" dirty="0" smtClean="0"/>
+              <a:t>Questions?</a:t>
+            </a:r>
+            <a:endParaRPr lang="en-US" dirty="0"/>
+          </a:p>
+        </p:txBody>
+      </p:sp>
+    </p:spTree>
+    <p:extLst>
+      <p:ext uri="{BB962C8B-B14F-4D97-AF65-F5344CB8AC3E}">
+        <p14:creationId xmlns:p14="http://schemas.microsoft.com/office/powerpoint/2010/main" val="1467487420"/>
+      </p:ext>
+    </p:extLst>
+  </p:cSld>
+  <p:clrMapOvr>
+    <a:masterClrMapping/>
+  </p:clrMapOvr>
 </p:sld>
 </file>
 
@@ -3333,28 +4599,39 @@
           <a:p>
             <a:r>
               <a:rPr lang="en-US" sz="3600" dirty="0" smtClean="0"/>
-              <a:t>Design a “good” motor controller</a:t>
-            </a:r>
-            <a:endParaRPr lang="en-US" sz="3200" dirty="0" smtClean="0"/>
+              <a:t>Design </a:t>
+            </a:r>
+            <a:r>
+              <a:rPr lang="en-US" sz="3600" dirty="0" smtClean="0"/>
+              <a:t>a motor controller</a:t>
+            </a:r>
           </a:p>
           <a:p>
             <a:pPr lvl="1"/>
             <a:r>
-              <a:rPr lang="en-US" sz="3200" dirty="0" smtClean="0"/>
+              <a:rPr lang="en-US" sz="2800" dirty="0" smtClean="0"/>
+              <a:t>Basic requirements</a:t>
+            </a:r>
+            <a:endParaRPr lang="en-US" sz="2800" dirty="0" smtClean="0"/>
+          </a:p>
+          <a:p>
+            <a:pPr lvl="2"/>
+            <a:r>
+              <a:rPr lang="en-US" sz="2800" dirty="0" smtClean="0"/>
               <a:t>5% steady state error</a:t>
             </a:r>
           </a:p>
           <a:p>
-            <a:pPr lvl="1"/>
-            <a:r>
-              <a:rPr lang="en-US" sz="3200" dirty="0" smtClean="0"/>
+            <a:pPr lvl="2"/>
+            <a:r>
+              <a:rPr lang="en-US" sz="2800" dirty="0" smtClean="0"/>
               <a:t>&lt; 10% overshoot</a:t>
             </a:r>
           </a:p>
           <a:p>
-            <a:pPr lvl="1"/>
-            <a:r>
-              <a:rPr lang="en-US" sz="3200" dirty="0" smtClean="0"/>
+            <a:pPr lvl="2"/>
+            <a:r>
+              <a:rPr lang="en-US" sz="2800" dirty="0" smtClean="0"/>
               <a:t>Closed loop response 50% faster than open loop</a:t>
             </a:r>
           </a:p>
@@ -3437,35 +4714,128 @@
             <p:ph idx="1"/>
           </p:nvPr>
         </p:nvSpPr>
-        <p:spPr/>
-        <p:txBody>
-          <a:bodyPr/>
+        <p:spPr>
+          <a:xfrm>
+            <a:off x="838200" y="1825625"/>
+            <a:ext cx="5137213" cy="4351338"/>
+          </a:xfrm>
+        </p:spPr>
+        <p:txBody>
+          <a:bodyPr>
+            <a:normAutofit/>
+          </a:bodyPr>
           <a:lstStyle/>
           <a:p>
             <a:r>
-              <a:rPr lang="en-US" dirty="0" smtClean="0"/>
-              <a:t>Use PID controller</a:t>
-            </a:r>
-          </a:p>
-          <a:p>
-            <a:r>
-              <a:rPr lang="en-US" dirty="0" smtClean="0"/>
-              <a:t>The PID controller has three variables that can be altered to control overshoot and response time (?)</a:t>
-            </a:r>
-          </a:p>
-          <a:p>
-            <a:r>
-              <a:rPr lang="en-US" dirty="0" smtClean="0"/>
-              <a:t>[More reasons we chose a PID controller]</a:t>
-            </a:r>
-            <a:endParaRPr lang="en-US" dirty="0"/>
+              <a:rPr lang="en-US" sz="3200" dirty="0" smtClean="0"/>
+              <a:t>Use PID </a:t>
+            </a:r>
+            <a:r>
+              <a:rPr lang="en-US" sz="3200" dirty="0" smtClean="0"/>
+              <a:t>controller:</a:t>
+            </a:r>
+            <a:endParaRPr lang="en-US" sz="3200" dirty="0"/>
+          </a:p>
+          <a:p>
+            <a:pPr lvl="1"/>
+            <a:r>
+              <a:rPr lang="en-US" sz="2800" dirty="0" smtClean="0"/>
+              <a:t>Adjustable/adaptable</a:t>
+            </a:r>
+            <a:endParaRPr lang="en-US" sz="2800" dirty="0" smtClean="0"/>
+          </a:p>
+          <a:p>
+            <a:pPr lvl="1"/>
+            <a:r>
+              <a:rPr lang="en-US" sz="2800" dirty="0" smtClean="0"/>
+              <a:t>Quick response </a:t>
+            </a:r>
+            <a:r>
+              <a:rPr lang="en-US" sz="2800" dirty="0" smtClean="0"/>
+              <a:t>time</a:t>
+            </a:r>
+          </a:p>
+          <a:p>
+            <a:r>
+              <a:rPr lang="en-US" sz="3200" dirty="0" smtClean="0"/>
+              <a:t>Design focused </a:t>
+            </a:r>
+            <a:r>
+              <a:rPr lang="en-US" sz="3200" dirty="0" smtClean="0"/>
+              <a:t>heavily on </a:t>
+            </a:r>
+            <a:r>
+              <a:rPr lang="en-US" sz="3200" dirty="0" smtClean="0"/>
+              <a:t>response time</a:t>
+            </a:r>
+          </a:p>
+        </p:txBody>
+      </p:sp>
+      <p:pic>
+        <p:nvPicPr>
+          <p:cNvPr id="4" name="Picture 3"/>
+          <p:cNvPicPr>
+            <a:picLocks noChangeAspect="1"/>
+          </p:cNvPicPr>
+          <p:nvPr/>
+        </p:nvPicPr>
+        <p:blipFill>
+          <a:blip r:embed="rId3">
+            <a:extLst>
+              <a:ext uri="{28A0092B-C50C-407E-A947-70E740481C1C}">
+                <a14:useLocalDpi xmlns:a14="http://schemas.microsoft.com/office/drawing/2010/main" val="0"/>
+              </a:ext>
+            </a:extLst>
+          </a:blip>
+          <a:stretch>
+            <a:fillRect/>
+          </a:stretch>
+        </p:blipFill>
+        <p:spPr>
+          <a:xfrm>
+            <a:off x="5975413" y="1690688"/>
+            <a:ext cx="5235131" cy="4131813"/>
+          </a:xfrm>
+          <a:prstGeom prst="rect">
+            <a:avLst/>
+          </a:prstGeom>
+        </p:spPr>
+      </p:pic>
+      <p:sp>
+        <p:nvSpPr>
+          <p:cNvPr id="5" name="TextBox 4"/>
+          <p:cNvSpPr txBox="1"/>
+          <p:nvPr/>
+        </p:nvSpPr>
+        <p:spPr>
+          <a:xfrm>
+            <a:off x="5415438" y="5942568"/>
+            <a:ext cx="6355080" cy="276999"/>
+          </a:xfrm>
+          <a:prstGeom prst="rect">
+            <a:avLst/>
+          </a:prstGeom>
+          <a:noFill/>
+        </p:spPr>
+        <p:txBody>
+          <a:bodyPr wrap="square" rtlCol="0">
+            <a:spAutoFit/>
+          </a:bodyPr>
+          <a:lstStyle/>
+          <a:p>
+            <a:pPr algn="ctr"/>
+            <a:r>
+              <a:rPr lang="en-US" sz="1200" dirty="0"/>
+              <a:t>https://commons.wikimedia.org/wiki/File:Change_with_Ki.png</a:t>
+            </a:r>
+            <a:endParaRPr lang="en-US" sz="1400" dirty="0"/>
           </a:p>
         </p:txBody>
       </p:sp>
     </p:spTree>
     <p:extLst>
       <p:ext uri="{BB962C8B-B14F-4D97-AF65-F5344CB8AC3E}">
-        <p14:creationId xmlns:p14="http://schemas.microsoft.com/office/powerpoint/2010/main" val="324237599"/>
+        <p14:creationId xmlns:p14="http://schemas.microsoft.com/office/powerpoint/2010/main" val="2918942153"/>
       </p:ext>
     </p:extLst>
   </p:cSld>
@@ -3523,8 +4893,8 @@
           </a:p>
         </p:txBody>
       </p:sp>
-      <mc:AlternateContent xmlns:mc="http://schemas.openxmlformats.org/markup-compatibility/2006" xmlns:a14="http://schemas.microsoft.com/office/drawing/2010/main">
-        <mc:Choice Requires="a14">
+      <mc:AlternateContent xmlns:mc="http://schemas.openxmlformats.org/markup-compatibility/2006">
+        <mc:Choice xmlns:a14="http://schemas.microsoft.com/office/drawing/2010/main" Requires="a14">
           <p:sp>
             <p:nvSpPr>
               <p:cNvPr id="3" name="Content Placeholder 2"/>
@@ -3549,7 +4919,11 @@
               <a:p>
                 <a:r>
                   <a:rPr lang="en-US" dirty="0"/>
-                  <a:t>The PID controller transfer function:</a:t>
+                  <a:t>The PID controller transfer function</a:t>
+                </a:r>
+                <a:r>
+                  <a:rPr lang="en-US" dirty="0" smtClean="0"/>
+                  <a:t>:</a:t>
                 </a:r>
               </a:p>
               <a:p>
@@ -3575,13 +4949,10 @@
                       </m:dPr>
                       <m:e>
                         <m:r>
-                          <m:rPr>
-                            <m:sty m:val="p"/>
-                          </m:rPr>
-                          <a:rPr lang="en-US">
-                            <a:latin typeface="Cambria Math" panose="02040503050406030204" pitchFamily="18" charset="0"/>
-                          </a:rPr>
-                          <m:t>s</m:t>
+                          <a:rPr lang="en-US" i="1">
+                            <a:latin typeface="Cambria Math" panose="02040503050406030204" pitchFamily="18" charset="0"/>
+                          </a:rPr>
+                          <m:t>𝑠</m:t>
                         </m:r>
                       </m:e>
                     </m:d>
@@ -3705,12 +5076,12 @@
                     </m:sSub>
                   </m:oMath>
                 </a14:m>
-                <a:endParaRPr lang="en-US" sz="1200" dirty="0" smtClean="0"/>
+                <a:endParaRPr lang="en-US" sz="800" dirty="0" smtClean="0"/>
               </a:p>
             </p:txBody>
           </p:sp>
         </mc:Choice>
-        <mc:Fallback xmlns="">
+        <mc:Fallback>
           <p:sp>
             <p:nvSpPr>
               <p:cNvPr id="3" name="Content Placeholder 2"/>
@@ -3727,7 +5098,7 @@
                 <a:ext cx="3825077" cy="2334410"/>
               </a:xfrm>
               <a:blipFill>
-                <a:blip r:embed="rId2"/>
+                <a:blip r:embed="rId3"/>
                 <a:stretch>
                   <a:fillRect l="-2866" t="-4439"/>
                 </a:stretch>
@@ -3757,7 +5128,7 @@
           <p:nvPr/>
         </p:nvPicPr>
         <p:blipFill>
-          <a:blip r:embed="rId3" cstate="print">
+          <a:blip r:embed="rId4" cstate="print">
             <a:extLst>
               <a:ext uri="{28A0092B-C50C-407E-A947-70E740481C1C}">
                 <a14:useLocalDpi xmlns:a14="http://schemas.microsoft.com/office/drawing/2010/main" val="0"/>
@@ -3802,13 +5173,13 @@
           <a:p>
             <a:r>
               <a:rPr lang="en-US" sz="1200" dirty="0" smtClean="0">
-                <a:hlinkClick r:id="rId4"/>
+                <a:hlinkClick r:id="rId5"/>
               </a:rPr>
               <a:t>   https</a:t>
             </a:r>
             <a:r>
               <a:rPr lang="en-US" sz="1200" dirty="0">
-                <a:hlinkClick r:id="rId4"/>
+                <a:hlinkClick r:id="rId5"/>
               </a:rPr>
               <a:t>://nicisdigital.wordpress.com/2011/06/27/proportional-integral-derivative-pid-controller/</a:t>
             </a:r>
@@ -3830,7 +5201,7 @@
         <p:spPr>
           <a:xfrm>
             <a:off x="838200" y="1479121"/>
-            <a:ext cx="3825077" cy="2334410"/>
+            <a:ext cx="5923085" cy="2334410"/>
           </a:xfrm>
           <a:prstGeom prst="rect">
             <a:avLst/>
@@ -4026,7 +5397,7 @@
             </a:r>
             <a:r>
               <a:rPr lang="en-US" dirty="0" smtClean="0"/>
-              <a:t>) </a:t>
+              <a:t>) – error sensitivity </a:t>
             </a:r>
           </a:p>
           <a:p>
@@ -4041,7 +5412,7 @@
             </a:r>
             <a:r>
               <a:rPr lang="en-US" dirty="0" smtClean="0"/>
-              <a:t>)</a:t>
+              <a:t>) – steady state error</a:t>
             </a:r>
           </a:p>
           <a:p>
@@ -4060,10 +5431,8 @@
             </a:r>
             <a:r>
               <a:rPr lang="en-US" dirty="0" smtClean="0"/>
-              <a:t>)</a:t>
-            </a:r>
-          </a:p>
-          <a:p>
+              <a:t>) – stability and speed</a:t>
+            </a:r>
             <a:endParaRPr lang="en-US" dirty="0"/>
           </a:p>
           <a:p>
@@ -4107,106 +5476,6 @@
 </file>
 
 <file path=ppt/slides/slide5.xml><?xml version="1.0" encoding="utf-8"?>
-<p:sld xmlns:a="http://schemas.openxmlformats.org/drawingml/2006/main" xmlns:r="http://schemas.openxmlformats.org/officeDocument/2006/relationships" xmlns:p="http://schemas.openxmlformats.org/presentationml/2006/main">
-  <p:cSld>
-    <p:spTree>
-      <p:nvGrpSpPr>
-        <p:cNvPr id="1" name=""/>
-        <p:cNvGrpSpPr/>
-        <p:nvPr/>
-      </p:nvGrpSpPr>
-      <p:grpSpPr>
-        <a:xfrm>
-          <a:off x="0" y="0"/>
-          <a:ext cx="0" cy="0"/>
-          <a:chOff x="0" y="0"/>
-          <a:chExt cx="0" cy="0"/>
-        </a:xfrm>
-      </p:grpSpPr>
-      <p:sp>
-        <p:nvSpPr>
-          <p:cNvPr id="2" name="Title 1"/>
-          <p:cNvSpPr>
-            <a:spLocks noGrp="1"/>
-          </p:cNvSpPr>
-          <p:nvPr>
-            <p:ph type="title"/>
-          </p:nvPr>
-        </p:nvSpPr>
-        <p:spPr/>
-        <p:txBody>
-          <a:bodyPr/>
-          <a:lstStyle/>
-          <a:p>
-            <a:pPr algn="ctr"/>
-            <a:r>
-              <a:rPr lang="en-US" dirty="0" smtClean="0"/>
-              <a:t>PID Controller Operation</a:t>
-            </a:r>
-            <a:endParaRPr lang="en-US" dirty="0"/>
-          </a:p>
-        </p:txBody>
-      </p:sp>
-      <p:sp>
-        <p:nvSpPr>
-          <p:cNvPr id="3" name="Content Placeholder 2"/>
-          <p:cNvSpPr>
-            <a:spLocks noGrp="1"/>
-          </p:cNvSpPr>
-          <p:nvPr>
-            <p:ph idx="1"/>
-          </p:nvPr>
-        </p:nvSpPr>
-        <p:spPr/>
-        <p:txBody>
-          <a:bodyPr>
-            <a:normAutofit/>
-          </a:bodyPr>
-          <a:lstStyle/>
-          <a:p>
-            <a:r>
-              <a:rPr lang="en-US" sz="3600" dirty="0" smtClean="0"/>
-              <a:t>Proportional gain – sensitivity to error</a:t>
-            </a:r>
-          </a:p>
-          <a:p>
-            <a:r>
-              <a:rPr lang="en-US" sz="3600" dirty="0" smtClean="0"/>
-              <a:t>Integral gain – reduces set-point error</a:t>
-            </a:r>
-          </a:p>
-          <a:p>
-            <a:r>
-              <a:rPr lang="en-US" sz="3600" dirty="0" smtClean="0"/>
-              <a:t>Derivative gain – improve settling time and stability </a:t>
-            </a:r>
-          </a:p>
-          <a:p>
-            <a:endParaRPr lang="en-US" sz="3600" dirty="0"/>
-          </a:p>
-        </p:txBody>
-      </p:sp>
-    </p:spTree>
-    <p:extLst>
-      <p:ext uri="{BB962C8B-B14F-4D97-AF65-F5344CB8AC3E}">
-        <p14:creationId xmlns:p14="http://schemas.microsoft.com/office/powerpoint/2010/main" val="2738227148"/>
-      </p:ext>
-    </p:extLst>
-  </p:cSld>
-  <p:clrMapOvr>
-    <a:masterClrMapping/>
-  </p:clrMapOvr>
-  <p:timing>
-    <p:tnLst>
-      <p:par>
-        <p:cTn id="1" dur="indefinite" restart="never" nodeType="tmRoot"/>
-      </p:par>
-    </p:tnLst>
-  </p:timing>
-</p:sld>
-</file>
-
-<file path=ppt/slides/slide6.xml><?xml version="1.0" encoding="utf-8"?>
 <p:sld xmlns:a="http://schemas.openxmlformats.org/drawingml/2006/main" xmlns:r="http://schemas.openxmlformats.org/officeDocument/2006/relationships" xmlns:p="http://schemas.openxmlformats.org/presentationml/2006/main">
   <p:cSld>
     <p:spTree>
@@ -4747,11 +6016,22 @@
               <a:p>
                 <a:r>
                   <a:rPr lang="en-US" dirty="0" smtClean="0"/>
-                  <a:t>Change gains at run-time to tune</a:t>
+                  <a:t>Gains can be changed at run-time</a:t>
                 </a:r>
               </a:p>
               <a:p>
                 <a:pPr lvl="1"/>
+                <a:r>
+                  <a:rPr lang="en-US" dirty="0" smtClean="0"/>
+                  <a:t>Possible to manually tune</a:t>
+                </a:r>
+              </a:p>
+              <a:p>
+                <a:pPr lvl="1"/>
+                <a:r>
+                  <a:rPr lang="en-US" dirty="0" smtClean="0"/>
+                  <a:t>Code provides special mode for tuning</a:t>
+                </a:r>
                 <a:endParaRPr lang="en-US" dirty="0"/>
               </a:p>
             </p:txBody>
@@ -4774,7 +6054,7 @@
                 <a:ext cx="7923415" cy="4351338"/>
               </a:xfrm>
               <a:blipFill>
-                <a:blip r:embed="rId2"/>
+                <a:blip r:embed="rId3"/>
                 <a:stretch>
                   <a:fillRect l="-1386" t="-2241"/>
                 </a:stretch>
@@ -4815,6 +6095,194 @@
 </p:sld>
 </file>
 
+<file path=ppt/slides/slide6.xml><?xml version="1.0" encoding="utf-8"?>
+<p:sld xmlns:a="http://schemas.openxmlformats.org/drawingml/2006/main" xmlns:r="http://schemas.openxmlformats.org/officeDocument/2006/relationships" xmlns:p="http://schemas.openxmlformats.org/presentationml/2006/main">
+  <p:cSld>
+    <p:spTree>
+      <p:nvGrpSpPr>
+        <p:cNvPr id="1" name=""/>
+        <p:cNvGrpSpPr/>
+        <p:nvPr/>
+      </p:nvGrpSpPr>
+      <p:grpSpPr>
+        <a:xfrm>
+          <a:off x="0" y="0"/>
+          <a:ext cx="0" cy="0"/>
+          <a:chOff x="0" y="0"/>
+          <a:chExt cx="0" cy="0"/>
+        </a:xfrm>
+      </p:grpSpPr>
+      <p:sp>
+        <p:nvSpPr>
+          <p:cNvPr id="2" name="Title 1"/>
+          <p:cNvSpPr>
+            <a:spLocks noGrp="1"/>
+          </p:cNvSpPr>
+          <p:nvPr>
+            <p:ph type="title"/>
+          </p:nvPr>
+        </p:nvSpPr>
+        <p:spPr>
+          <a:xfrm>
+            <a:off x="838200" y="183197"/>
+            <a:ext cx="10515600" cy="1325563"/>
+          </a:xfrm>
+        </p:spPr>
+        <p:txBody>
+          <a:bodyPr/>
+          <a:lstStyle/>
+          <a:p>
+            <a:pPr algn="ctr"/>
+            <a:r>
+              <a:rPr lang="en-US" dirty="0" smtClean="0"/>
+              <a:t>Tuning Approaches</a:t>
+            </a:r>
+            <a:endParaRPr lang="en-US" dirty="0"/>
+          </a:p>
+        </p:txBody>
+      </p:sp>
+      <p:sp>
+        <p:nvSpPr>
+          <p:cNvPr id="3" name="Content Placeholder 2"/>
+          <p:cNvSpPr>
+            <a:spLocks noGrp="1"/>
+          </p:cNvSpPr>
+          <p:nvPr>
+            <p:ph idx="1"/>
+          </p:nvPr>
+        </p:nvSpPr>
+        <p:spPr>
+          <a:xfrm>
+            <a:off x="373211" y="1508760"/>
+            <a:ext cx="5041392" cy="4668203"/>
+          </a:xfrm>
+        </p:spPr>
+        <p:txBody>
+          <a:bodyPr/>
+          <a:lstStyle/>
+          <a:p>
+            <a:r>
+              <a:rPr lang="en-US" dirty="0" smtClean="0"/>
+              <a:t>Methods attempted/used</a:t>
+            </a:r>
+          </a:p>
+          <a:p>
+            <a:pPr lvl="1"/>
+            <a:r>
+              <a:rPr lang="en-US" dirty="0" smtClean="0"/>
+              <a:t>Cohen-Coon (most difficult)</a:t>
+            </a:r>
+          </a:p>
+          <a:p>
+            <a:pPr lvl="1"/>
+            <a:r>
+              <a:rPr lang="en-US" dirty="0" smtClean="0"/>
+              <a:t>Ziegler-Nichols</a:t>
+            </a:r>
+          </a:p>
+          <a:p>
+            <a:pPr lvl="1"/>
+            <a:r>
+              <a:rPr lang="en-US" dirty="0" smtClean="0"/>
+              <a:t>Manual tuning (least difficult)</a:t>
+            </a:r>
+          </a:p>
+          <a:p>
+            <a:pPr lvl="1"/>
+            <a:endParaRPr lang="en-US" dirty="0"/>
+          </a:p>
+          <a:p>
+            <a:r>
+              <a:rPr lang="en-US" dirty="0" smtClean="0"/>
+              <a:t>Floating </a:t>
+            </a:r>
+            <a:r>
+              <a:rPr lang="en-US" dirty="0" smtClean="0"/>
+              <a:t>point </a:t>
+            </a:r>
+            <a:r>
+              <a:rPr lang="en-US" dirty="0" smtClean="0"/>
+              <a:t>unit difficulties</a:t>
+            </a:r>
+          </a:p>
+          <a:p>
+            <a:pPr lvl="1"/>
+            <a:r>
+              <a:rPr lang="en-US" dirty="0" smtClean="0"/>
+              <a:t>PID gains tend to be low</a:t>
+            </a:r>
+          </a:p>
+          <a:p>
+            <a:pPr lvl="1"/>
+            <a:endParaRPr lang="en-US" dirty="0" smtClean="0"/>
+          </a:p>
+          <a:p>
+            <a:r>
+              <a:rPr lang="en-US" dirty="0" smtClean="0"/>
+              <a:t>Used manual tuning rather than adapting system for small gains</a:t>
+            </a:r>
+            <a:endParaRPr lang="en-US" dirty="0" smtClean="0"/>
+          </a:p>
+          <a:p>
+            <a:pPr lvl="1"/>
+            <a:endParaRPr lang="en-US" dirty="0" smtClean="0"/>
+          </a:p>
+        </p:txBody>
+      </p:sp>
+      <p:pic>
+        <p:nvPicPr>
+          <p:cNvPr id="2050" name="Picture 2" descr="http://blog.opticontrols.com/wp-content/uploads/2013/10/qad1.png"/>
+          <p:cNvPicPr>
+            <a:picLocks noChangeAspect="1" noChangeArrowheads="1"/>
+          </p:cNvPicPr>
+          <p:nvPr/>
+        </p:nvPicPr>
+        <p:blipFill>
+          <a:blip r:embed="rId3">
+            <a:extLst>
+              <a:ext uri="{28A0092B-C50C-407E-A947-70E740481C1C}">
+                <a14:useLocalDpi xmlns:a14="http://schemas.microsoft.com/office/drawing/2010/main" val="0"/>
+              </a:ext>
+            </a:extLst>
+          </a:blip>
+          <a:srcRect/>
+          <a:stretch>
+            <a:fillRect/>
+          </a:stretch>
+        </p:blipFill>
+        <p:spPr bwMode="auto">
+          <a:xfrm>
+            <a:off x="5414603" y="1508760"/>
+            <a:ext cx="6732984" cy="4668203"/>
+          </a:xfrm>
+          <a:prstGeom prst="rect">
+            <a:avLst/>
+          </a:prstGeom>
+          <a:noFill/>
+          <a:extLst>
+            <a:ext uri="{909E8E84-426E-40DD-AFC4-6F175D3DCCD1}">
+              <a14:hiddenFill xmlns:a14="http://schemas.microsoft.com/office/drawing/2010/main">
+                <a:solidFill>
+                  <a:srgbClr val="FFFFFF"/>
+                </a:solidFill>
+              </a14:hiddenFill>
+            </a:ext>
+          </a:extLst>
+        </p:spPr>
+      </p:pic>
+    </p:spTree>
+    <p:extLst>
+      <p:ext uri="{BB962C8B-B14F-4D97-AF65-F5344CB8AC3E}">
+        <p14:creationId xmlns:p14="http://schemas.microsoft.com/office/powerpoint/2010/main" val="3638861031"/>
+      </p:ext>
+    </p:extLst>
+  </p:cSld>
+  <p:clrMapOvr>
+    <a:masterClrMapping/>
+  </p:clrMapOvr>
+</p:sld>
+</file>
+
 <file path=ppt/slides/slide7.xml><?xml version="1.0" encoding="utf-8"?>
 <p:sld xmlns:a="http://schemas.openxmlformats.org/drawingml/2006/main" xmlns:r="http://schemas.openxmlformats.org/officeDocument/2006/relationships" xmlns:p="http://schemas.openxmlformats.org/presentationml/2006/main">
   <p:cSld>
@@ -4850,7 +6318,7 @@
             <a:pPr algn="ctr"/>
             <a:r>
               <a:rPr lang="en-US" dirty="0" smtClean="0"/>
-              <a:t>Tuning Results</a:t>
+              <a:t>Ziegler-Nichols</a:t>
             </a:r>
             <a:endParaRPr lang="en-US" dirty="0"/>
           </a:p>
@@ -4858,6 +6326,1264 @@
       </p:sp>
       <mc:AlternateContent xmlns:mc="http://schemas.openxmlformats.org/markup-compatibility/2006" xmlns:a14="http://schemas.microsoft.com/office/drawing/2010/main">
         <mc:Choice Requires="a14">
+          <p:sp>
+            <p:nvSpPr>
+              <p:cNvPr id="3" name="Content Placeholder 2"/>
+              <p:cNvSpPr>
+                <a:spLocks noGrp="1"/>
+              </p:cNvSpPr>
+              <p:nvPr>
+                <p:ph idx="1"/>
+              </p:nvPr>
+            </p:nvSpPr>
+            <p:spPr/>
+            <p:txBody>
+              <a:bodyPr/>
+              <a:lstStyle/>
+              <a:p>
+                <a:r>
+                  <a:rPr lang="en-US" dirty="0" smtClean="0"/>
+                  <a:t>Simple gain equations/process</a:t>
+                </a:r>
+              </a:p>
+              <a:p>
+                <a:pPr lvl="1"/>
+                <a:r>
+                  <a:rPr lang="en-US" dirty="0" smtClean="0"/>
+                  <a:t>Find ultimate gain and period (</a:t>
+                </a:r>
+                <a14:m>
+                  <m:oMath xmlns:m="http://schemas.openxmlformats.org/officeDocument/2006/math">
+                    <m:sSub>
+                      <m:sSubPr>
+                        <m:ctrlPr>
+                          <a:rPr lang="en-US" i="1">
+                            <a:latin typeface="Cambria Math" panose="02040503050406030204" pitchFamily="18" charset="0"/>
+                          </a:rPr>
+                        </m:ctrlPr>
+                      </m:sSubPr>
+                      <m:e>
+                        <m:r>
+                          <a:rPr lang="en-US" i="1">
+                            <a:latin typeface="Cambria Math" panose="02040503050406030204" pitchFamily="18" charset="0"/>
+                          </a:rPr>
+                          <m:t>𝐾</m:t>
+                        </m:r>
+                      </m:e>
+                      <m:sub>
+                        <m:r>
+                          <a:rPr lang="en-US" i="1">
+                            <a:latin typeface="Cambria Math" panose="02040503050406030204" pitchFamily="18" charset="0"/>
+                          </a:rPr>
+                          <m:t>𝑢</m:t>
+                        </m:r>
+                      </m:sub>
+                    </m:sSub>
+                    <m:r>
+                      <a:rPr lang="en-US" b="0" i="0" smtClean="0">
+                        <a:latin typeface="Cambria Math" panose="02040503050406030204" pitchFamily="18" charset="0"/>
+                      </a:rPr>
+                      <m:t>,</m:t>
+                    </m:r>
+                  </m:oMath>
+                </a14:m>
+                <a:r>
+                  <a:rPr lang="en-US" dirty="0" smtClean="0"/>
+                  <a:t> </a:t>
+                </a:r>
+                <a14:m>
+                  <m:oMath xmlns:m="http://schemas.openxmlformats.org/officeDocument/2006/math">
+                    <m:sSub>
+                      <m:sSubPr>
+                        <m:ctrlPr>
+                          <a:rPr lang="en-US" i="1">
+                            <a:latin typeface="Cambria Math" panose="02040503050406030204" pitchFamily="18" charset="0"/>
+                          </a:rPr>
+                        </m:ctrlPr>
+                      </m:sSubPr>
+                      <m:e>
+                        <m:r>
+                          <a:rPr lang="en-US" b="0" i="1" smtClean="0">
+                            <a:latin typeface="Cambria Math" panose="02040503050406030204" pitchFamily="18" charset="0"/>
+                          </a:rPr>
+                          <m:t>𝑃</m:t>
+                        </m:r>
+                      </m:e>
+                      <m:sub>
+                        <m:r>
+                          <a:rPr lang="en-US" i="1">
+                            <a:latin typeface="Cambria Math" panose="02040503050406030204" pitchFamily="18" charset="0"/>
+                          </a:rPr>
+                          <m:t>𝑢</m:t>
+                        </m:r>
+                      </m:sub>
+                    </m:sSub>
+                  </m:oMath>
+                </a14:m>
+                <a:r>
+                  <a:rPr lang="en-US" dirty="0" smtClean="0"/>
+                  <a:t>)</a:t>
+                </a:r>
+              </a:p>
+              <a:p>
+                <a:pPr lvl="1"/>
+                <a14:m>
+                  <m:oMath xmlns:m="http://schemas.openxmlformats.org/officeDocument/2006/math">
+                    <m:sSub>
+                      <m:sSubPr>
+                        <m:ctrlPr>
+                          <a:rPr lang="en-US" i="1">
+                            <a:latin typeface="Cambria Math" panose="02040503050406030204" pitchFamily="18" charset="0"/>
+                          </a:rPr>
+                        </m:ctrlPr>
+                      </m:sSubPr>
+                      <m:e>
+                        <m:r>
+                          <a:rPr lang="en-US" i="1">
+                            <a:latin typeface="Cambria Math" panose="02040503050406030204" pitchFamily="18" charset="0"/>
+                          </a:rPr>
+                          <m:t>𝐾</m:t>
+                        </m:r>
+                      </m:e>
+                      <m:sub>
+                        <m:r>
+                          <a:rPr lang="en-US" i="1">
+                            <a:latin typeface="Cambria Math" panose="02040503050406030204" pitchFamily="18" charset="0"/>
+                          </a:rPr>
+                          <m:t>𝑃</m:t>
+                        </m:r>
+                      </m:sub>
+                    </m:sSub>
+                    <m:r>
+                      <a:rPr lang="en-US" i="1">
+                        <a:latin typeface="Cambria Math" panose="02040503050406030204" pitchFamily="18" charset="0"/>
+                      </a:rPr>
+                      <m:t>=</m:t>
+                    </m:r>
+                  </m:oMath>
+                </a14:m>
+                <a:r>
+                  <a:rPr lang="en-US" i="1" dirty="0">
+                    <a:latin typeface="Cambria Math" panose="02040503050406030204" pitchFamily="18" charset="0"/>
+                  </a:rPr>
+                  <a:t> </a:t>
+                </a:r>
+                <a14:m>
+                  <m:oMath xmlns:m="http://schemas.openxmlformats.org/officeDocument/2006/math">
+                    <m:f>
+                      <m:fPr>
+                        <m:ctrlPr>
+                          <a:rPr lang="en-US" i="1">
+                            <a:latin typeface="Cambria Math" panose="02040503050406030204" pitchFamily="18" charset="0"/>
+                          </a:rPr>
+                        </m:ctrlPr>
+                      </m:fPr>
+                      <m:num>
+                        <m:sSub>
+                          <m:sSubPr>
+                            <m:ctrlPr>
+                              <a:rPr lang="en-US" i="1">
+                                <a:latin typeface="Cambria Math" panose="02040503050406030204" pitchFamily="18" charset="0"/>
+                              </a:rPr>
+                            </m:ctrlPr>
+                          </m:sSubPr>
+                          <m:e>
+                            <m:r>
+                              <a:rPr lang="en-US" i="1">
+                                <a:latin typeface="Cambria Math" panose="02040503050406030204" pitchFamily="18" charset="0"/>
+                              </a:rPr>
+                              <m:t>𝐾</m:t>
+                            </m:r>
+                          </m:e>
+                          <m:sub>
+                            <m:r>
+                              <a:rPr lang="en-US" i="1">
+                                <a:latin typeface="Cambria Math" panose="02040503050406030204" pitchFamily="18" charset="0"/>
+                              </a:rPr>
+                              <m:t>𝑢</m:t>
+                            </m:r>
+                          </m:sub>
+                        </m:sSub>
+                      </m:num>
+                      <m:den>
+                        <m:r>
+                          <a:rPr lang="en-US" i="1">
+                            <a:latin typeface="Cambria Math" panose="02040503050406030204" pitchFamily="18" charset="0"/>
+                          </a:rPr>
+                          <m:t>1.7</m:t>
+                        </m:r>
+                      </m:den>
+                    </m:f>
+                  </m:oMath>
+                </a14:m>
+                <a:endParaRPr lang="en-US" i="1" dirty="0">
+                  <a:latin typeface="Cambria Math" panose="02040503050406030204" pitchFamily="18" charset="0"/>
+                </a:endParaRPr>
+              </a:p>
+              <a:p>
+                <a:pPr lvl="1"/>
+                <a14:m>
+                  <m:oMath xmlns:m="http://schemas.openxmlformats.org/officeDocument/2006/math">
+                    <m:sSub>
+                      <m:sSubPr>
+                        <m:ctrlPr>
+                          <a:rPr lang="en-US" i="1">
+                            <a:latin typeface="Cambria Math" panose="02040503050406030204" pitchFamily="18" charset="0"/>
+                          </a:rPr>
+                        </m:ctrlPr>
+                      </m:sSubPr>
+                      <m:e>
+                        <m:r>
+                          <a:rPr lang="en-US" i="1">
+                            <a:latin typeface="Cambria Math" panose="02040503050406030204" pitchFamily="18" charset="0"/>
+                          </a:rPr>
+                          <m:t>𝐾</m:t>
+                        </m:r>
+                      </m:e>
+                      <m:sub>
+                        <m:r>
+                          <a:rPr lang="en-US" i="1">
+                            <a:latin typeface="Cambria Math" panose="02040503050406030204" pitchFamily="18" charset="0"/>
+                          </a:rPr>
+                          <m:t>𝐼</m:t>
+                        </m:r>
+                      </m:sub>
+                    </m:sSub>
+                    <m:r>
+                      <a:rPr lang="en-US" i="1">
+                        <a:latin typeface="Cambria Math" panose="02040503050406030204" pitchFamily="18" charset="0"/>
+                      </a:rPr>
+                      <m:t>=</m:t>
+                    </m:r>
+                    <m:f>
+                      <m:fPr>
+                        <m:ctrlPr>
+                          <a:rPr lang="en-US" i="1">
+                            <a:latin typeface="Cambria Math" panose="02040503050406030204" pitchFamily="18" charset="0"/>
+                          </a:rPr>
+                        </m:ctrlPr>
+                      </m:fPr>
+                      <m:num>
+                        <m:sSub>
+                          <m:sSubPr>
+                            <m:ctrlPr>
+                              <a:rPr lang="en-US" i="1">
+                                <a:latin typeface="Cambria Math" panose="02040503050406030204" pitchFamily="18" charset="0"/>
+                              </a:rPr>
+                            </m:ctrlPr>
+                          </m:sSubPr>
+                          <m:e>
+                            <m:r>
+                              <a:rPr lang="en-US" i="1">
+                                <a:latin typeface="Cambria Math" panose="02040503050406030204" pitchFamily="18" charset="0"/>
+                              </a:rPr>
+                              <m:t>𝑃</m:t>
+                            </m:r>
+                          </m:e>
+                          <m:sub>
+                            <m:r>
+                              <a:rPr lang="en-US" i="1">
+                                <a:latin typeface="Cambria Math" panose="02040503050406030204" pitchFamily="18" charset="0"/>
+                              </a:rPr>
+                              <m:t>𝑢</m:t>
+                            </m:r>
+                          </m:sub>
+                        </m:sSub>
+                      </m:num>
+                      <m:den>
+                        <m:r>
+                          <a:rPr lang="en-US" i="1">
+                            <a:latin typeface="Cambria Math" panose="02040503050406030204" pitchFamily="18" charset="0"/>
+                          </a:rPr>
+                          <m:t>2</m:t>
+                        </m:r>
+                      </m:den>
+                    </m:f>
+                  </m:oMath>
+                </a14:m>
+                <a:endParaRPr lang="en-US" dirty="0"/>
+              </a:p>
+              <a:p>
+                <a:pPr lvl="1"/>
+                <a14:m>
+                  <m:oMath xmlns:m="http://schemas.openxmlformats.org/officeDocument/2006/math">
+                    <m:sSub>
+                      <m:sSubPr>
+                        <m:ctrlPr>
+                          <a:rPr lang="en-US" i="1">
+                            <a:latin typeface="Cambria Math" panose="02040503050406030204" pitchFamily="18" charset="0"/>
+                          </a:rPr>
+                        </m:ctrlPr>
+                      </m:sSubPr>
+                      <m:e>
+                        <m:r>
+                          <a:rPr lang="en-US" i="1">
+                            <a:latin typeface="Cambria Math" panose="02040503050406030204" pitchFamily="18" charset="0"/>
+                          </a:rPr>
+                          <m:t>𝐾</m:t>
+                        </m:r>
+                      </m:e>
+                      <m:sub>
+                        <m:r>
+                          <a:rPr lang="en-US" i="1">
+                            <a:latin typeface="Cambria Math" panose="02040503050406030204" pitchFamily="18" charset="0"/>
+                          </a:rPr>
+                          <m:t>𝐷</m:t>
+                        </m:r>
+                      </m:sub>
+                    </m:sSub>
+                    <m:r>
+                      <a:rPr lang="en-US" i="1">
+                        <a:latin typeface="Cambria Math" panose="02040503050406030204" pitchFamily="18" charset="0"/>
+                      </a:rPr>
+                      <m:t>=</m:t>
+                    </m:r>
+                    <m:f>
+                      <m:fPr>
+                        <m:ctrlPr>
+                          <a:rPr lang="en-US" i="1">
+                            <a:latin typeface="Cambria Math" panose="02040503050406030204" pitchFamily="18" charset="0"/>
+                          </a:rPr>
+                        </m:ctrlPr>
+                      </m:fPr>
+                      <m:num>
+                        <m:sSub>
+                          <m:sSubPr>
+                            <m:ctrlPr>
+                              <a:rPr lang="en-US" i="1">
+                                <a:latin typeface="Cambria Math" panose="02040503050406030204" pitchFamily="18" charset="0"/>
+                              </a:rPr>
+                            </m:ctrlPr>
+                          </m:sSubPr>
+                          <m:e>
+                            <m:r>
+                              <a:rPr lang="en-US" i="1">
+                                <a:latin typeface="Cambria Math" panose="02040503050406030204" pitchFamily="18" charset="0"/>
+                              </a:rPr>
+                              <m:t>𝑃</m:t>
+                            </m:r>
+                          </m:e>
+                          <m:sub>
+                            <m:r>
+                              <a:rPr lang="en-US" i="1">
+                                <a:latin typeface="Cambria Math" panose="02040503050406030204" pitchFamily="18" charset="0"/>
+                              </a:rPr>
+                              <m:t>𝑢</m:t>
+                            </m:r>
+                          </m:sub>
+                        </m:sSub>
+                      </m:num>
+                      <m:den>
+                        <m:r>
+                          <a:rPr lang="en-US" i="1">
+                            <a:latin typeface="Cambria Math" panose="02040503050406030204" pitchFamily="18" charset="0"/>
+                          </a:rPr>
+                          <m:t>8</m:t>
+                        </m:r>
+                      </m:den>
+                    </m:f>
+                  </m:oMath>
+                </a14:m>
+                <a:endParaRPr lang="en-US" dirty="0"/>
+              </a:p>
+              <a:p>
+                <a:r>
+                  <a:rPr lang="en-US" dirty="0" smtClean="0"/>
+                  <a:t>Values from testing</a:t>
+                </a:r>
+              </a:p>
+              <a:p>
+                <a:pPr lvl="1"/>
+                <a14:m>
+                  <m:oMath xmlns:m="http://schemas.openxmlformats.org/officeDocument/2006/math">
+                    <m:sSub>
+                      <m:sSubPr>
+                        <m:ctrlPr>
+                          <a:rPr lang="en-US" i="1">
+                            <a:latin typeface="Cambria Math" panose="02040503050406030204" pitchFamily="18" charset="0"/>
+                          </a:rPr>
+                        </m:ctrlPr>
+                      </m:sSubPr>
+                      <m:e>
+                        <m:r>
+                          <a:rPr lang="en-US" i="1">
+                            <a:latin typeface="Cambria Math" panose="02040503050406030204" pitchFamily="18" charset="0"/>
+                          </a:rPr>
+                          <m:t>𝐾</m:t>
+                        </m:r>
+                      </m:e>
+                      <m:sub>
+                        <m:r>
+                          <a:rPr lang="en-US" i="1">
+                            <a:latin typeface="Cambria Math" panose="02040503050406030204" pitchFamily="18" charset="0"/>
+                          </a:rPr>
+                          <m:t>𝑃</m:t>
+                        </m:r>
+                      </m:sub>
+                    </m:sSub>
+                  </m:oMath>
+                </a14:m>
+                <a:r>
+                  <a:rPr lang="en-US" dirty="0" smtClean="0"/>
+                  <a:t> under 20</a:t>
+                </a:r>
+              </a:p>
+              <a:p>
+                <a:pPr lvl="1"/>
+                <a14:m>
+                  <m:oMath xmlns:m="http://schemas.openxmlformats.org/officeDocument/2006/math">
+                    <m:sSub>
+                      <m:sSubPr>
+                        <m:ctrlPr>
+                          <a:rPr lang="en-US" i="1">
+                            <a:latin typeface="Cambria Math" panose="02040503050406030204" pitchFamily="18" charset="0"/>
+                          </a:rPr>
+                        </m:ctrlPr>
+                      </m:sSubPr>
+                      <m:e>
+                        <m:r>
+                          <a:rPr lang="en-US" i="1">
+                            <a:latin typeface="Cambria Math" panose="02040503050406030204" pitchFamily="18" charset="0"/>
+                          </a:rPr>
+                          <m:t>𝐾</m:t>
+                        </m:r>
+                      </m:e>
+                      <m:sub>
+                        <m:r>
+                          <a:rPr lang="en-US" i="1">
+                            <a:latin typeface="Cambria Math" panose="02040503050406030204" pitchFamily="18" charset="0"/>
+                          </a:rPr>
+                          <m:t>𝐼</m:t>
+                        </m:r>
+                      </m:sub>
+                    </m:sSub>
+                    <m:r>
+                      <a:rPr lang="en-US" b="0" i="0" smtClean="0">
+                        <a:latin typeface="Cambria Math" panose="02040503050406030204" pitchFamily="18" charset="0"/>
+                      </a:rPr>
+                      <m:t>,</m:t>
+                    </m:r>
+                    <m:sSub>
+                      <m:sSubPr>
+                        <m:ctrlPr>
+                          <a:rPr lang="en-US" i="1">
+                            <a:latin typeface="Cambria Math" panose="02040503050406030204" pitchFamily="18" charset="0"/>
+                          </a:rPr>
+                        </m:ctrlPr>
+                      </m:sSubPr>
+                      <m:e>
+                        <m:r>
+                          <a:rPr lang="en-US" i="1">
+                            <a:latin typeface="Cambria Math" panose="02040503050406030204" pitchFamily="18" charset="0"/>
+                          </a:rPr>
+                          <m:t>𝐾</m:t>
+                        </m:r>
+                      </m:e>
+                      <m:sub>
+                        <m:r>
+                          <a:rPr lang="en-US" b="0" i="1" smtClean="0">
+                            <a:latin typeface="Cambria Math" panose="02040503050406030204" pitchFamily="18" charset="0"/>
+                          </a:rPr>
+                          <m:t>𝐷</m:t>
+                        </m:r>
+                      </m:sub>
+                    </m:sSub>
+                    <m:r>
+                      <a:rPr lang="en-US" b="0" i="1" smtClean="0">
+                        <a:latin typeface="Cambria Math" panose="02040503050406030204" pitchFamily="18" charset="0"/>
+                      </a:rPr>
+                      <m:t> </m:t>
+                    </m:r>
+                  </m:oMath>
+                </a14:m>
+                <a:r>
+                  <a:rPr lang="en-US" dirty="0"/>
+                  <a:t>under </a:t>
+                </a:r>
+                <a:r>
+                  <a:rPr lang="en-US" dirty="0" smtClean="0"/>
+                  <a:t>1</a:t>
+                </a:r>
+              </a:p>
+              <a:p>
+                <a:pPr lvl="1"/>
+                <a:r>
+                  <a:rPr lang="en-US" dirty="0" smtClean="0"/>
+                  <a:t>Still issues with floating point</a:t>
+                </a:r>
+                <a:endParaRPr lang="en-US" dirty="0"/>
+              </a:p>
+            </p:txBody>
+          </p:sp>
+        </mc:Choice>
+        <mc:Fallback xmlns="">
+          <p:sp>
+            <p:nvSpPr>
+              <p:cNvPr id="3" name="Content Placeholder 2"/>
+              <p:cNvSpPr>
+                <a:spLocks noGrp="1" noRot="1" noChangeAspect="1" noMove="1" noResize="1" noEditPoints="1" noAdjustHandles="1" noChangeArrowheads="1" noChangeShapeType="1" noTextEdit="1"/>
+              </p:cNvSpPr>
+              <p:nvPr>
+                <p:ph idx="1"/>
+              </p:nvPr>
+            </p:nvSpPr>
+            <p:spPr>
+              <a:blipFill>
+                <a:blip r:embed="rId2"/>
+                <a:stretch>
+                  <a:fillRect l="-1043" t="-2241"/>
+                </a:stretch>
+              </a:blipFill>
+            </p:spPr>
+            <p:txBody>
+              <a:bodyPr/>
+              <a:lstStyle/>
+              <a:p>
+                <a:r>
+                  <a:rPr lang="en-US">
+                    <a:noFill/>
+                  </a:rPr>
+                  <a:t> </a:t>
+                </a:r>
+              </a:p>
+            </p:txBody>
+          </p:sp>
+        </mc:Fallback>
+      </mc:AlternateContent>
+    </p:spTree>
+    <p:extLst>
+      <p:ext uri="{BB962C8B-B14F-4D97-AF65-F5344CB8AC3E}">
+        <p14:creationId xmlns:p14="http://schemas.microsoft.com/office/powerpoint/2010/main" val="1797816850"/>
+      </p:ext>
+    </p:extLst>
+  </p:cSld>
+  <p:clrMapOvr>
+    <a:masterClrMapping/>
+  </p:clrMapOvr>
+</p:sld>
+</file>
+
+<file path=ppt/slides/slide8.xml><?xml version="1.0" encoding="utf-8"?>
+<p:sld xmlns:a="http://schemas.openxmlformats.org/drawingml/2006/main" xmlns:r="http://schemas.openxmlformats.org/officeDocument/2006/relationships" xmlns:p="http://schemas.openxmlformats.org/presentationml/2006/main">
+  <p:cSld>
+    <p:spTree>
+      <p:nvGrpSpPr>
+        <p:cNvPr id="1" name=""/>
+        <p:cNvGrpSpPr/>
+        <p:nvPr/>
+      </p:nvGrpSpPr>
+      <p:grpSpPr>
+        <a:xfrm>
+          <a:off x="0" y="0"/>
+          <a:ext cx="0" cy="0"/>
+          <a:chOff x="0" y="0"/>
+          <a:chExt cx="0" cy="0"/>
+        </a:xfrm>
+      </p:grpSpPr>
+      <p:sp>
+        <p:nvSpPr>
+          <p:cNvPr id="2" name="Title 1"/>
+          <p:cNvSpPr>
+            <a:spLocks noGrp="1"/>
+          </p:cNvSpPr>
+          <p:nvPr>
+            <p:ph type="title"/>
+          </p:nvPr>
+        </p:nvSpPr>
+        <p:spPr/>
+        <p:txBody>
+          <a:bodyPr/>
+          <a:lstStyle/>
+          <a:p>
+            <a:pPr algn="ctr"/>
+            <a:r>
+              <a:rPr lang="en-US" dirty="0" smtClean="0"/>
+              <a:t>Cohen-Coon</a:t>
+            </a:r>
+            <a:endParaRPr lang="en-US" dirty="0"/>
+          </a:p>
+        </p:txBody>
+      </p:sp>
+      <mc:AlternateContent xmlns:mc="http://schemas.openxmlformats.org/markup-compatibility/2006" xmlns:a14="http://schemas.microsoft.com/office/drawing/2010/main">
+        <mc:Choice Requires="a14">
+          <p:sp>
+            <p:nvSpPr>
+              <p:cNvPr id="3" name="Content Placeholder 2"/>
+              <p:cNvSpPr>
+                <a:spLocks noGrp="1"/>
+              </p:cNvSpPr>
+              <p:nvPr>
+                <p:ph idx="1"/>
+              </p:nvPr>
+            </p:nvSpPr>
+            <p:spPr>
+              <a:xfrm>
+                <a:off x="0" y="1714912"/>
+                <a:ext cx="4191000" cy="4351338"/>
+              </a:xfrm>
+            </p:spPr>
+            <p:txBody>
+              <a:bodyPr/>
+              <a:lstStyle/>
+              <a:p>
+                <a:r>
+                  <a:rPr lang="en-US" dirty="0" smtClean="0"/>
+                  <a:t>Gain calculations</a:t>
+                </a:r>
+              </a:p>
+              <a:p>
+                <a:pPr lvl="1"/>
+                <a:r>
+                  <a:rPr lang="en-US" dirty="0" smtClean="0"/>
+                  <a:t>Parameters calculated from previous lab</a:t>
+                </a:r>
+              </a:p>
+              <a:p>
+                <a:pPr lvl="1"/>
+                <a14:m>
+                  <m:oMath xmlns:m="http://schemas.openxmlformats.org/officeDocument/2006/math">
+                    <m:sSub>
+                      <m:sSubPr>
+                        <m:ctrlPr>
+                          <a:rPr lang="en-US" i="1" smtClean="0">
+                            <a:latin typeface="Cambria Math" panose="02040503050406030204" pitchFamily="18" charset="0"/>
+                          </a:rPr>
+                        </m:ctrlPr>
+                      </m:sSubPr>
+                      <m:e>
+                        <m:r>
+                          <a:rPr lang="en-US" i="1">
+                            <a:latin typeface="Cambria Math" panose="02040503050406030204" pitchFamily="18" charset="0"/>
+                          </a:rPr>
+                          <m:t>𝐾</m:t>
+                        </m:r>
+                      </m:e>
+                      <m:sub>
+                        <m:r>
+                          <a:rPr lang="en-US" i="1">
+                            <a:latin typeface="Cambria Math" panose="02040503050406030204" pitchFamily="18" charset="0"/>
+                          </a:rPr>
+                          <m:t>𝑃</m:t>
+                        </m:r>
+                      </m:sub>
+                    </m:sSub>
+                    <m:r>
+                      <a:rPr lang="en-US" i="1">
+                        <a:latin typeface="Cambria Math" panose="02040503050406030204" pitchFamily="18" charset="0"/>
+                      </a:rPr>
+                      <m:t>=</m:t>
+                    </m:r>
+                    <m:f>
+                      <m:fPr>
+                        <m:ctrlPr>
+                          <a:rPr lang="en-US" i="1">
+                            <a:latin typeface="Cambria Math" panose="02040503050406030204" pitchFamily="18" charset="0"/>
+                          </a:rPr>
+                        </m:ctrlPr>
+                      </m:fPr>
+                      <m:num>
+                        <m:r>
+                          <a:rPr lang="en-US" i="1">
+                            <a:latin typeface="Cambria Math" panose="02040503050406030204" pitchFamily="18" charset="0"/>
+                          </a:rPr>
+                          <m:t>1.35</m:t>
+                        </m:r>
+                      </m:num>
+                      <m:den>
+                        <m:sSub>
+                          <m:sSubPr>
+                            <m:ctrlPr>
+                              <a:rPr lang="en-US" i="1">
+                                <a:latin typeface="Cambria Math" panose="02040503050406030204" pitchFamily="18" charset="0"/>
+                              </a:rPr>
+                            </m:ctrlPr>
+                          </m:sSubPr>
+                          <m:e>
+                            <m:r>
+                              <a:rPr lang="en-US" i="1">
+                                <a:latin typeface="Cambria Math" panose="02040503050406030204" pitchFamily="18" charset="0"/>
+                              </a:rPr>
+                              <m:t>𝑔</m:t>
+                            </m:r>
+                          </m:e>
+                          <m:sub>
+                            <m:r>
+                              <a:rPr lang="en-US" i="1">
+                                <a:latin typeface="Cambria Math" panose="02040503050406030204" pitchFamily="18" charset="0"/>
+                              </a:rPr>
+                              <m:t>𝑝</m:t>
+                            </m:r>
+                          </m:sub>
+                        </m:sSub>
+                      </m:den>
+                    </m:f>
+                    <m:d>
+                      <m:dPr>
+                        <m:ctrlPr>
+                          <a:rPr lang="en-US" i="1">
+                            <a:latin typeface="Cambria Math" panose="02040503050406030204" pitchFamily="18" charset="0"/>
+                          </a:rPr>
+                        </m:ctrlPr>
+                      </m:dPr>
+                      <m:e>
+                        <m:f>
+                          <m:fPr>
+                            <m:ctrlPr>
+                              <a:rPr lang="en-US" i="1">
+                                <a:latin typeface="Cambria Math" panose="02040503050406030204" pitchFamily="18" charset="0"/>
+                                <a:ea typeface="Cambria Math" panose="02040503050406030204" pitchFamily="18" charset="0"/>
+                              </a:rPr>
+                            </m:ctrlPr>
+                          </m:fPr>
+                          <m:num>
+                            <m:r>
+                              <a:rPr lang="en-US" i="1">
+                                <a:latin typeface="Cambria Math" panose="02040503050406030204" pitchFamily="18" charset="0"/>
+                                <a:ea typeface="Cambria Math" panose="02040503050406030204" pitchFamily="18" charset="0"/>
+                              </a:rPr>
+                              <m:t>𝜏</m:t>
+                            </m:r>
+                          </m:num>
+                          <m:den>
+                            <m:sSub>
+                              <m:sSubPr>
+                                <m:ctrlPr>
+                                  <a:rPr lang="en-US" i="1">
+                                    <a:latin typeface="Cambria Math" panose="02040503050406030204" pitchFamily="18" charset="0"/>
+                                    <a:ea typeface="Cambria Math" panose="02040503050406030204" pitchFamily="18" charset="0"/>
+                                  </a:rPr>
+                                </m:ctrlPr>
+                              </m:sSubPr>
+                              <m:e>
+                                <m:r>
+                                  <a:rPr lang="en-US" i="1">
+                                    <a:latin typeface="Cambria Math" panose="02040503050406030204" pitchFamily="18" charset="0"/>
+                                    <a:ea typeface="Cambria Math" panose="02040503050406030204" pitchFamily="18" charset="0"/>
+                                  </a:rPr>
+                                  <m:t>𝑡</m:t>
+                                </m:r>
+                              </m:e>
+                              <m:sub>
+                                <m:r>
+                                  <a:rPr lang="en-US" i="1">
+                                    <a:latin typeface="Cambria Math" panose="02040503050406030204" pitchFamily="18" charset="0"/>
+                                    <a:ea typeface="Cambria Math" panose="02040503050406030204" pitchFamily="18" charset="0"/>
+                                  </a:rPr>
+                                  <m:t>𝑑</m:t>
+                                </m:r>
+                              </m:sub>
+                            </m:sSub>
+                          </m:den>
+                        </m:f>
+                        <m:r>
+                          <a:rPr lang="en-US" i="1">
+                            <a:latin typeface="Cambria Math" panose="02040503050406030204" pitchFamily="18" charset="0"/>
+                            <a:ea typeface="Cambria Math" panose="02040503050406030204" pitchFamily="18" charset="0"/>
+                          </a:rPr>
+                          <m:t>+0.185</m:t>
+                        </m:r>
+                      </m:e>
+                    </m:d>
+                  </m:oMath>
+                </a14:m>
+                <a:endParaRPr lang="en-US" i="1" dirty="0">
+                  <a:latin typeface="Cambria Math" panose="02040503050406030204" pitchFamily="18" charset="0"/>
+                </a:endParaRPr>
+              </a:p>
+              <a:p>
+                <a:pPr lvl="1"/>
+                <a14:m>
+                  <m:oMath xmlns:m="http://schemas.openxmlformats.org/officeDocument/2006/math">
+                    <m:sSub>
+                      <m:sSubPr>
+                        <m:ctrlPr>
+                          <a:rPr lang="en-US" i="1">
+                            <a:latin typeface="Cambria Math" panose="02040503050406030204" pitchFamily="18" charset="0"/>
+                          </a:rPr>
+                        </m:ctrlPr>
+                      </m:sSubPr>
+                      <m:e>
+                        <m:r>
+                          <a:rPr lang="en-US" i="1">
+                            <a:latin typeface="Cambria Math" panose="02040503050406030204" pitchFamily="18" charset="0"/>
+                          </a:rPr>
+                          <m:t>𝐾</m:t>
+                        </m:r>
+                      </m:e>
+                      <m:sub>
+                        <m:r>
+                          <a:rPr lang="en-US" i="1">
+                            <a:latin typeface="Cambria Math" panose="02040503050406030204" pitchFamily="18" charset="0"/>
+                          </a:rPr>
+                          <m:t>𝐼</m:t>
+                        </m:r>
+                      </m:sub>
+                    </m:sSub>
+                    <m:r>
+                      <a:rPr lang="en-US" i="1">
+                        <a:latin typeface="Cambria Math" panose="02040503050406030204" pitchFamily="18" charset="0"/>
+                      </a:rPr>
+                      <m:t>=2.5</m:t>
+                    </m:r>
+                    <m:sSub>
+                      <m:sSubPr>
+                        <m:ctrlPr>
+                          <a:rPr lang="en-US" i="1">
+                            <a:latin typeface="Cambria Math" panose="02040503050406030204" pitchFamily="18" charset="0"/>
+                            <a:ea typeface="Cambria Math" panose="02040503050406030204" pitchFamily="18" charset="0"/>
+                          </a:rPr>
+                        </m:ctrlPr>
+                      </m:sSubPr>
+                      <m:e>
+                        <m:r>
+                          <a:rPr lang="en-US" i="1">
+                            <a:latin typeface="Cambria Math" panose="02040503050406030204" pitchFamily="18" charset="0"/>
+                            <a:ea typeface="Cambria Math" panose="02040503050406030204" pitchFamily="18" charset="0"/>
+                          </a:rPr>
+                          <m:t>𝑡</m:t>
+                        </m:r>
+                      </m:e>
+                      <m:sub>
+                        <m:r>
+                          <a:rPr lang="en-US" i="1">
+                            <a:latin typeface="Cambria Math" panose="02040503050406030204" pitchFamily="18" charset="0"/>
+                            <a:ea typeface="Cambria Math" panose="02040503050406030204" pitchFamily="18" charset="0"/>
+                          </a:rPr>
+                          <m:t>𝑑</m:t>
+                        </m:r>
+                      </m:sub>
+                    </m:sSub>
+                    <m:d>
+                      <m:dPr>
+                        <m:ctrlPr>
+                          <a:rPr lang="en-US" i="1">
+                            <a:latin typeface="Cambria Math" panose="02040503050406030204" pitchFamily="18" charset="0"/>
+                          </a:rPr>
+                        </m:ctrlPr>
+                      </m:dPr>
+                      <m:e>
+                        <m:f>
+                          <m:fPr>
+                            <m:ctrlPr>
+                              <a:rPr lang="en-US" i="1">
+                                <a:latin typeface="Cambria Math" panose="02040503050406030204" pitchFamily="18" charset="0"/>
+                                <a:ea typeface="Cambria Math" panose="02040503050406030204" pitchFamily="18" charset="0"/>
+                              </a:rPr>
+                            </m:ctrlPr>
+                          </m:fPr>
+                          <m:num>
+                            <m:r>
+                              <a:rPr lang="en-US" i="1">
+                                <a:latin typeface="Cambria Math" panose="02040503050406030204" pitchFamily="18" charset="0"/>
+                                <a:ea typeface="Cambria Math" panose="02040503050406030204" pitchFamily="18" charset="0"/>
+                              </a:rPr>
+                              <m:t>𝜏</m:t>
+                            </m:r>
+                            <m:r>
+                              <a:rPr lang="en-US" i="1">
+                                <a:latin typeface="Cambria Math" panose="02040503050406030204" pitchFamily="18" charset="0"/>
+                                <a:ea typeface="Cambria Math" panose="02040503050406030204" pitchFamily="18" charset="0"/>
+                              </a:rPr>
+                              <m:t>+0.185</m:t>
+                            </m:r>
+                            <m:sSub>
+                              <m:sSubPr>
+                                <m:ctrlPr>
+                                  <a:rPr lang="en-US" i="1">
+                                    <a:latin typeface="Cambria Math" panose="02040503050406030204" pitchFamily="18" charset="0"/>
+                                    <a:ea typeface="Cambria Math" panose="02040503050406030204" pitchFamily="18" charset="0"/>
+                                  </a:rPr>
+                                </m:ctrlPr>
+                              </m:sSubPr>
+                              <m:e>
+                                <m:r>
+                                  <a:rPr lang="en-US" i="1">
+                                    <a:latin typeface="Cambria Math" panose="02040503050406030204" pitchFamily="18" charset="0"/>
+                                    <a:ea typeface="Cambria Math" panose="02040503050406030204" pitchFamily="18" charset="0"/>
+                                  </a:rPr>
+                                  <m:t>𝑡</m:t>
+                                </m:r>
+                              </m:e>
+                              <m:sub>
+                                <m:r>
+                                  <a:rPr lang="en-US" i="1">
+                                    <a:latin typeface="Cambria Math" panose="02040503050406030204" pitchFamily="18" charset="0"/>
+                                    <a:ea typeface="Cambria Math" panose="02040503050406030204" pitchFamily="18" charset="0"/>
+                                  </a:rPr>
+                                  <m:t>𝑑</m:t>
+                                </m:r>
+                              </m:sub>
+                            </m:sSub>
+                          </m:num>
+                          <m:den>
+                            <m:r>
+                              <a:rPr lang="en-US" i="1">
+                                <a:latin typeface="Cambria Math" panose="02040503050406030204" pitchFamily="18" charset="0"/>
+                                <a:ea typeface="Cambria Math" panose="02040503050406030204" pitchFamily="18" charset="0"/>
+                              </a:rPr>
+                              <m:t>𝜏</m:t>
+                            </m:r>
+                            <m:r>
+                              <a:rPr lang="en-US" i="1">
+                                <a:latin typeface="Cambria Math" panose="02040503050406030204" pitchFamily="18" charset="0"/>
+                                <a:ea typeface="Cambria Math" panose="02040503050406030204" pitchFamily="18" charset="0"/>
+                              </a:rPr>
+                              <m:t>+0.611</m:t>
+                            </m:r>
+                            <m:sSub>
+                              <m:sSubPr>
+                                <m:ctrlPr>
+                                  <a:rPr lang="en-US" i="1">
+                                    <a:latin typeface="Cambria Math" panose="02040503050406030204" pitchFamily="18" charset="0"/>
+                                    <a:ea typeface="Cambria Math" panose="02040503050406030204" pitchFamily="18" charset="0"/>
+                                  </a:rPr>
+                                </m:ctrlPr>
+                              </m:sSubPr>
+                              <m:e>
+                                <m:r>
+                                  <a:rPr lang="en-US" i="1">
+                                    <a:latin typeface="Cambria Math" panose="02040503050406030204" pitchFamily="18" charset="0"/>
+                                    <a:ea typeface="Cambria Math" panose="02040503050406030204" pitchFamily="18" charset="0"/>
+                                  </a:rPr>
+                                  <m:t>𝑡</m:t>
+                                </m:r>
+                              </m:e>
+                              <m:sub>
+                                <m:r>
+                                  <a:rPr lang="en-US" i="1">
+                                    <a:latin typeface="Cambria Math" panose="02040503050406030204" pitchFamily="18" charset="0"/>
+                                    <a:ea typeface="Cambria Math" panose="02040503050406030204" pitchFamily="18" charset="0"/>
+                                  </a:rPr>
+                                  <m:t>𝑑</m:t>
+                                </m:r>
+                              </m:sub>
+                            </m:sSub>
+                          </m:den>
+                        </m:f>
+                      </m:e>
+                    </m:d>
+                  </m:oMath>
+                </a14:m>
+                <a:endParaRPr lang="en-US" dirty="0"/>
+              </a:p>
+              <a:p>
+                <a:pPr lvl="1"/>
+                <a14:m>
+                  <m:oMath xmlns:m="http://schemas.openxmlformats.org/officeDocument/2006/math">
+                    <m:sSub>
+                      <m:sSubPr>
+                        <m:ctrlPr>
+                          <a:rPr lang="en-US" i="1">
+                            <a:latin typeface="Cambria Math" panose="02040503050406030204" pitchFamily="18" charset="0"/>
+                          </a:rPr>
+                        </m:ctrlPr>
+                      </m:sSubPr>
+                      <m:e>
+                        <m:r>
+                          <a:rPr lang="en-US" i="1">
+                            <a:latin typeface="Cambria Math" panose="02040503050406030204" pitchFamily="18" charset="0"/>
+                          </a:rPr>
+                          <m:t>𝐾</m:t>
+                        </m:r>
+                      </m:e>
+                      <m:sub>
+                        <m:r>
+                          <a:rPr lang="en-US" i="1">
+                            <a:latin typeface="Cambria Math" panose="02040503050406030204" pitchFamily="18" charset="0"/>
+                          </a:rPr>
+                          <m:t>𝐷</m:t>
+                        </m:r>
+                      </m:sub>
+                    </m:sSub>
+                    <m:r>
+                      <a:rPr lang="en-US" i="1">
+                        <a:latin typeface="Cambria Math" panose="02040503050406030204" pitchFamily="18" charset="0"/>
+                      </a:rPr>
+                      <m:t>=0.37</m:t>
+                    </m:r>
+                    <m:sSub>
+                      <m:sSubPr>
+                        <m:ctrlPr>
+                          <a:rPr lang="en-US" i="1">
+                            <a:latin typeface="Cambria Math" panose="02040503050406030204" pitchFamily="18" charset="0"/>
+                            <a:ea typeface="Cambria Math" panose="02040503050406030204" pitchFamily="18" charset="0"/>
+                          </a:rPr>
+                        </m:ctrlPr>
+                      </m:sSubPr>
+                      <m:e>
+                        <m:r>
+                          <a:rPr lang="en-US" i="1">
+                            <a:latin typeface="Cambria Math" panose="02040503050406030204" pitchFamily="18" charset="0"/>
+                            <a:ea typeface="Cambria Math" panose="02040503050406030204" pitchFamily="18" charset="0"/>
+                          </a:rPr>
+                          <m:t>𝑡</m:t>
+                        </m:r>
+                      </m:e>
+                      <m:sub>
+                        <m:r>
+                          <a:rPr lang="en-US" i="1">
+                            <a:latin typeface="Cambria Math" panose="02040503050406030204" pitchFamily="18" charset="0"/>
+                            <a:ea typeface="Cambria Math" panose="02040503050406030204" pitchFamily="18" charset="0"/>
+                          </a:rPr>
+                          <m:t>𝑑</m:t>
+                        </m:r>
+                      </m:sub>
+                    </m:sSub>
+                    <m:d>
+                      <m:dPr>
+                        <m:ctrlPr>
+                          <a:rPr lang="en-US" i="1">
+                            <a:latin typeface="Cambria Math" panose="02040503050406030204" pitchFamily="18" charset="0"/>
+                          </a:rPr>
+                        </m:ctrlPr>
+                      </m:dPr>
+                      <m:e>
+                        <m:f>
+                          <m:fPr>
+                            <m:ctrlPr>
+                              <a:rPr lang="en-US" i="1">
+                                <a:latin typeface="Cambria Math" panose="02040503050406030204" pitchFamily="18" charset="0"/>
+                                <a:ea typeface="Cambria Math" panose="02040503050406030204" pitchFamily="18" charset="0"/>
+                              </a:rPr>
+                            </m:ctrlPr>
+                          </m:fPr>
+                          <m:num>
+                            <m:r>
+                              <a:rPr lang="en-US" i="1">
+                                <a:latin typeface="Cambria Math" panose="02040503050406030204" pitchFamily="18" charset="0"/>
+                                <a:ea typeface="Cambria Math" panose="02040503050406030204" pitchFamily="18" charset="0"/>
+                              </a:rPr>
+                              <m:t>𝜏</m:t>
+                            </m:r>
+                          </m:num>
+                          <m:den>
+                            <m:r>
+                              <a:rPr lang="en-US" i="1">
+                                <a:latin typeface="Cambria Math" panose="02040503050406030204" pitchFamily="18" charset="0"/>
+                                <a:ea typeface="Cambria Math" panose="02040503050406030204" pitchFamily="18" charset="0"/>
+                              </a:rPr>
+                              <m:t>𝜏</m:t>
+                            </m:r>
+                            <m:r>
+                              <a:rPr lang="en-US" i="1">
+                                <a:latin typeface="Cambria Math" panose="02040503050406030204" pitchFamily="18" charset="0"/>
+                                <a:ea typeface="Cambria Math" panose="02040503050406030204" pitchFamily="18" charset="0"/>
+                              </a:rPr>
+                              <m:t>+0.185</m:t>
+                            </m:r>
+                            <m:sSub>
+                              <m:sSubPr>
+                                <m:ctrlPr>
+                                  <a:rPr lang="en-US" i="1">
+                                    <a:latin typeface="Cambria Math" panose="02040503050406030204" pitchFamily="18" charset="0"/>
+                                    <a:ea typeface="Cambria Math" panose="02040503050406030204" pitchFamily="18" charset="0"/>
+                                  </a:rPr>
+                                </m:ctrlPr>
+                              </m:sSubPr>
+                              <m:e>
+                                <m:r>
+                                  <a:rPr lang="en-US" i="1">
+                                    <a:latin typeface="Cambria Math" panose="02040503050406030204" pitchFamily="18" charset="0"/>
+                                    <a:ea typeface="Cambria Math" panose="02040503050406030204" pitchFamily="18" charset="0"/>
+                                  </a:rPr>
+                                  <m:t>𝑡</m:t>
+                                </m:r>
+                              </m:e>
+                              <m:sub>
+                                <m:r>
+                                  <a:rPr lang="en-US" i="1">
+                                    <a:latin typeface="Cambria Math" panose="02040503050406030204" pitchFamily="18" charset="0"/>
+                                    <a:ea typeface="Cambria Math" panose="02040503050406030204" pitchFamily="18" charset="0"/>
+                                  </a:rPr>
+                                  <m:t>𝑑</m:t>
+                                </m:r>
+                              </m:sub>
+                            </m:sSub>
+                          </m:den>
+                        </m:f>
+                      </m:e>
+                    </m:d>
+                  </m:oMath>
+                </a14:m>
+                <a:endParaRPr lang="en-US" dirty="0" smtClean="0"/>
+              </a:p>
+              <a:p>
+                <a:pPr lvl="1"/>
+                <a:endParaRPr lang="en-US" dirty="0"/>
+              </a:p>
+              <a:p>
+                <a:r>
+                  <a:rPr lang="en-US" dirty="0" smtClean="0"/>
+                  <a:t>Resulting gains still too low</a:t>
+                </a:r>
+              </a:p>
+            </p:txBody>
+          </p:sp>
+        </mc:Choice>
+        <mc:Fallback xmlns="">
+          <p:sp>
+            <p:nvSpPr>
+              <p:cNvPr id="3" name="Content Placeholder 2"/>
+              <p:cNvSpPr>
+                <a:spLocks noGrp="1" noRot="1" noChangeAspect="1" noMove="1" noResize="1" noEditPoints="1" noAdjustHandles="1" noChangeArrowheads="1" noChangeShapeType="1" noTextEdit="1"/>
+              </p:cNvSpPr>
+              <p:nvPr>
+                <p:ph idx="1"/>
+              </p:nvPr>
+            </p:nvSpPr>
+            <p:spPr>
+              <a:xfrm>
+                <a:off x="0" y="1714912"/>
+                <a:ext cx="4191000" cy="4351338"/>
+              </a:xfrm>
+              <a:blipFill>
+                <a:blip r:embed="rId2"/>
+                <a:stretch>
+                  <a:fillRect l="-2616" t="-2241" b="-2521"/>
+                </a:stretch>
+              </a:blipFill>
+            </p:spPr>
+            <p:txBody>
+              <a:bodyPr/>
+              <a:lstStyle/>
+              <a:p>
+                <a:r>
+                  <a:rPr lang="en-US">
+                    <a:noFill/>
+                  </a:rPr>
+                  <a:t> </a:t>
+                </a:r>
+              </a:p>
+            </p:txBody>
+          </p:sp>
+        </mc:Fallback>
+      </mc:AlternateContent>
+      <p:pic>
+        <p:nvPicPr>
+          <p:cNvPr id="1026" name="Picture 2" descr="Image result for cohen coon tuning method"/>
+          <p:cNvPicPr>
+            <a:picLocks noChangeAspect="1" noChangeArrowheads="1"/>
+          </p:cNvPicPr>
+          <p:nvPr/>
+        </p:nvPicPr>
+        <p:blipFill>
+          <a:blip r:embed="rId3">
+            <a:extLst>
+              <a:ext uri="{28A0092B-C50C-407E-A947-70E740481C1C}">
+                <a14:useLocalDpi xmlns:a14="http://schemas.microsoft.com/office/drawing/2010/main" val="0"/>
+              </a:ext>
+            </a:extLst>
+          </a:blip>
+          <a:srcRect/>
+          <a:stretch>
+            <a:fillRect/>
+          </a:stretch>
+        </p:blipFill>
+        <p:spPr bwMode="auto">
+          <a:xfrm>
+            <a:off x="4190999" y="1690688"/>
+            <a:ext cx="8011761" cy="4719256"/>
+          </a:xfrm>
+          <a:prstGeom prst="rect">
+            <a:avLst/>
+          </a:prstGeom>
+          <a:noFill/>
+          <a:extLst>
+            <a:ext uri="{909E8E84-426E-40DD-AFC4-6F175D3DCCD1}">
+              <a14:hiddenFill xmlns:a14="http://schemas.microsoft.com/office/drawing/2010/main">
+                <a:solidFill>
+                  <a:srgbClr val="FFFFFF"/>
+                </a:solidFill>
+              </a14:hiddenFill>
+            </a:ext>
+          </a:extLst>
+        </p:spPr>
+      </p:pic>
+      <p:sp>
+        <p:nvSpPr>
+          <p:cNvPr id="4" name="TextBox 3"/>
+          <p:cNvSpPr txBox="1"/>
+          <p:nvPr/>
+        </p:nvSpPr>
+        <p:spPr>
+          <a:xfrm>
+            <a:off x="6739128" y="6483096"/>
+            <a:ext cx="4773168" cy="307777"/>
+          </a:xfrm>
+          <a:prstGeom prst="rect">
+            <a:avLst/>
+          </a:prstGeom>
+          <a:noFill/>
+        </p:spPr>
+        <p:txBody>
+          <a:bodyPr wrap="square" rtlCol="0">
+            <a:spAutoFit/>
+          </a:bodyPr>
+          <a:lstStyle/>
+          <a:p>
+            <a:r>
+              <a:rPr lang="en-US" sz="1400" dirty="0"/>
+              <a:t>http://blog.opticontrols.com/archives/316</a:t>
+            </a:r>
+          </a:p>
+        </p:txBody>
+      </p:sp>
+    </p:spTree>
+    <p:extLst>
+      <p:ext uri="{BB962C8B-B14F-4D97-AF65-F5344CB8AC3E}">
+        <p14:creationId xmlns:p14="http://schemas.microsoft.com/office/powerpoint/2010/main" val="3990046111"/>
+      </p:ext>
+    </p:extLst>
+  </p:cSld>
+  <p:clrMapOvr>
+    <a:masterClrMapping/>
+  </p:clrMapOvr>
+</p:sld>
+</file>
+
+<file path=ppt/slides/slide9.xml><?xml version="1.0" encoding="utf-8"?>
+<p:sld xmlns:a="http://schemas.openxmlformats.org/drawingml/2006/main" xmlns:r="http://schemas.openxmlformats.org/officeDocument/2006/relationships" xmlns:p="http://schemas.openxmlformats.org/presentationml/2006/main">
+  <p:cSld>
+    <p:spTree>
+      <p:nvGrpSpPr>
+        <p:cNvPr id="1" name=""/>
+        <p:cNvGrpSpPr/>
+        <p:nvPr/>
+      </p:nvGrpSpPr>
+      <p:grpSpPr>
+        <a:xfrm>
+          <a:off x="0" y="0"/>
+          <a:ext cx="0" cy="0"/>
+          <a:chOff x="0" y="0"/>
+          <a:chExt cx="0" cy="0"/>
+        </a:xfrm>
+      </p:grpSpPr>
+      <p:sp>
+        <p:nvSpPr>
+          <p:cNvPr id="2" name="Title 1"/>
+          <p:cNvSpPr>
+            <a:spLocks noGrp="1"/>
+          </p:cNvSpPr>
+          <p:nvPr>
+            <p:ph type="title"/>
+          </p:nvPr>
+        </p:nvSpPr>
+        <p:spPr/>
+        <p:txBody>
+          <a:bodyPr/>
+          <a:lstStyle/>
+          <a:p>
+            <a:pPr algn="ctr"/>
+            <a:r>
+              <a:rPr lang="en-US" dirty="0" smtClean="0"/>
+              <a:t>Tuning Results</a:t>
+            </a:r>
+            <a:endParaRPr lang="en-US" dirty="0"/>
+          </a:p>
+        </p:txBody>
+      </p:sp>
+      <mc:AlternateContent xmlns:mc="http://schemas.openxmlformats.org/markup-compatibility/2006">
+        <mc:Choice xmlns:a14="http://schemas.microsoft.com/office/drawing/2010/main" Requires="a14">
           <p:sp>
             <p:nvSpPr>
               <p:cNvPr id="3" name="Content Placeholder 2"/>
@@ -4881,7 +7607,13 @@
                 </a:r>
               </a:p>
               <a:p>
-                <a:pPr lvl="1"/>
+                <a:pPr marL="457200" lvl="1" indent="0">
+                  <a:buNone/>
+                </a:pPr>
+                <a:r>
+                  <a:rPr lang="en-US" dirty="0" smtClean="0"/>
+                  <a:t>- </a:t>
+                </a:r>
                 <a14:m>
                   <m:oMath xmlns:m="http://schemas.openxmlformats.org/officeDocument/2006/math">
                     <m:sSub>
@@ -4920,7 +7652,13 @@
                 <a:endParaRPr lang="en-US" b="0" i="1" dirty="0" smtClean="0"/>
               </a:p>
               <a:p>
-                <a:pPr lvl="1"/>
+                <a:pPr marL="457200" lvl="1" indent="0">
+                  <a:buNone/>
+                </a:pPr>
+                <a:r>
+                  <a:rPr lang="en-US" dirty="0" smtClean="0"/>
+                  <a:t>- </a:t>
+                </a:r>
                 <a14:m>
                   <m:oMath xmlns:m="http://schemas.openxmlformats.org/officeDocument/2006/math">
                     <m:sSub>
@@ -4971,7 +7709,13 @@
                 <a:endParaRPr lang="en-US" i="1" dirty="0"/>
               </a:p>
               <a:p>
-                <a:pPr lvl="1"/>
+                <a:pPr marL="457200" lvl="1" indent="0">
+                  <a:buNone/>
+                </a:pPr>
+                <a:r>
+                  <a:rPr lang="en-US" dirty="0" smtClean="0"/>
+                  <a:t>- </a:t>
+                </a:r>
                 <a14:m>
                   <m:oMath xmlns:m="http://schemas.openxmlformats.org/officeDocument/2006/math">
                     <m:sSub>
@@ -5020,12 +7764,48 @@
                   <a:rPr lang="en-US" dirty="0" smtClean="0"/>
                   <a:t>Unexpectedly large gains</a:t>
                 </a:r>
-                <a:endParaRPr lang="en-US" dirty="0"/>
+              </a:p>
+              <a:p>
+                <a:r>
+                  <a:rPr lang="en-US" dirty="0" smtClean="0"/>
+                  <a:t>Controller only makes two </a:t>
+                </a:r>
+                <a:r>
+                  <a:rPr lang="en-US" dirty="0" smtClean="0"/>
+                  <a:t>control actions (</a:t>
+                </a:r>
+                <a:r>
+                  <a:rPr lang="en-US" dirty="0" smtClean="0"/>
+                  <a:t>0% </a:t>
+                </a:r>
+                <a:r>
+                  <a:rPr lang="en-US" dirty="0" smtClean="0"/>
+                  <a:t>or </a:t>
+                </a:r>
+                <a:r>
+                  <a:rPr lang="en-US" dirty="0" smtClean="0"/>
+                  <a:t>100% duty cycle)</a:t>
+                </a:r>
+                <a:endParaRPr lang="en-US" dirty="0" smtClean="0"/>
+              </a:p>
+              <a:p>
+                <a:pPr lvl="1"/>
+                <a:r>
+                  <a:rPr lang="en-US" dirty="0" smtClean="0"/>
+                  <a:t>Effectively schedules pulses</a:t>
+                </a:r>
+              </a:p>
+              <a:p>
+                <a:pPr lvl="1"/>
+                <a:r>
+                  <a:rPr lang="en-US" dirty="0" smtClean="0"/>
+                  <a:t>Rise time &gt; fall time transient</a:t>
+                </a:r>
               </a:p>
             </p:txBody>
           </p:sp>
         </mc:Choice>
-        <mc:Fallback xmlns="">
+        <mc:Fallback>
           <p:sp>
             <p:nvSpPr>
               <p:cNvPr id="3" name="Content Placeholder 2"/>
@@ -5063,390 +7843,6 @@
     <p:extLst>
       <p:ext uri="{BB962C8B-B14F-4D97-AF65-F5344CB8AC3E}">
         <p14:creationId xmlns:p14="http://schemas.microsoft.com/office/powerpoint/2010/main" val="1766592198"/>
-      </p:ext>
-    </p:extLst>
-  </p:cSld>
-  <p:clrMapOvr>
-    <a:masterClrMapping/>
-  </p:clrMapOvr>
-  <p:timing>
-    <p:tnLst>
-      <p:par>
-        <p:cTn id="1" dur="indefinite" restart="never" nodeType="tmRoot"/>
-      </p:par>
-    </p:tnLst>
-  </p:timing>
-</p:sld>
-</file>
-
-<file path=ppt/slides/slide8.xml><?xml version="1.0" encoding="utf-8"?>
-<p:sld xmlns:a="http://schemas.openxmlformats.org/drawingml/2006/main" xmlns:r="http://schemas.openxmlformats.org/officeDocument/2006/relationships" xmlns:p="http://schemas.openxmlformats.org/presentationml/2006/main">
-  <p:cSld>
-    <p:spTree>
-      <p:nvGrpSpPr>
-        <p:cNvPr id="1" name=""/>
-        <p:cNvGrpSpPr/>
-        <p:nvPr/>
-      </p:nvGrpSpPr>
-      <p:grpSpPr>
-        <a:xfrm>
-          <a:off x="0" y="0"/>
-          <a:ext cx="0" cy="0"/>
-          <a:chOff x="0" y="0"/>
-          <a:chExt cx="0" cy="0"/>
-        </a:xfrm>
-      </p:grpSpPr>
-      <p:sp>
-        <p:nvSpPr>
-          <p:cNvPr id="2" name="Title 1"/>
-          <p:cNvSpPr>
-            <a:spLocks noGrp="1"/>
-          </p:cNvSpPr>
-          <p:nvPr>
-            <p:ph type="title"/>
-          </p:nvPr>
-        </p:nvSpPr>
-        <p:spPr>
-          <a:xfrm>
-            <a:off x="813954" y="82492"/>
-            <a:ext cx="10564091" cy="499399"/>
-          </a:xfrm>
-        </p:spPr>
-        <p:txBody>
-          <a:bodyPr>
-            <a:normAutofit fontScale="90000"/>
-          </a:bodyPr>
-          <a:lstStyle/>
-          <a:p>
-            <a:pPr algn="ctr"/>
-            <a:r>
-              <a:rPr lang="en-US" dirty="0" smtClean="0"/>
-              <a:t>Open Loop Captured Data</a:t>
-            </a:r>
-            <a:endParaRPr lang="en-US" dirty="0"/>
-          </a:p>
-        </p:txBody>
-      </p:sp>
-      <p:pic>
-        <p:nvPicPr>
-          <p:cNvPr id="1028" name="Picture 4" descr="https://raw.githubusercontent.com/jwd0023/3050/master/presentation/open_loop.PNG"/>
-          <p:cNvPicPr>
-            <a:picLocks noChangeAspect="1" noChangeArrowheads="1"/>
-          </p:cNvPicPr>
-          <p:nvPr/>
-        </p:nvPicPr>
-        <p:blipFill>
-          <a:blip r:embed="rId2">
-            <a:extLst>
-              <a:ext uri="{28A0092B-C50C-407E-A947-70E740481C1C}">
-                <a14:useLocalDpi xmlns:a14="http://schemas.microsoft.com/office/drawing/2010/main" val="0"/>
-              </a:ext>
-            </a:extLst>
-          </a:blip>
-          <a:srcRect/>
-          <a:stretch>
-            <a:fillRect/>
-          </a:stretch>
-        </p:blipFill>
-        <p:spPr bwMode="auto">
-          <a:xfrm>
-            <a:off x="0" y="581891"/>
-            <a:ext cx="12192000" cy="6276109"/>
-          </a:xfrm>
-          <a:prstGeom prst="rect">
-            <a:avLst/>
-          </a:prstGeom>
-          <a:noFill/>
-          <a:extLst>
-            <a:ext uri="{909E8E84-426E-40DD-AFC4-6F175D3DCCD1}">
-              <a14:hiddenFill xmlns:a14="http://schemas.microsoft.com/office/drawing/2010/main">
-                <a:solidFill>
-                  <a:srgbClr val="FFFFFF"/>
-                </a:solidFill>
-              </a14:hiddenFill>
-            </a:ext>
-          </a:extLst>
-        </p:spPr>
-      </p:pic>
-      <p:cxnSp>
-        <p:nvCxnSpPr>
-          <p:cNvPr id="4" name="Straight Arrow Connector 3"/>
-          <p:cNvCxnSpPr/>
-          <p:nvPr/>
-        </p:nvCxnSpPr>
-        <p:spPr>
-          <a:xfrm>
-            <a:off x="634538" y="1864820"/>
-            <a:ext cx="1352204" cy="0"/>
-          </a:xfrm>
-          <a:prstGeom prst="straightConnector1">
-            <a:avLst/>
-          </a:prstGeom>
-          <a:ln w="57150">
-            <a:solidFill>
-              <a:srgbClr val="FF0000"/>
-            </a:solidFill>
-            <a:headEnd type="triangle"/>
-            <a:tailEnd type="triangle"/>
-          </a:ln>
-        </p:spPr>
-        <p:style>
-          <a:lnRef idx="3">
-            <a:schemeClr val="accent2"/>
-          </a:lnRef>
-          <a:fillRef idx="0">
-            <a:schemeClr val="accent2"/>
-          </a:fillRef>
-          <a:effectRef idx="2">
-            <a:schemeClr val="accent2"/>
-          </a:effectRef>
-          <a:fontRef idx="minor">
-            <a:schemeClr val="tx1"/>
-          </a:fontRef>
-        </p:style>
-      </p:cxnSp>
-      <p:sp>
-        <p:nvSpPr>
-          <p:cNvPr id="7" name="TextBox 6"/>
-          <p:cNvSpPr txBox="1"/>
-          <p:nvPr/>
-        </p:nvSpPr>
-        <p:spPr>
-          <a:xfrm>
-            <a:off x="813954" y="1324492"/>
-            <a:ext cx="1321724" cy="400110"/>
-          </a:xfrm>
-          <a:prstGeom prst="rect">
-            <a:avLst/>
-          </a:prstGeom>
-          <a:noFill/>
-        </p:spPr>
-        <p:txBody>
-          <a:bodyPr wrap="square" rtlCol="0">
-            <a:spAutoFit/>
-          </a:bodyPr>
-          <a:lstStyle/>
-          <a:p>
-            <a:r>
-              <a:rPr lang="en-US" sz="2000" b="1" dirty="0" smtClean="0">
-                <a:solidFill>
-                  <a:srgbClr val="FF0000"/>
-                </a:solidFill>
-              </a:rPr>
-              <a:t>622 </a:t>
-            </a:r>
-            <a:r>
-              <a:rPr lang="en-US" sz="2000" b="1" dirty="0" err="1" smtClean="0">
-                <a:solidFill>
-                  <a:srgbClr val="FF0000"/>
-                </a:solidFill>
-              </a:rPr>
-              <a:t>ms</a:t>
-            </a:r>
-            <a:endParaRPr lang="en-US" sz="2000" b="1" dirty="0">
-              <a:solidFill>
-                <a:srgbClr val="FF0000"/>
-              </a:solidFill>
-            </a:endParaRPr>
-          </a:p>
-        </p:txBody>
-      </p:sp>
-    </p:spTree>
-    <p:extLst>
-      <p:ext uri="{BB962C8B-B14F-4D97-AF65-F5344CB8AC3E}">
-        <p14:creationId xmlns:p14="http://schemas.microsoft.com/office/powerpoint/2010/main" val="92408798"/>
-      </p:ext>
-    </p:extLst>
-  </p:cSld>
-  <p:clrMapOvr>
-    <a:masterClrMapping/>
-  </p:clrMapOvr>
-  <p:timing>
-    <p:tnLst>
-      <p:par>
-        <p:cTn id="1" dur="indefinite" restart="never" nodeType="tmRoot"/>
-      </p:par>
-    </p:tnLst>
-  </p:timing>
-</p:sld>
-</file>
-
-<file path=ppt/slides/slide9.xml><?xml version="1.0" encoding="utf-8"?>
-<p:sld xmlns:a="http://schemas.openxmlformats.org/drawingml/2006/main" xmlns:r="http://schemas.openxmlformats.org/officeDocument/2006/relationships" xmlns:p="http://schemas.openxmlformats.org/presentationml/2006/main">
-  <p:cSld>
-    <p:spTree>
-      <p:nvGrpSpPr>
-        <p:cNvPr id="1" name=""/>
-        <p:cNvGrpSpPr/>
-        <p:nvPr/>
-      </p:nvGrpSpPr>
-      <p:grpSpPr>
-        <a:xfrm>
-          <a:off x="0" y="0"/>
-          <a:ext cx="0" cy="0"/>
-          <a:chOff x="0" y="0"/>
-          <a:chExt cx="0" cy="0"/>
-        </a:xfrm>
-      </p:grpSpPr>
-      <p:sp>
-        <p:nvSpPr>
-          <p:cNvPr id="2" name="Title 1"/>
-          <p:cNvSpPr>
-            <a:spLocks noGrp="1"/>
-          </p:cNvSpPr>
-          <p:nvPr>
-            <p:ph type="title"/>
-          </p:nvPr>
-        </p:nvSpPr>
-        <p:spPr>
-          <a:xfrm>
-            <a:off x="838200" y="99753"/>
-            <a:ext cx="10515600" cy="556953"/>
-          </a:xfrm>
-        </p:spPr>
-        <p:txBody>
-          <a:bodyPr>
-            <a:normAutofit fontScale="90000"/>
-          </a:bodyPr>
-          <a:lstStyle/>
-          <a:p>
-            <a:pPr algn="ctr"/>
-            <a:r>
-              <a:rPr lang="en-US" dirty="0" smtClean="0"/>
-              <a:t>Closed Loop Captured Data</a:t>
-            </a:r>
-            <a:endParaRPr lang="en-US" dirty="0"/>
-          </a:p>
-        </p:txBody>
-      </p:sp>
-      <p:pic>
-        <p:nvPicPr>
-          <p:cNvPr id="4" name="Picture 2" descr="https://raw.githubusercontent.com/jwd0023/3050/master/presentation/closed_loop.PNG"/>
-          <p:cNvPicPr>
-            <a:picLocks noChangeAspect="1" noChangeArrowheads="1"/>
-          </p:cNvPicPr>
-          <p:nvPr/>
-        </p:nvPicPr>
-        <p:blipFill>
-          <a:blip r:embed="rId2">
-            <a:extLst>
-              <a:ext uri="{28A0092B-C50C-407E-A947-70E740481C1C}">
-                <a14:useLocalDpi xmlns:a14="http://schemas.microsoft.com/office/drawing/2010/main" val="0"/>
-              </a:ext>
-            </a:extLst>
-          </a:blip>
-          <a:srcRect/>
-          <a:stretch>
-            <a:fillRect/>
-          </a:stretch>
-        </p:blipFill>
-        <p:spPr bwMode="auto">
-          <a:xfrm>
-            <a:off x="45133" y="864525"/>
-            <a:ext cx="12058198" cy="5910348"/>
-          </a:xfrm>
-          <a:prstGeom prst="rect">
-            <a:avLst/>
-          </a:prstGeom>
-          <a:noFill/>
-          <a:extLst>
-            <a:ext uri="{909E8E84-426E-40DD-AFC4-6F175D3DCCD1}">
-              <a14:hiddenFill xmlns:a14="http://schemas.microsoft.com/office/drawing/2010/main">
-                <a:solidFill>
-                  <a:srgbClr val="FFFFFF"/>
-                </a:solidFill>
-              </a14:hiddenFill>
-            </a:ext>
-          </a:extLst>
-        </p:spPr>
-      </p:pic>
-      <p:cxnSp>
-        <p:nvCxnSpPr>
-          <p:cNvPr id="5" name="Straight Arrow Connector 4"/>
-          <p:cNvCxnSpPr/>
-          <p:nvPr/>
-        </p:nvCxnSpPr>
-        <p:spPr>
-          <a:xfrm>
-            <a:off x="3898669" y="3923606"/>
-            <a:ext cx="3200400" cy="0"/>
-          </a:xfrm>
-          <a:prstGeom prst="straightConnector1">
-            <a:avLst/>
-          </a:prstGeom>
-          <a:ln w="57150">
-            <a:solidFill>
-              <a:srgbClr val="FF0000"/>
-            </a:solidFill>
-            <a:headEnd type="triangle"/>
-            <a:tailEnd type="triangle"/>
-          </a:ln>
-        </p:spPr>
-        <p:style>
-          <a:lnRef idx="3">
-            <a:schemeClr val="accent2"/>
-          </a:lnRef>
-          <a:fillRef idx="0">
-            <a:schemeClr val="accent2"/>
-          </a:fillRef>
-          <a:effectRef idx="2">
-            <a:schemeClr val="accent2"/>
-          </a:effectRef>
-          <a:fontRef idx="minor">
-            <a:schemeClr val="tx1"/>
-          </a:fontRef>
-        </p:style>
-      </p:cxnSp>
-      <p:sp>
-        <p:nvSpPr>
-          <p:cNvPr id="7" name="TextBox 6"/>
-          <p:cNvSpPr txBox="1"/>
-          <p:nvPr/>
-        </p:nvSpPr>
-        <p:spPr>
-          <a:xfrm>
-            <a:off x="5602778" y="4046512"/>
-            <a:ext cx="1321724" cy="400110"/>
-          </a:xfrm>
-          <a:prstGeom prst="rect">
-            <a:avLst/>
-          </a:prstGeom>
-          <a:noFill/>
-        </p:spPr>
-        <p:txBody>
-          <a:bodyPr wrap="square" rtlCol="0">
-            <a:spAutoFit/>
-          </a:bodyPr>
-          <a:lstStyle/>
-          <a:p>
-            <a:r>
-              <a:rPr lang="en-US" sz="2000" b="1" dirty="0" smtClean="0">
-                <a:solidFill>
-                  <a:srgbClr val="FF0000"/>
-                </a:solidFill>
-              </a:rPr>
-              <a:t>280.2 </a:t>
-            </a:r>
-            <a:r>
-              <a:rPr lang="en-US" sz="2000" b="1" dirty="0" err="1" smtClean="0">
-                <a:solidFill>
-                  <a:srgbClr val="FF0000"/>
-                </a:solidFill>
-              </a:rPr>
-              <a:t>ms</a:t>
-            </a:r>
-            <a:endParaRPr lang="en-US" sz="2000" b="1" dirty="0">
-              <a:solidFill>
-                <a:srgbClr val="FF0000"/>
-              </a:solidFill>
-            </a:endParaRPr>
-          </a:p>
-        </p:txBody>
-      </p:sp>
-    </p:spTree>
-    <p:extLst>
-      <p:ext uri="{BB962C8B-B14F-4D97-AF65-F5344CB8AC3E}">
-        <p14:creationId xmlns:p14="http://schemas.microsoft.com/office/powerpoint/2010/main" val="2522030093"/>
       </p:ext>
     </p:extLst>
   </p:cSld>
@@ -5722,4 +8118,265 @@
     </a:ext>
   </a:extLst>
 </a:theme>
+</file>
+
+<file path=ppt/theme/theme2.xml><?xml version="1.0" encoding="utf-8"?>
+<a:theme xmlns:a="http://schemas.openxmlformats.org/drawingml/2006/main" name="Office Theme">
+  <a:themeElements>
+    <a:clrScheme name="Office">
+      <a:dk1>
+        <a:sysClr val="windowText" lastClr="000000"/>
+      </a:dk1>
+      <a:lt1>
+        <a:sysClr val="window" lastClr="FFFFFF"/>
+      </a:lt1>
+      <a:dk2>
+        <a:srgbClr val="44546A"/>
+      </a:dk2>
+      <a:lt2>
+        <a:srgbClr val="E7E6E6"/>
+      </a:lt2>
+      <a:accent1>
+        <a:srgbClr val="5B9BD5"/>
+      </a:accent1>
+      <a:accent2>
+        <a:srgbClr val="ED7D31"/>
+      </a:accent2>
+      <a:accent3>
+        <a:srgbClr val="A5A5A5"/>
+      </a:accent3>
+      <a:accent4>
+        <a:srgbClr val="FFC000"/>
+      </a:accent4>
+      <a:accent5>
+        <a:srgbClr val="4472C4"/>
+      </a:accent5>
+      <a:accent6>
+        <a:srgbClr val="70AD47"/>
+      </a:accent6>
+      <a:hlink>
+        <a:srgbClr val="0563C1"/>
+      </a:hlink>
+      <a:folHlink>
+        <a:srgbClr val="954F72"/>
+      </a:folHlink>
+    </a:clrScheme>
+    <a:fontScheme name="Office">
+      <a:majorFont>
+        <a:latin typeface="Calibri Light" panose="020F0302020204030204"/>
+        <a:ea typeface=""/>
+        <a:cs typeface=""/>
+        <a:font script="Jpan" typeface="游ゴシック Light"/>
+        <a:font script="Hang" typeface="맑은 고딕"/>
+        <a:font script="Hans" typeface="等线 Light"/>
+        <a:font script="Hant" typeface="新細明體"/>
+        <a:font script="Arab" typeface="Times New Roman"/>
+        <a:font script="Hebr" typeface="Times New Roman"/>
+        <a:font script="Thai" typeface="Angsana New"/>
+        <a:font script="Ethi" typeface="Nyala"/>
+        <a:font script="Beng" typeface="Vrinda"/>
+        <a:font script="Gujr" typeface="Shruti"/>
+        <a:font script="Khmr" typeface="MoolBoran"/>
+        <a:font script="Knda" typeface="Tunga"/>
+        <a:font script="Guru" typeface="Raavi"/>
+        <a:font script="Cans" typeface="Euphemia"/>
+        <a:font script="Cher" typeface="Plantagenet Cherokee"/>
+        <a:font script="Yiii" typeface="Microsoft Yi Baiti"/>
+        <a:font script="Tibt" typeface="Microsoft Himalaya"/>
+        <a:font script="Thaa" typeface="MV Boli"/>
+        <a:font script="Deva" typeface="Mangal"/>
+        <a:font script="Telu" typeface="Gautami"/>
+        <a:font script="Taml" typeface="Latha"/>
+        <a:font script="Syrc" typeface="Estrangelo Edessa"/>
+        <a:font script="Orya" typeface="Kalinga"/>
+        <a:font script="Mlym" typeface="Kartika"/>
+        <a:font script="Laoo" typeface="DokChampa"/>
+        <a:font script="Sinh" typeface="Iskoola Pota"/>
+        <a:font script="Mong" typeface="Mongolian Baiti"/>
+        <a:font script="Viet" typeface="Times New Roman"/>
+        <a:font script="Uigh" typeface="Microsoft Uighur"/>
+        <a:font script="Geor" typeface="Sylfaen"/>
+      </a:majorFont>
+      <a:minorFont>
+        <a:latin typeface="Calibri" panose="020F0502020204030204"/>
+        <a:ea typeface=""/>
+        <a:cs typeface=""/>
+        <a:font script="Jpan" typeface="游ゴシック"/>
+        <a:font script="Hang" typeface="맑은 고딕"/>
+        <a:font script="Hans" typeface="等线"/>
+        <a:font script="Hant" typeface="新細明體"/>
+        <a:font script="Arab" typeface="Arial"/>
+        <a:font script="Hebr" typeface="Arial"/>
+        <a:font script="Thai" typeface="Cordia New"/>
+        <a:font script="Ethi" typeface="Nyala"/>
+        <a:font script="Beng" typeface="Vrinda"/>
+        <a:font script="Gujr" typeface="Shruti"/>
+        <a:font script="Khmr" typeface="DaunPenh"/>
+        <a:font script="Knda" typeface="Tunga"/>
+        <a:font script="Guru" typeface="Raavi"/>
+        <a:font script="Cans" typeface="Euphemia"/>
+        <a:font script="Cher" typeface="Plantagenet Cherokee"/>
+        <a:font script="Yiii" typeface="Microsoft Yi Baiti"/>
+        <a:font script="Tibt" typeface="Microsoft Himalaya"/>
+        <a:font script="Thaa" typeface="MV Boli"/>
+        <a:font script="Deva" typeface="Mangal"/>
+        <a:font script="Telu" typeface="Gautami"/>
+        <a:font script="Taml" typeface="Latha"/>
+        <a:font script="Syrc" typeface="Estrangelo Edessa"/>
+        <a:font script="Orya" typeface="Kalinga"/>
+        <a:font script="Mlym" typeface="Kartika"/>
+        <a:font script="Laoo" typeface="DokChampa"/>
+        <a:font script="Sinh" typeface="Iskoola Pota"/>
+        <a:font script="Mong" typeface="Mongolian Baiti"/>
+        <a:font script="Viet" typeface="Arial"/>
+        <a:font script="Uigh" typeface="Microsoft Uighur"/>
+        <a:font script="Geor" typeface="Sylfaen"/>
+      </a:minorFont>
+    </a:fontScheme>
+    <a:fmtScheme name="Office">
+      <a:fillStyleLst>
+        <a:solidFill>
+          <a:schemeClr val="phClr"/>
+        </a:solidFill>
+        <a:gradFill rotWithShape="1">
+          <a:gsLst>
+            <a:gs pos="0">
+              <a:schemeClr val="phClr">
+                <a:lumMod val="110000"/>
+                <a:satMod val="105000"/>
+                <a:tint val="67000"/>
+              </a:schemeClr>
+            </a:gs>
+            <a:gs pos="50000">
+              <a:schemeClr val="phClr">
+                <a:lumMod val="105000"/>
+                <a:satMod val="103000"/>
+                <a:tint val="73000"/>
+              </a:schemeClr>
+            </a:gs>
+            <a:gs pos="100000">
+              <a:schemeClr val="phClr">
+                <a:lumMod val="105000"/>
+                <a:satMod val="109000"/>
+                <a:tint val="81000"/>
+              </a:schemeClr>
+            </a:gs>
+          </a:gsLst>
+          <a:lin ang="5400000" scaled="0"/>
+        </a:gradFill>
+        <a:gradFill rotWithShape="1">
+          <a:gsLst>
+            <a:gs pos="0">
+              <a:schemeClr val="phClr">
+                <a:satMod val="103000"/>
+                <a:lumMod val="102000"/>
+                <a:tint val="94000"/>
+              </a:schemeClr>
+            </a:gs>
+            <a:gs pos="50000">
+              <a:schemeClr val="phClr">
+                <a:satMod val="110000"/>
+                <a:lumMod val="100000"/>
+                <a:shade val="100000"/>
+              </a:schemeClr>
+            </a:gs>
+            <a:gs pos="100000">
+              <a:schemeClr val="phClr">
+                <a:lumMod val="99000"/>
+                <a:satMod val="120000"/>
+                <a:shade val="78000"/>
+              </a:schemeClr>
+            </a:gs>
+          </a:gsLst>
+          <a:lin ang="5400000" scaled="0"/>
+        </a:gradFill>
+      </a:fillStyleLst>
+      <a:lnStyleLst>
+        <a:ln w="6350" cap="flat" cmpd="sng" algn="ctr">
+          <a:solidFill>
+            <a:schemeClr val="phClr"/>
+          </a:solidFill>
+          <a:prstDash val="solid"/>
+          <a:miter lim="800000"/>
+        </a:ln>
+        <a:ln w="12700" cap="flat" cmpd="sng" algn="ctr">
+          <a:solidFill>
+            <a:schemeClr val="phClr"/>
+          </a:solidFill>
+          <a:prstDash val="solid"/>
+          <a:miter lim="800000"/>
+        </a:ln>
+        <a:ln w="19050" cap="flat" cmpd="sng" algn="ctr">
+          <a:solidFill>
+            <a:schemeClr val="phClr"/>
+          </a:solidFill>
+          <a:prstDash val="solid"/>
+          <a:miter lim="800000"/>
+        </a:ln>
+      </a:lnStyleLst>
+      <a:effectStyleLst>
+        <a:effectStyle>
+          <a:effectLst/>
+        </a:effectStyle>
+        <a:effectStyle>
+          <a:effectLst/>
+        </a:effectStyle>
+        <a:effectStyle>
+          <a:effectLst>
+            <a:outerShdw blurRad="57150" dist="19050" dir="5400000" algn="ctr" rotWithShape="0">
+              <a:srgbClr val="000000">
+                <a:alpha val="63000"/>
+              </a:srgbClr>
+            </a:outerShdw>
+          </a:effectLst>
+        </a:effectStyle>
+      </a:effectStyleLst>
+      <a:bgFillStyleLst>
+        <a:solidFill>
+          <a:schemeClr val="phClr"/>
+        </a:solidFill>
+        <a:solidFill>
+          <a:schemeClr val="phClr">
+            <a:tint val="95000"/>
+            <a:satMod val="170000"/>
+          </a:schemeClr>
+        </a:solidFill>
+        <a:gradFill rotWithShape="1">
+          <a:gsLst>
+            <a:gs pos="0">
+              <a:schemeClr val="phClr">
+                <a:tint val="93000"/>
+                <a:satMod val="150000"/>
+                <a:shade val="98000"/>
+                <a:lumMod val="102000"/>
+              </a:schemeClr>
+            </a:gs>
+            <a:gs pos="50000">
+              <a:schemeClr val="phClr">
+                <a:tint val="98000"/>
+                <a:satMod val="130000"/>
+                <a:shade val="90000"/>
+                <a:lumMod val="103000"/>
+              </a:schemeClr>
+            </a:gs>
+            <a:gs pos="100000">
+              <a:schemeClr val="phClr">
+                <a:shade val="63000"/>
+                <a:satMod val="120000"/>
+              </a:schemeClr>
+            </a:gs>
+          </a:gsLst>
+          <a:lin ang="5400000" scaled="0"/>
+        </a:gradFill>
+      </a:bgFillStyleLst>
+    </a:fmtScheme>
+  </a:themeElements>
+  <a:objectDefaults/>
+  <a:extraClrSchemeLst/>
+  <a:extLst>
+    <a:ext uri="{05A4C25C-085E-4340-85A3-A5531E510DB2}">
+      <thm15:themeFamily xmlns:thm15="http://schemas.microsoft.com/office/thememl/2012/main" name="Office Theme" id="{62F939B6-93AF-4DB8-9C6B-D6C7DFDC589F}" vid="{4A3C46E8-61CC-4603-A589-7422A47A8E4A}"/>
+    </a:ext>
+  </a:extLst>
+</a:theme>
 </file>